--- a/Apresentação geral.pptx
+++ b/Apresentação geral.pptx
@@ -1,29 +1,30 @@
 
 <file path=ppt/presentation.xml><?xml version="1.0" encoding="utf-8"?>
-<p:presentation xmlns:a="http://schemas.openxmlformats.org/drawingml/2006/main" xmlns:r="http://schemas.openxmlformats.org/officeDocument/2006/relationships" xmlns:mc="http://schemas.openxmlformats.org/markup-compatibility/2006" xmlns:mv="urn:schemas-microsoft-com:mac:vml" xmlns:p="http://schemas.openxmlformats.org/presentationml/2006/main" xmlns:c="http://schemas.openxmlformats.org/drawingml/2006/chart" xmlns:dgm="http://schemas.openxmlformats.org/drawingml/2006/diagram" xmlns:o="urn:schemas-microsoft-com:office:office" xmlns:v="urn:schemas-microsoft-com:vml" xmlns:pvml="urn:schemas-microsoft-com:office:powerpoint" xmlns:com="http://schemas.openxmlformats.org/drawingml/2006/compatibility" xmlns:p14="http://schemas.microsoft.com/office/powerpoint/2010/main" xmlns:p15="http://schemas.microsoft.com/office/powerpoint/2012/main" xmlns:ahyp="http://schemas.microsoft.com/office/drawing/2018/hyperlinkcolor" autoCompressPictures="0" embedTrueTypeFonts="1" strictFirstAndLastChars="0" saveSubsetFonts="1">
+<p:presentation xmlns:a="http://schemas.openxmlformats.org/drawingml/2006/main" xmlns:r="http://schemas.openxmlformats.org/officeDocument/2006/relationships" xmlns:p="http://schemas.openxmlformats.org/presentationml/2006/main" strictFirstAndLastChars="0" embedTrueTypeFonts="1" saveSubsetFonts="1" autoCompressPictures="0">
   <p:sldMasterIdLst>
-    <p:sldMasterId id="2147483659" r:id="rId4"/>
+    <p:sldMasterId id="2147483659" r:id="rId1"/>
   </p:sldMasterIdLst>
   <p:notesMasterIdLst>
     <p:notesMasterId r:id="rId5"/>
   </p:notesMasterIdLst>
   <p:sldIdLst>
-    <p:sldId id="256" r:id="rId6"/>
-    <p:sldId id="257" r:id="rId7"/>
+    <p:sldId id="256" r:id="rId2"/>
+    <p:sldId id="258" r:id="rId3"/>
+    <p:sldId id="257" r:id="rId4"/>
   </p:sldIdLst>
-  <p:sldSz cy="5143500" cx="9144000"/>
+  <p:sldSz cx="9144000" cy="5143500" type="screen16x9"/>
   <p:notesSz cx="6858000" cy="9144000"/>
   <p:embeddedFontLst>
     <p:embeddedFont>
-      <p:font typeface="Roboto"/>
-      <p:regular r:id="rId8"/>
-      <p:bold r:id="rId9"/>
-      <p:italic r:id="rId10"/>
-      <p:boldItalic r:id="rId11"/>
+      <p:font typeface="Roboto" panose="02000000000000000000" pitchFamily="2" charset="0"/>
+      <p:regular r:id="rId6"/>
+      <p:bold r:id="rId7"/>
+      <p:italic r:id="rId8"/>
+      <p:boldItalic r:id="rId9"/>
     </p:embeddedFont>
   </p:embeddedFontLst>
   <p:defaultTextStyle>
-    <a:defPPr lvl="0" marR="0" rtl="0" algn="l">
+    <a:defPPr marR="0" lvl="0" algn="l" rtl="0">
       <a:lnSpc>
         <a:spcPct val="100000"/>
       </a:lnSpc>
@@ -34,7 +35,7 @@
         <a:spcPts val="0"/>
       </a:spcAft>
     </a:defPPr>
-    <a:lvl1pPr lvl="0" marR="0" rtl="0" algn="l">
+    <a:lvl1pPr marR="0" lvl="0" algn="l" rtl="0">
       <a:lnSpc>
         <a:spcPct val="100000"/>
       </a:lnSpc>
@@ -48,7 +49,7 @@
         <a:srgbClr val="000000"/>
       </a:buClr>
       <a:buFont typeface="Arial"/>
-      <a:defRPr b="0" i="0" sz="1400" u="none" cap="none" strike="noStrike">
+      <a:defRPr sz="1400" b="0" i="0" u="none" strike="noStrike" cap="none">
         <a:solidFill>
           <a:srgbClr val="000000"/>
         </a:solidFill>
@@ -58,7 +59,7 @@
         <a:sym typeface="Arial"/>
       </a:defRPr>
     </a:lvl1pPr>
-    <a:lvl2pPr lvl="1" marR="0" rtl="0" algn="l">
+    <a:lvl2pPr marR="0" lvl="1" algn="l" rtl="0">
       <a:lnSpc>
         <a:spcPct val="100000"/>
       </a:lnSpc>
@@ -72,7 +73,7 @@
         <a:srgbClr val="000000"/>
       </a:buClr>
       <a:buFont typeface="Arial"/>
-      <a:defRPr b="0" i="0" sz="1400" u="none" cap="none" strike="noStrike">
+      <a:defRPr sz="1400" b="0" i="0" u="none" strike="noStrike" cap="none">
         <a:solidFill>
           <a:srgbClr val="000000"/>
         </a:solidFill>
@@ -82,7 +83,7 @@
         <a:sym typeface="Arial"/>
       </a:defRPr>
     </a:lvl2pPr>
-    <a:lvl3pPr lvl="2" marR="0" rtl="0" algn="l">
+    <a:lvl3pPr marR="0" lvl="2" algn="l" rtl="0">
       <a:lnSpc>
         <a:spcPct val="100000"/>
       </a:lnSpc>
@@ -96,7 +97,7 @@
         <a:srgbClr val="000000"/>
       </a:buClr>
       <a:buFont typeface="Arial"/>
-      <a:defRPr b="0" i="0" sz="1400" u="none" cap="none" strike="noStrike">
+      <a:defRPr sz="1400" b="0" i="0" u="none" strike="noStrike" cap="none">
         <a:solidFill>
           <a:srgbClr val="000000"/>
         </a:solidFill>
@@ -106,7 +107,7 @@
         <a:sym typeface="Arial"/>
       </a:defRPr>
     </a:lvl3pPr>
-    <a:lvl4pPr lvl="3" marR="0" rtl="0" algn="l">
+    <a:lvl4pPr marR="0" lvl="3" algn="l" rtl="0">
       <a:lnSpc>
         <a:spcPct val="100000"/>
       </a:lnSpc>
@@ -120,7 +121,7 @@
         <a:srgbClr val="000000"/>
       </a:buClr>
       <a:buFont typeface="Arial"/>
-      <a:defRPr b="0" i="0" sz="1400" u="none" cap="none" strike="noStrike">
+      <a:defRPr sz="1400" b="0" i="0" u="none" strike="noStrike" cap="none">
         <a:solidFill>
           <a:srgbClr val="000000"/>
         </a:solidFill>
@@ -130,7 +131,7 @@
         <a:sym typeface="Arial"/>
       </a:defRPr>
     </a:lvl4pPr>
-    <a:lvl5pPr lvl="4" marR="0" rtl="0" algn="l">
+    <a:lvl5pPr marR="0" lvl="4" algn="l" rtl="0">
       <a:lnSpc>
         <a:spcPct val="100000"/>
       </a:lnSpc>
@@ -144,7 +145,7 @@
         <a:srgbClr val="000000"/>
       </a:buClr>
       <a:buFont typeface="Arial"/>
-      <a:defRPr b="0" i="0" sz="1400" u="none" cap="none" strike="noStrike">
+      <a:defRPr sz="1400" b="0" i="0" u="none" strike="noStrike" cap="none">
         <a:solidFill>
           <a:srgbClr val="000000"/>
         </a:solidFill>
@@ -154,7 +155,7 @@
         <a:sym typeface="Arial"/>
       </a:defRPr>
     </a:lvl5pPr>
-    <a:lvl6pPr lvl="5" marR="0" rtl="0" algn="l">
+    <a:lvl6pPr marR="0" lvl="5" algn="l" rtl="0">
       <a:lnSpc>
         <a:spcPct val="100000"/>
       </a:lnSpc>
@@ -168,7 +169,7 @@
         <a:srgbClr val="000000"/>
       </a:buClr>
       <a:buFont typeface="Arial"/>
-      <a:defRPr b="0" i="0" sz="1400" u="none" cap="none" strike="noStrike">
+      <a:defRPr sz="1400" b="0" i="0" u="none" strike="noStrike" cap="none">
         <a:solidFill>
           <a:srgbClr val="000000"/>
         </a:solidFill>
@@ -178,7 +179,7 @@
         <a:sym typeface="Arial"/>
       </a:defRPr>
     </a:lvl6pPr>
-    <a:lvl7pPr lvl="6" marR="0" rtl="0" algn="l">
+    <a:lvl7pPr marR="0" lvl="6" algn="l" rtl="0">
       <a:lnSpc>
         <a:spcPct val="100000"/>
       </a:lnSpc>
@@ -192,7 +193,7 @@
         <a:srgbClr val="000000"/>
       </a:buClr>
       <a:buFont typeface="Arial"/>
-      <a:defRPr b="0" i="0" sz="1400" u="none" cap="none" strike="noStrike">
+      <a:defRPr sz="1400" b="0" i="0" u="none" strike="noStrike" cap="none">
         <a:solidFill>
           <a:srgbClr val="000000"/>
         </a:solidFill>
@@ -202,7 +203,7 @@
         <a:sym typeface="Arial"/>
       </a:defRPr>
     </a:lvl7pPr>
-    <a:lvl8pPr lvl="7" marR="0" rtl="0" algn="l">
+    <a:lvl8pPr marR="0" lvl="7" algn="l" rtl="0">
       <a:lnSpc>
         <a:spcPct val="100000"/>
       </a:lnSpc>
@@ -216,7 +217,7 @@
         <a:srgbClr val="000000"/>
       </a:buClr>
       <a:buFont typeface="Arial"/>
-      <a:defRPr b="0" i="0" sz="1400" u="none" cap="none" strike="noStrike">
+      <a:defRPr sz="1400" b="0" i="0" u="none" strike="noStrike" cap="none">
         <a:solidFill>
           <a:srgbClr val="000000"/>
         </a:solidFill>
@@ -226,7 +227,7 @@
         <a:sym typeface="Arial"/>
       </a:defRPr>
     </a:lvl8pPr>
-    <a:lvl9pPr lvl="8" marR="0" rtl="0" algn="l">
+    <a:lvl9pPr marR="0" lvl="8" algn="l" rtl="0">
       <a:lnSpc>
         <a:spcPct val="100000"/>
       </a:lnSpc>
@@ -240,7 +241,7 @@
         <a:srgbClr val="000000"/>
       </a:buClr>
       <a:buFont typeface="Arial"/>
-      <a:defRPr b="0" i="0" sz="1400" u="none" cap="none" strike="noStrike">
+      <a:defRPr sz="1400" b="0" i="0" u="none" strike="noStrike" cap="none">
         <a:solidFill>
           <a:srgbClr val="000000"/>
         </a:solidFill>
@@ -253,7 +254,7 @@
   </p:defaultTextStyle>
   <p:extLst>
     <p:ext uri="{EFAFB233-063F-42B5-8137-9DF3F51BA10A}">
-      <p15:sldGuideLst>
+      <p15:sldGuideLst xmlns:p15="http://schemas.microsoft.com/office/powerpoint/2012/main">
         <p15:guide id="1" orient="horz" pos="1620">
           <p15:clr>
             <a:srgbClr val="747775"/>
@@ -271,11 +272,16 @@
 </file>
 
 <file path=ppt/notesMasters/notesMaster1.xml><?xml version="1.0" encoding="utf-8"?>
-<p:notesMaster xmlns:a="http://schemas.openxmlformats.org/drawingml/2006/main" xmlns:r="http://schemas.openxmlformats.org/officeDocument/2006/relationships" xmlns:mc="http://schemas.openxmlformats.org/markup-compatibility/2006" xmlns:mv="urn:schemas-microsoft-com:mac:vml" xmlns:p="http://schemas.openxmlformats.org/presentationml/2006/main" xmlns:c="http://schemas.openxmlformats.org/drawingml/2006/chart" xmlns:dgm="http://schemas.openxmlformats.org/drawingml/2006/diagram" xmlns:o="urn:schemas-microsoft-com:office:office" xmlns:v="urn:schemas-microsoft-com:vml" xmlns:pvml="urn:schemas-microsoft-com:office:powerpoint" xmlns:com="http://schemas.openxmlformats.org/drawingml/2006/compatibility" xmlns:p14="http://schemas.microsoft.com/office/powerpoint/2010/main" xmlns:p15="http://schemas.microsoft.com/office/powerpoint/2012/main" xmlns:ahyp="http://schemas.microsoft.com/office/drawing/2018/hyperlinkcolor">
+<p:notesMaster xmlns:a="http://schemas.openxmlformats.org/drawingml/2006/main" xmlns:r="http://schemas.openxmlformats.org/officeDocument/2006/relationships" xmlns:p="http://schemas.openxmlformats.org/presentationml/2006/main">
   <p:cSld>
+    <p:bg>
+      <p:bgRef idx="1001">
+        <a:schemeClr val="bg1"/>
+      </p:bgRef>
+    </p:bg>
     <p:spTree>
       <p:nvGrpSpPr>
-        <p:cNvPr id="2" name="Shape 2"/>
+        <p:cNvPr id="1" name="Shape 2"/>
         <p:cNvGrpSpPr/>
         <p:nvPr/>
       </p:nvGrpSpPr>
@@ -290,9 +296,11 @@
       <p:sp>
         <p:nvSpPr>
           <p:cNvPr id="3" name="Google Shape;3;n"/>
-          <p:cNvSpPr/>
+          <p:cNvSpPr>
+            <a:spLocks noGrp="1" noRot="1" noChangeAspect="1"/>
+          </p:cNvSpPr>
           <p:nvPr>
-            <p:ph idx="2" type="sldImg"/>
+            <p:ph type="sldImg" idx="2"/>
           </p:nvPr>
         </p:nvSpPr>
         <p:spPr>
@@ -301,9 +309,13 @@
             <a:ext cx="6096075" cy="3429000"/>
           </a:xfrm>
           <a:custGeom>
-            <a:rect b="b" l="l" r="r" t="t"/>
+            <a:avLst/>
+            <a:gdLst/>
+            <a:ahLst/>
+            <a:cxnLst/>
+            <a:rect l="l" t="t" r="r" b="b"/>
             <a:pathLst>
-              <a:path extrusionOk="0" h="120000" w="120000">
+              <a:path w="120000" h="120000" extrusionOk="0">
                 <a:moveTo>
                   <a:pt x="0" y="0"/>
                 </a:moveTo>
@@ -321,23 +333,25 @@
             </a:pathLst>
           </a:custGeom>
           <a:noFill/>
-          <a:ln cap="flat" cmpd="sng" w="9525">
+          <a:ln w="9525" cap="flat" cmpd="sng">
             <a:solidFill>
               <a:srgbClr val="000000"/>
             </a:solidFill>
             <a:prstDash val="solid"/>
             <a:round/>
-            <a:headEnd len="sm" w="sm" type="none"/>
-            <a:tailEnd len="sm" w="sm" type="none"/>
+            <a:headEnd type="none" w="sm" len="sm"/>
+            <a:tailEnd type="none" w="sm" len="sm"/>
           </a:ln>
         </p:spPr>
       </p:sp>
       <p:sp>
         <p:nvSpPr>
           <p:cNvPr id="4" name="Google Shape;4;n"/>
-          <p:cNvSpPr txBox="1"/>
+          <p:cNvSpPr txBox="1">
+            <a:spLocks noGrp="1"/>
+          </p:cNvSpPr>
           <p:nvPr>
-            <p:ph idx="1" type="body"/>
+            <p:ph type="body" idx="1"/>
           </p:nvPr>
         </p:nvSpPr>
         <p:spPr>
@@ -354,11 +368,11 @@
           </a:ln>
         </p:spPr>
         <p:txBody>
-          <a:bodyPr anchorCtr="0" anchor="t" bIns="91425" lIns="91425" spcFirstLastPara="1" rIns="91425" wrap="square" tIns="91425">
+          <a:bodyPr spcFirstLastPara="1" wrap="square" lIns="91425" tIns="91425" rIns="91425" bIns="91425" anchor="t" anchorCtr="0">
             <a:noAutofit/>
           </a:bodyPr>
           <a:lstStyle>
-            <a:lvl1pPr indent="-317500" lvl="0" marL="457200">
+            <a:lvl1pPr marL="457200" lvl="0" indent="-317500">
               <a:spcBef>
                 <a:spcPts val="0"/>
               </a:spcBef>
@@ -369,7 +383,7 @@
               <a:buChar char="●"/>
               <a:defRPr sz="1100"/>
             </a:lvl1pPr>
-            <a:lvl2pPr indent="-317500" lvl="1" marL="914400">
+            <a:lvl2pPr marL="914400" lvl="1" indent="-317500">
               <a:spcBef>
                 <a:spcPts val="0"/>
               </a:spcBef>
@@ -380,7 +394,7 @@
               <a:buChar char="○"/>
               <a:defRPr sz="1100"/>
             </a:lvl2pPr>
-            <a:lvl3pPr indent="-317500" lvl="2" marL="1371600">
+            <a:lvl3pPr marL="1371600" lvl="2" indent="-317500">
               <a:spcBef>
                 <a:spcPts val="0"/>
               </a:spcBef>
@@ -391,7 +405,7 @@
               <a:buChar char="■"/>
               <a:defRPr sz="1100"/>
             </a:lvl3pPr>
-            <a:lvl4pPr indent="-317500" lvl="3" marL="1828800">
+            <a:lvl4pPr marL="1828800" lvl="3" indent="-317500">
               <a:spcBef>
                 <a:spcPts val="0"/>
               </a:spcBef>
@@ -402,7 +416,7 @@
               <a:buChar char="●"/>
               <a:defRPr sz="1100"/>
             </a:lvl4pPr>
-            <a:lvl5pPr indent="-317500" lvl="4" marL="2286000">
+            <a:lvl5pPr marL="2286000" lvl="4" indent="-317500">
               <a:spcBef>
                 <a:spcPts val="0"/>
               </a:spcBef>
@@ -413,7 +427,7 @@
               <a:buChar char="○"/>
               <a:defRPr sz="1100"/>
             </a:lvl5pPr>
-            <a:lvl6pPr indent="-317500" lvl="5" marL="2743200">
+            <a:lvl6pPr marL="2743200" lvl="5" indent="-317500">
               <a:spcBef>
                 <a:spcPts val="0"/>
               </a:spcBef>
@@ -424,7 +438,7 @@
               <a:buChar char="■"/>
               <a:defRPr sz="1100"/>
             </a:lvl6pPr>
-            <a:lvl7pPr indent="-317500" lvl="6" marL="3200400">
+            <a:lvl7pPr marL="3200400" lvl="6" indent="-317500">
               <a:spcBef>
                 <a:spcPts val="0"/>
               </a:spcBef>
@@ -435,7 +449,7 @@
               <a:buChar char="●"/>
               <a:defRPr sz="1100"/>
             </a:lvl7pPr>
-            <a:lvl8pPr indent="-317500" lvl="7" marL="3657600">
+            <a:lvl8pPr marL="3657600" lvl="7" indent="-317500">
               <a:spcBef>
                 <a:spcPts val="0"/>
               </a:spcBef>
@@ -446,7 +460,7 @@
               <a:buChar char="○"/>
               <a:defRPr sz="1100"/>
             </a:lvl8pPr>
-            <a:lvl9pPr indent="-317500" lvl="8" marL="4114800">
+            <a:lvl9pPr marL="4114800" lvl="8" indent="-317500">
               <a:spcBef>
                 <a:spcPts val="0"/>
               </a:spcBef>
@@ -458,14 +472,16 @@
               <a:defRPr sz="1100"/>
             </a:lvl9pPr>
           </a:lstStyle>
-          <a:p/>
+          <a:p>
+            <a:endParaRPr/>
+          </a:p>
         </p:txBody>
       </p:sp>
     </p:spTree>
   </p:cSld>
-  <p:clrMap accent1="accent1" accent2="accent2" accent3="accent3" accent4="accent4" accent5="accent5" accent6="accent6" bg1="lt1" bg2="dk2" tx1="dk1" tx2="lt2" folHlink="folHlink" hlink="hlink"/>
+  <p:clrMap bg1="lt1" tx1="dk1" bg2="dk2" tx2="lt2" accent1="accent1" accent2="accent2" accent3="accent3" accent4="accent4" accent5="accent5" accent6="accent6" hlink="hlink" folHlink="folHlink"/>
   <p:notesStyle>
-    <a:defPPr lvl="0" marR="0" rtl="0" algn="l">
+    <a:defPPr marR="0" lvl="0" algn="l" rtl="0">
       <a:lnSpc>
         <a:spcPct val="100000"/>
       </a:lnSpc>
@@ -476,7 +492,7 @@
         <a:spcPts val="0"/>
       </a:spcAft>
     </a:defPPr>
-    <a:lvl1pPr lvl="0" marR="0" rtl="0" algn="l">
+    <a:lvl1pPr marR="0" lvl="0" algn="l" rtl="0">
       <a:lnSpc>
         <a:spcPct val="100000"/>
       </a:lnSpc>
@@ -490,7 +506,7 @@
         <a:srgbClr val="000000"/>
       </a:buClr>
       <a:buFont typeface="Arial"/>
-      <a:defRPr b="0" i="0" sz="1400" u="none" cap="none" strike="noStrike">
+      <a:defRPr sz="1400" b="0" i="0" u="none" strike="noStrike" cap="none">
         <a:solidFill>
           <a:srgbClr val="000000"/>
         </a:solidFill>
@@ -500,7 +516,7 @@
         <a:sym typeface="Arial"/>
       </a:defRPr>
     </a:lvl1pPr>
-    <a:lvl2pPr lvl="1" marR="0" rtl="0" algn="l">
+    <a:lvl2pPr marR="0" lvl="1" algn="l" rtl="0">
       <a:lnSpc>
         <a:spcPct val="100000"/>
       </a:lnSpc>
@@ -514,7 +530,7 @@
         <a:srgbClr val="000000"/>
       </a:buClr>
       <a:buFont typeface="Arial"/>
-      <a:defRPr b="0" i="0" sz="1400" u="none" cap="none" strike="noStrike">
+      <a:defRPr sz="1400" b="0" i="0" u="none" strike="noStrike" cap="none">
         <a:solidFill>
           <a:srgbClr val="000000"/>
         </a:solidFill>
@@ -524,7 +540,7 @@
         <a:sym typeface="Arial"/>
       </a:defRPr>
     </a:lvl2pPr>
-    <a:lvl3pPr lvl="2" marR="0" rtl="0" algn="l">
+    <a:lvl3pPr marR="0" lvl="2" algn="l" rtl="0">
       <a:lnSpc>
         <a:spcPct val="100000"/>
       </a:lnSpc>
@@ -538,7 +554,7 @@
         <a:srgbClr val="000000"/>
       </a:buClr>
       <a:buFont typeface="Arial"/>
-      <a:defRPr b="0" i="0" sz="1400" u="none" cap="none" strike="noStrike">
+      <a:defRPr sz="1400" b="0" i="0" u="none" strike="noStrike" cap="none">
         <a:solidFill>
           <a:srgbClr val="000000"/>
         </a:solidFill>
@@ -548,7 +564,7 @@
         <a:sym typeface="Arial"/>
       </a:defRPr>
     </a:lvl3pPr>
-    <a:lvl4pPr lvl="3" marR="0" rtl="0" algn="l">
+    <a:lvl4pPr marR="0" lvl="3" algn="l" rtl="0">
       <a:lnSpc>
         <a:spcPct val="100000"/>
       </a:lnSpc>
@@ -562,7 +578,7 @@
         <a:srgbClr val="000000"/>
       </a:buClr>
       <a:buFont typeface="Arial"/>
-      <a:defRPr b="0" i="0" sz="1400" u="none" cap="none" strike="noStrike">
+      <a:defRPr sz="1400" b="0" i="0" u="none" strike="noStrike" cap="none">
         <a:solidFill>
           <a:srgbClr val="000000"/>
         </a:solidFill>
@@ -572,7 +588,7 @@
         <a:sym typeface="Arial"/>
       </a:defRPr>
     </a:lvl4pPr>
-    <a:lvl5pPr lvl="4" marR="0" rtl="0" algn="l">
+    <a:lvl5pPr marR="0" lvl="4" algn="l" rtl="0">
       <a:lnSpc>
         <a:spcPct val="100000"/>
       </a:lnSpc>
@@ -586,7 +602,7 @@
         <a:srgbClr val="000000"/>
       </a:buClr>
       <a:buFont typeface="Arial"/>
-      <a:defRPr b="0" i="0" sz="1400" u="none" cap="none" strike="noStrike">
+      <a:defRPr sz="1400" b="0" i="0" u="none" strike="noStrike" cap="none">
         <a:solidFill>
           <a:srgbClr val="000000"/>
         </a:solidFill>
@@ -596,7 +612,7 @@
         <a:sym typeface="Arial"/>
       </a:defRPr>
     </a:lvl5pPr>
-    <a:lvl6pPr lvl="5" marR="0" rtl="0" algn="l">
+    <a:lvl6pPr marR="0" lvl="5" algn="l" rtl="0">
       <a:lnSpc>
         <a:spcPct val="100000"/>
       </a:lnSpc>
@@ -610,7 +626,7 @@
         <a:srgbClr val="000000"/>
       </a:buClr>
       <a:buFont typeface="Arial"/>
-      <a:defRPr b="0" i="0" sz="1400" u="none" cap="none" strike="noStrike">
+      <a:defRPr sz="1400" b="0" i="0" u="none" strike="noStrike" cap="none">
         <a:solidFill>
           <a:srgbClr val="000000"/>
         </a:solidFill>
@@ -620,7 +636,7 @@
         <a:sym typeface="Arial"/>
       </a:defRPr>
     </a:lvl6pPr>
-    <a:lvl7pPr lvl="6" marR="0" rtl="0" algn="l">
+    <a:lvl7pPr marR="0" lvl="6" algn="l" rtl="0">
       <a:lnSpc>
         <a:spcPct val="100000"/>
       </a:lnSpc>
@@ -634,7 +650,7 @@
         <a:srgbClr val="000000"/>
       </a:buClr>
       <a:buFont typeface="Arial"/>
-      <a:defRPr b="0" i="0" sz="1400" u="none" cap="none" strike="noStrike">
+      <a:defRPr sz="1400" b="0" i="0" u="none" strike="noStrike" cap="none">
         <a:solidFill>
           <a:srgbClr val="000000"/>
         </a:solidFill>
@@ -644,7 +660,7 @@
         <a:sym typeface="Arial"/>
       </a:defRPr>
     </a:lvl7pPr>
-    <a:lvl8pPr lvl="7" marR="0" rtl="0" algn="l">
+    <a:lvl8pPr marR="0" lvl="7" algn="l" rtl="0">
       <a:lnSpc>
         <a:spcPct val="100000"/>
       </a:lnSpc>
@@ -658,7 +674,7 @@
         <a:srgbClr val="000000"/>
       </a:buClr>
       <a:buFont typeface="Arial"/>
-      <a:defRPr b="0" i="0" sz="1400" u="none" cap="none" strike="noStrike">
+      <a:defRPr sz="1400" b="0" i="0" u="none" strike="noStrike" cap="none">
         <a:solidFill>
           <a:srgbClr val="000000"/>
         </a:solidFill>
@@ -668,7 +684,7 @@
         <a:sym typeface="Arial"/>
       </a:defRPr>
     </a:lvl8pPr>
-    <a:lvl9pPr lvl="8" marR="0" rtl="0" algn="l">
+    <a:lvl9pPr marR="0" lvl="8" algn="l" rtl="0">
       <a:lnSpc>
         <a:spcPct val="100000"/>
       </a:lnSpc>
@@ -682,7 +698,7 @@
         <a:srgbClr val="000000"/>
       </a:buClr>
       <a:buFont typeface="Arial"/>
-      <a:defRPr b="0" i="0" sz="1400" u="none" cap="none" strike="noStrike">
+      <a:defRPr sz="1400" b="0" i="0" u="none" strike="noStrike" cap="none">
         <a:solidFill>
           <a:srgbClr val="000000"/>
         </a:solidFill>
@@ -697,11 +713,11 @@
 </file>
 
 <file path=ppt/notesSlides/notesSlide1.xml><?xml version="1.0" encoding="utf-8"?>
-<p:notes xmlns:a="http://schemas.openxmlformats.org/drawingml/2006/main" xmlns:r="http://schemas.openxmlformats.org/officeDocument/2006/relationships" xmlns:mc="http://schemas.openxmlformats.org/markup-compatibility/2006" xmlns:mv="urn:schemas-microsoft-com:mac:vml" xmlns:p="http://schemas.openxmlformats.org/presentationml/2006/main" xmlns:c="http://schemas.openxmlformats.org/drawingml/2006/chart" xmlns:dgm="http://schemas.openxmlformats.org/drawingml/2006/diagram" xmlns:o="urn:schemas-microsoft-com:office:office" xmlns:v="urn:schemas-microsoft-com:vml" xmlns:pvml="urn:schemas-microsoft-com:office:powerpoint" xmlns:com="http://schemas.openxmlformats.org/drawingml/2006/compatibility" xmlns:p14="http://schemas.microsoft.com/office/powerpoint/2010/main" xmlns:p15="http://schemas.microsoft.com/office/powerpoint/2012/main" xmlns:ahyp="http://schemas.microsoft.com/office/drawing/2018/hyperlinkcolor" showMasterPhAnim="0" showMasterSp="0">
+<p:notes xmlns:a="http://schemas.openxmlformats.org/drawingml/2006/main" xmlns:r="http://schemas.openxmlformats.org/officeDocument/2006/relationships" xmlns:p="http://schemas.openxmlformats.org/presentationml/2006/main" showMasterSp="0" showMasterPhAnim="0">
   <p:cSld>
     <p:spTree>
       <p:nvGrpSpPr>
-        <p:cNvPr id="63" name="Shape 63"/>
+        <p:cNvPr id="1" name="Shape 63"/>
         <p:cNvGrpSpPr/>
         <p:nvPr/>
       </p:nvGrpSpPr>
@@ -716,20 +732,26 @@
       <p:sp>
         <p:nvSpPr>
           <p:cNvPr id="64" name="Google Shape;64;gc6f73a04f_0_20:notes"/>
-          <p:cNvSpPr/>
+          <p:cNvSpPr>
+            <a:spLocks noGrp="1" noRot="1" noChangeAspect="1"/>
+          </p:cNvSpPr>
           <p:nvPr>
-            <p:ph idx="2" type="sldImg"/>
+            <p:ph type="sldImg" idx="2"/>
           </p:nvPr>
         </p:nvSpPr>
         <p:spPr>
           <a:xfrm>
-            <a:off x="381188" y="685800"/>
-            <a:ext cx="6096300" cy="3429000"/>
+            <a:off x="381000" y="685800"/>
+            <a:ext cx="6096000" cy="3429000"/>
           </a:xfrm>
           <a:custGeom>
-            <a:rect b="b" l="l" r="r" t="t"/>
+            <a:avLst/>
+            <a:gdLst/>
+            <a:ahLst/>
+            <a:cxnLst/>
+            <a:rect l="l" t="t" r="r" b="b"/>
             <a:pathLst>
-              <a:path extrusionOk="0" h="120000" w="120000">
+              <a:path w="120000" h="120000" extrusionOk="0">
                 <a:moveTo>
                   <a:pt x="0" y="0"/>
                 </a:moveTo>
@@ -751,9 +773,11 @@
       <p:sp>
         <p:nvSpPr>
           <p:cNvPr id="65" name="Google Shape;65;gc6f73a04f_0_20:notes"/>
-          <p:cNvSpPr txBox="1"/>
+          <p:cNvSpPr txBox="1">
+            <a:spLocks noGrp="1"/>
+          </p:cNvSpPr>
           <p:nvPr>
-            <p:ph idx="1" type="body"/>
+            <p:ph type="body" idx="1"/>
           </p:nvPr>
         </p:nvSpPr>
         <p:spPr>
@@ -766,12 +790,12 @@
           </a:prstGeom>
         </p:spPr>
         <p:txBody>
-          <a:bodyPr anchorCtr="0" anchor="t" bIns="91425" lIns="91425" spcFirstLastPara="1" rIns="91425" wrap="square" tIns="91425">
+          <a:bodyPr spcFirstLastPara="1" wrap="square" lIns="91425" tIns="91425" rIns="91425" bIns="91425" anchor="t" anchorCtr="0">
             <a:noAutofit/>
           </a:bodyPr>
           <a:lstStyle/>
           <a:p>
-            <a:pPr indent="0" lvl="0" marL="0" rtl="0" algn="l">
+            <a:pPr marL="0" lvl="0" indent="0" algn="l" rtl="0">
               <a:spcBef>
                 <a:spcPts val="0"/>
               </a:spcBef>
@@ -780,9 +804,6 @@
               </a:spcAft>
               <a:buNone/>
             </a:pPr>
-            <a:r>
-              <a:t/>
-            </a:r>
             <a:endParaRPr/>
           </a:p>
         </p:txBody>
@@ -796,11 +817,120 @@
 </file>
 
 <file path=ppt/notesSlides/notesSlide2.xml><?xml version="1.0" encoding="utf-8"?>
-<p:notes xmlns:a="http://schemas.openxmlformats.org/drawingml/2006/main" xmlns:r="http://schemas.openxmlformats.org/officeDocument/2006/relationships" xmlns:mc="http://schemas.openxmlformats.org/markup-compatibility/2006" xmlns:mv="urn:schemas-microsoft-com:mac:vml" xmlns:p="http://schemas.openxmlformats.org/presentationml/2006/main" xmlns:c="http://schemas.openxmlformats.org/drawingml/2006/chart" xmlns:dgm="http://schemas.openxmlformats.org/drawingml/2006/diagram" xmlns:o="urn:schemas-microsoft-com:office:office" xmlns:v="urn:schemas-microsoft-com:vml" xmlns:pvml="urn:schemas-microsoft-com:office:powerpoint" xmlns:com="http://schemas.openxmlformats.org/drawingml/2006/compatibility" xmlns:p14="http://schemas.microsoft.com/office/powerpoint/2010/main" xmlns:p15="http://schemas.microsoft.com/office/powerpoint/2012/main" xmlns:ahyp="http://schemas.microsoft.com/office/drawing/2018/hyperlinkcolor" showMasterPhAnim="0" showMasterSp="0">
+<p:notes xmlns:a="http://schemas.openxmlformats.org/drawingml/2006/main" xmlns:r="http://schemas.openxmlformats.org/officeDocument/2006/relationships" xmlns:p="http://schemas.openxmlformats.org/presentationml/2006/main" showMasterSp="0" showMasterPhAnim="0">
   <p:cSld>
     <p:spTree>
       <p:nvGrpSpPr>
-        <p:cNvPr id="71" name="Shape 71"/>
+        <p:cNvPr id="1" name="Shape 63"/>
+        <p:cNvGrpSpPr/>
+        <p:nvPr/>
+      </p:nvGrpSpPr>
+      <p:grpSpPr>
+        <a:xfrm>
+          <a:off x="0" y="0"/>
+          <a:ext cx="0" cy="0"/>
+          <a:chOff x="0" y="0"/>
+          <a:chExt cx="0" cy="0"/>
+        </a:xfrm>
+      </p:grpSpPr>
+      <p:sp>
+        <p:nvSpPr>
+          <p:cNvPr id="64" name="Google Shape;64;gc6f73a04f_0_20:notes"/>
+          <p:cNvSpPr>
+            <a:spLocks noGrp="1" noRot="1" noChangeAspect="1"/>
+          </p:cNvSpPr>
+          <p:nvPr>
+            <p:ph type="sldImg" idx="2"/>
+          </p:nvPr>
+        </p:nvSpPr>
+        <p:spPr>
+          <a:xfrm>
+            <a:off x="381000" y="685800"/>
+            <a:ext cx="6096000" cy="3429000"/>
+          </a:xfrm>
+          <a:custGeom>
+            <a:avLst/>
+            <a:gdLst/>
+            <a:ahLst/>
+            <a:cxnLst/>
+            <a:rect l="l" t="t" r="r" b="b"/>
+            <a:pathLst>
+              <a:path w="120000" h="120000" extrusionOk="0">
+                <a:moveTo>
+                  <a:pt x="0" y="0"/>
+                </a:moveTo>
+                <a:lnTo>
+                  <a:pt x="120000" y="0"/>
+                </a:lnTo>
+                <a:lnTo>
+                  <a:pt x="120000" y="120000"/>
+                </a:lnTo>
+                <a:lnTo>
+                  <a:pt x="0" y="120000"/>
+                </a:lnTo>
+                <a:close/>
+              </a:path>
+            </a:pathLst>
+          </a:custGeom>
+        </p:spPr>
+      </p:sp>
+      <p:sp>
+        <p:nvSpPr>
+          <p:cNvPr id="65" name="Google Shape;65;gc6f73a04f_0_20:notes"/>
+          <p:cNvSpPr txBox="1">
+            <a:spLocks noGrp="1"/>
+          </p:cNvSpPr>
+          <p:nvPr>
+            <p:ph type="body" idx="1"/>
+          </p:nvPr>
+        </p:nvSpPr>
+        <p:spPr>
+          <a:xfrm>
+            <a:off x="685800" y="4343400"/>
+            <a:ext cx="5486400" cy="4114800"/>
+          </a:xfrm>
+          <a:prstGeom prst="rect">
+            <a:avLst/>
+          </a:prstGeom>
+        </p:spPr>
+        <p:txBody>
+          <a:bodyPr spcFirstLastPara="1" wrap="square" lIns="91425" tIns="91425" rIns="91425" bIns="91425" anchor="t" anchorCtr="0">
+            <a:noAutofit/>
+          </a:bodyPr>
+          <a:lstStyle/>
+          <a:p>
+            <a:pPr marL="0" lvl="0" indent="0" algn="l" rtl="0">
+              <a:spcBef>
+                <a:spcPts val="0"/>
+              </a:spcBef>
+              <a:spcAft>
+                <a:spcPts val="0"/>
+              </a:spcAft>
+              <a:buNone/>
+            </a:pPr>
+            <a:endParaRPr/>
+          </a:p>
+        </p:txBody>
+      </p:sp>
+    </p:spTree>
+    <p:extLst>
+      <p:ext uri="{BB962C8B-B14F-4D97-AF65-F5344CB8AC3E}">
+        <p14:creationId xmlns:p14="http://schemas.microsoft.com/office/powerpoint/2010/main" val="4276950098"/>
+      </p:ext>
+    </p:extLst>
+  </p:cSld>
+  <p:clrMapOvr>
+    <a:masterClrMapping/>
+  </p:clrMapOvr>
+</p:notes>
+</file>
+
+<file path=ppt/notesSlides/notesSlide3.xml><?xml version="1.0" encoding="utf-8"?>
+<p:notes xmlns:a="http://schemas.openxmlformats.org/drawingml/2006/main" xmlns:r="http://schemas.openxmlformats.org/officeDocument/2006/relationships" xmlns:p="http://schemas.openxmlformats.org/presentationml/2006/main" showMasterSp="0" showMasterPhAnim="0">
+  <p:cSld>
+    <p:spTree>
+      <p:nvGrpSpPr>
+        <p:cNvPr id="1" name="Shape 71"/>
         <p:cNvGrpSpPr/>
         <p:nvPr/>
       </p:nvGrpSpPr>
@@ -815,20 +945,26 @@
       <p:sp>
         <p:nvSpPr>
           <p:cNvPr id="72" name="Google Shape;72;g202e5e7ee59_0_6:notes"/>
-          <p:cNvSpPr/>
+          <p:cNvSpPr>
+            <a:spLocks noGrp="1" noRot="1" noChangeAspect="1"/>
+          </p:cNvSpPr>
           <p:nvPr>
-            <p:ph idx="2" type="sldImg"/>
+            <p:ph type="sldImg" idx="2"/>
           </p:nvPr>
         </p:nvSpPr>
         <p:spPr>
           <a:xfrm>
-            <a:off x="381188" y="685800"/>
-            <a:ext cx="6096300" cy="3429000"/>
+            <a:off x="381000" y="685800"/>
+            <a:ext cx="6096000" cy="3429000"/>
           </a:xfrm>
           <a:custGeom>
-            <a:rect b="b" l="l" r="r" t="t"/>
+            <a:avLst/>
+            <a:gdLst/>
+            <a:ahLst/>
+            <a:cxnLst/>
+            <a:rect l="l" t="t" r="r" b="b"/>
             <a:pathLst>
-              <a:path extrusionOk="0" h="120000" w="120000">
+              <a:path w="120000" h="120000" extrusionOk="0">
                 <a:moveTo>
                   <a:pt x="0" y="0"/>
                 </a:moveTo>
@@ -850,9 +986,11 @@
       <p:sp>
         <p:nvSpPr>
           <p:cNvPr id="73" name="Google Shape;73;g202e5e7ee59_0_6:notes"/>
-          <p:cNvSpPr txBox="1"/>
+          <p:cNvSpPr txBox="1">
+            <a:spLocks noGrp="1"/>
+          </p:cNvSpPr>
           <p:nvPr>
-            <p:ph idx="1" type="body"/>
+            <p:ph type="body" idx="1"/>
           </p:nvPr>
         </p:nvSpPr>
         <p:spPr>
@@ -865,12 +1003,12 @@
           </a:prstGeom>
         </p:spPr>
         <p:txBody>
-          <a:bodyPr anchorCtr="0" anchor="t" bIns="91425" lIns="91425" spcFirstLastPara="1" rIns="91425" wrap="square" tIns="91425">
+          <a:bodyPr spcFirstLastPara="1" wrap="square" lIns="91425" tIns="91425" rIns="91425" bIns="91425" anchor="t" anchorCtr="0">
             <a:noAutofit/>
           </a:bodyPr>
           <a:lstStyle/>
           <a:p>
-            <a:pPr indent="0" lvl="0" marL="0" rtl="0" algn="l">
+            <a:pPr marL="0" lvl="0" indent="0" algn="l" rtl="0">
               <a:spcBef>
                 <a:spcPts val="0"/>
               </a:spcBef>
@@ -879,9 +1017,6 @@
               </a:spcAft>
               <a:buNone/>
             </a:pPr>
-            <a:r>
-              <a:t/>
-            </a:r>
             <a:endParaRPr/>
           </a:p>
         </p:txBody>
@@ -895,11 +1030,11 @@
 </file>
 
 <file path=ppt/slideLayouts/slideLayout1.xml><?xml version="1.0" encoding="utf-8"?>
-<p:sldLayout xmlns:a="http://schemas.openxmlformats.org/drawingml/2006/main" xmlns:r="http://schemas.openxmlformats.org/officeDocument/2006/relationships" xmlns:mc="http://schemas.openxmlformats.org/markup-compatibility/2006" xmlns:mv="urn:schemas-microsoft-com:mac:vml" xmlns:p="http://schemas.openxmlformats.org/presentationml/2006/main" xmlns:c="http://schemas.openxmlformats.org/drawingml/2006/chart" xmlns:dgm="http://schemas.openxmlformats.org/drawingml/2006/diagram" xmlns:o="urn:schemas-microsoft-com:office:office" xmlns:v="urn:schemas-microsoft-com:vml" xmlns:pvml="urn:schemas-microsoft-com:office:powerpoint" xmlns:com="http://schemas.openxmlformats.org/drawingml/2006/compatibility" xmlns:p14="http://schemas.microsoft.com/office/powerpoint/2010/main" xmlns:p15="http://schemas.microsoft.com/office/powerpoint/2012/main" xmlns:ahyp="http://schemas.microsoft.com/office/drawing/2018/hyperlinkcolor" matchingName="Title slide" type="title">
+<p:sldLayout xmlns:a="http://schemas.openxmlformats.org/drawingml/2006/main" xmlns:r="http://schemas.openxmlformats.org/officeDocument/2006/relationships" xmlns:p="http://schemas.openxmlformats.org/presentationml/2006/main" matchingName="Title slide" type="title">
   <p:cSld name="TITLE">
     <p:spTree>
       <p:nvGrpSpPr>
-        <p:cNvPr id="9" name="Shape 9"/>
+        <p:cNvPr id="1" name="Shape 9"/>
         <p:cNvGrpSpPr/>
         <p:nvPr/>
       </p:nvGrpSpPr>
@@ -933,12 +1068,12 @@
           </a:ln>
         </p:spPr>
         <p:txBody>
-          <a:bodyPr anchorCtr="0" anchor="ctr" bIns="91425" lIns="91425" spcFirstLastPara="1" rIns="91425" wrap="square" tIns="91425">
+          <a:bodyPr spcFirstLastPara="1" wrap="square" lIns="91425" tIns="91425" rIns="91425" bIns="91425" anchor="ctr" anchorCtr="0">
             <a:noAutofit/>
           </a:bodyPr>
           <a:lstStyle/>
           <a:p>
-            <a:pPr indent="0" lvl="0" marL="0" rtl="0" algn="l">
+            <a:pPr marL="0" lvl="0" indent="0" algn="l" rtl="0">
               <a:spcBef>
                 <a:spcPts val="0"/>
               </a:spcBef>
@@ -947,9 +1082,6 @@
               </a:spcAft>
               <a:buNone/>
             </a:pPr>
-            <a:r>
-              <a:t/>
-            </a:r>
             <a:endParaRPr/>
           </a:p>
         </p:txBody>
@@ -967,7 +1099,7 @@
           </a:xfrm>
           <a:prstGeom prst="round1Rect">
             <a:avLst>
-              <a:gd fmla="val 16667" name="adj"/>
+              <a:gd name="adj" fmla="val 16667"/>
             </a:avLst>
           </a:prstGeom>
           <a:solidFill>
@@ -980,12 +1112,12 @@
           </a:ln>
         </p:spPr>
         <p:txBody>
-          <a:bodyPr anchorCtr="0" anchor="ctr" bIns="91425" lIns="91425" spcFirstLastPara="1" rIns="91425" wrap="square" tIns="91425">
+          <a:bodyPr spcFirstLastPara="1" wrap="square" lIns="91425" tIns="91425" rIns="91425" bIns="91425" anchor="ctr" anchorCtr="0">
             <a:noAutofit/>
           </a:bodyPr>
           <a:lstStyle/>
           <a:p>
-            <a:pPr indent="0" lvl="0" marL="0" rtl="0" algn="l">
+            <a:pPr marL="0" lvl="0" indent="0" algn="l" rtl="0">
               <a:spcBef>
                 <a:spcPts val="0"/>
               </a:spcBef>
@@ -994,9 +1126,6 @@
               </a:spcAft>
               <a:buNone/>
             </a:pPr>
-            <a:r>
-              <a:t/>
-            </a:r>
             <a:endParaRPr/>
           </a:p>
         </p:txBody>
@@ -1004,7 +1133,9 @@
       <p:sp>
         <p:nvSpPr>
           <p:cNvPr id="12" name="Google Shape;12;p2"/>
-          <p:cNvSpPr txBox="1"/>
+          <p:cNvSpPr txBox="1">
+            <a:spLocks noGrp="1"/>
+          </p:cNvSpPr>
           <p:nvPr>
             <p:ph type="ctrTitle"/>
           </p:nvPr>
@@ -1019,7 +1150,7 @@
           </a:prstGeom>
         </p:spPr>
         <p:txBody>
-          <a:bodyPr anchorCtr="0" anchor="b" bIns="91425" lIns="91425" spcFirstLastPara="1" rIns="91425" wrap="square" tIns="91425">
+          <a:bodyPr spcFirstLastPara="1" wrap="square" lIns="91425" tIns="91425" rIns="91425" bIns="91425" anchor="b" anchorCtr="0">
             <a:noAutofit/>
           </a:bodyPr>
           <a:lstStyle>
@@ -1123,15 +1254,19 @@
               <a:defRPr sz="4800"/>
             </a:lvl9pPr>
           </a:lstStyle>
-          <a:p/>
+          <a:p>
+            <a:endParaRPr/>
+          </a:p>
         </p:txBody>
       </p:sp>
       <p:sp>
         <p:nvSpPr>
           <p:cNvPr id="13" name="Google Shape;13;p2"/>
-          <p:cNvSpPr txBox="1"/>
+          <p:cNvSpPr txBox="1">
+            <a:spLocks noGrp="1"/>
+          </p:cNvSpPr>
           <p:nvPr>
-            <p:ph idx="1" type="subTitle"/>
+            <p:ph type="subTitle" idx="1"/>
           </p:nvPr>
         </p:nvSpPr>
         <p:spPr>
@@ -1144,7 +1279,7 @@
           </a:prstGeom>
         </p:spPr>
         <p:txBody>
-          <a:bodyPr anchorCtr="0" anchor="t" bIns="91425" lIns="91425" spcFirstLastPara="1" rIns="91425" wrap="square" tIns="91425">
+          <a:bodyPr spcFirstLastPara="1" wrap="square" lIns="91425" tIns="91425" rIns="91425" bIns="91425" anchor="t" anchorCtr="0">
             <a:noAutofit/>
           </a:bodyPr>
           <a:lstStyle>
@@ -1338,15 +1473,19 @@
               </a:defRPr>
             </a:lvl9pPr>
           </a:lstStyle>
-          <a:p/>
+          <a:p>
+            <a:endParaRPr/>
+          </a:p>
         </p:txBody>
       </p:sp>
       <p:sp>
         <p:nvSpPr>
           <p:cNvPr id="14" name="Google Shape;14;p2"/>
-          <p:cNvSpPr txBox="1"/>
+          <p:cNvSpPr txBox="1">
+            <a:spLocks noGrp="1"/>
+          </p:cNvSpPr>
           <p:nvPr>
-            <p:ph idx="12" type="sldNum"/>
+            <p:ph type="sldNum" idx="12"/>
           </p:nvPr>
         </p:nvSpPr>
         <p:spPr>
@@ -1359,7 +1498,7 @@
           </a:prstGeom>
         </p:spPr>
         <p:txBody>
-          <a:bodyPr anchorCtr="0" anchor="ctr" bIns="91425" lIns="91425" spcFirstLastPara="1" rIns="91425" wrap="square" tIns="91425">
+          <a:bodyPr spcFirstLastPara="1" wrap="square" lIns="91425" tIns="91425" rIns="91425" bIns="91425" anchor="ctr" anchorCtr="0">
             <a:noAutofit/>
           </a:bodyPr>
           <a:lstStyle>
@@ -1401,7 +1540,7 @@
             </a:lvl9pPr>
           </a:lstStyle>
           <a:p>
-            <a:pPr indent="0" lvl="0" marL="0" rtl="0" algn="r">
+            <a:pPr marL="0" lvl="0" indent="0" algn="r" rtl="0">
               <a:spcBef>
                 <a:spcPts val="0"/>
               </a:spcBef>
@@ -1412,7 +1551,7 @@
             </a:pPr>
             <a:fld id="{00000000-1234-1234-1234-123412341234}" type="slidenum">
               <a:rPr lang="pt-BR"/>
-              <a:t>‹#›</a:t>
+              <a:t>‹nº›</a:t>
             </a:fld>
             <a:endParaRPr/>
           </a:p>
@@ -1427,18 +1566,19 @@
 </file>
 
 <file path=ppt/slideLayouts/slideLayout10.xml><?xml version="1.0" encoding="utf-8"?>
-<p:sldLayout xmlns:a="http://schemas.openxmlformats.org/drawingml/2006/main" xmlns:r="http://schemas.openxmlformats.org/officeDocument/2006/relationships" xmlns:mc="http://schemas.openxmlformats.org/markup-compatibility/2006" xmlns:mv="urn:schemas-microsoft-com:mac:vml" xmlns:p="http://schemas.openxmlformats.org/presentationml/2006/main" xmlns:c="http://schemas.openxmlformats.org/drawingml/2006/chart" xmlns:dgm="http://schemas.openxmlformats.org/drawingml/2006/diagram" xmlns:o="urn:schemas-microsoft-com:office:office" xmlns:v="urn:schemas-microsoft-com:vml" xmlns:pvml="urn:schemas-microsoft-com:office:powerpoint" xmlns:com="http://schemas.openxmlformats.org/drawingml/2006/compatibility" xmlns:p14="http://schemas.microsoft.com/office/powerpoint/2010/main" xmlns:p15="http://schemas.microsoft.com/office/powerpoint/2012/main" xmlns:ahyp="http://schemas.microsoft.com/office/drawing/2018/hyperlinkcolor" matchingName="Big number">
+<p:sldLayout xmlns:a="http://schemas.openxmlformats.org/drawingml/2006/main" xmlns:r="http://schemas.openxmlformats.org/officeDocument/2006/relationships" xmlns:p="http://schemas.openxmlformats.org/presentationml/2006/main" matchingName="Big number">
   <p:cSld name="BIG_NUMBER">
     <p:bg>
       <p:bgPr>
         <a:solidFill>
           <a:schemeClr val="accent4"/>
         </a:solidFill>
+        <a:effectLst/>
       </p:bgPr>
     </p:bg>
     <p:spTree>
       <p:nvGrpSpPr>
-        <p:cNvPr id="57" name="Shape 57"/>
+        <p:cNvPr id="1" name="Shape 57"/>
         <p:cNvGrpSpPr/>
         <p:nvPr/>
       </p:nvGrpSpPr>
@@ -1453,9 +1593,11 @@
       <p:sp>
         <p:nvSpPr>
           <p:cNvPr id="58" name="Google Shape;58;p11"/>
-          <p:cNvSpPr txBox="1"/>
+          <p:cNvSpPr txBox="1">
+            <a:spLocks noGrp="1"/>
+          </p:cNvSpPr>
           <p:nvPr>
-            <p:ph hasCustomPrompt="1" type="title"/>
+            <p:ph type="title" hasCustomPrompt="1"/>
           </p:nvPr>
         </p:nvSpPr>
         <p:spPr>
@@ -1468,7 +1610,7 @@
           </a:prstGeom>
         </p:spPr>
         <p:txBody>
-          <a:bodyPr anchorCtr="0" anchor="b" bIns="91425" lIns="91425" spcFirstLastPara="1" rIns="91425" wrap="square" tIns="91425">
+          <a:bodyPr spcFirstLastPara="1" wrap="square" lIns="91425" tIns="91425" rIns="91425" bIns="91425" anchor="b" anchorCtr="0">
             <a:noAutofit/>
           </a:bodyPr>
           <a:lstStyle>
@@ -1645,9 +1787,11 @@
       <p:sp>
         <p:nvSpPr>
           <p:cNvPr id="59" name="Google Shape;59;p11"/>
-          <p:cNvSpPr txBox="1"/>
+          <p:cNvSpPr txBox="1">
+            <a:spLocks noGrp="1"/>
+          </p:cNvSpPr>
           <p:nvPr>
-            <p:ph idx="1" type="body"/>
+            <p:ph type="body" idx="1"/>
           </p:nvPr>
         </p:nvSpPr>
         <p:spPr>
@@ -1660,11 +1804,11 @@
           </a:prstGeom>
         </p:spPr>
         <p:txBody>
-          <a:bodyPr anchorCtr="0" anchor="t" bIns="91425" lIns="91425" spcFirstLastPara="1" rIns="91425" wrap="square" tIns="91425">
+          <a:bodyPr spcFirstLastPara="1" wrap="square" lIns="91425" tIns="91425" rIns="91425" bIns="91425" anchor="t" anchorCtr="0">
             <a:noAutofit/>
           </a:bodyPr>
           <a:lstStyle>
-            <a:lvl1pPr indent="-342900" lvl="0" marL="457200" algn="ctr">
+            <a:lvl1pPr marL="457200" lvl="0" indent="-342900" algn="ctr">
               <a:spcBef>
                 <a:spcPts val="0"/>
               </a:spcBef>
@@ -1675,7 +1819,7 @@
               <a:buChar char="●"/>
               <a:defRPr/>
             </a:lvl1pPr>
-            <a:lvl2pPr indent="-317500" lvl="1" marL="914400" algn="ctr">
+            <a:lvl2pPr marL="914400" lvl="1" indent="-317500" algn="ctr">
               <a:spcBef>
                 <a:spcPts val="1600"/>
               </a:spcBef>
@@ -1686,7 +1830,7 @@
               <a:buChar char="○"/>
               <a:defRPr/>
             </a:lvl2pPr>
-            <a:lvl3pPr indent="-317500" lvl="2" marL="1371600" algn="ctr">
+            <a:lvl3pPr marL="1371600" lvl="2" indent="-317500" algn="ctr">
               <a:spcBef>
                 <a:spcPts val="1600"/>
               </a:spcBef>
@@ -1697,7 +1841,7 @@
               <a:buChar char="■"/>
               <a:defRPr/>
             </a:lvl3pPr>
-            <a:lvl4pPr indent="-317500" lvl="3" marL="1828800" algn="ctr">
+            <a:lvl4pPr marL="1828800" lvl="3" indent="-317500" algn="ctr">
               <a:spcBef>
                 <a:spcPts val="1600"/>
               </a:spcBef>
@@ -1708,7 +1852,7 @@
               <a:buChar char="●"/>
               <a:defRPr/>
             </a:lvl4pPr>
-            <a:lvl5pPr indent="-317500" lvl="4" marL="2286000" algn="ctr">
+            <a:lvl5pPr marL="2286000" lvl="4" indent="-317500" algn="ctr">
               <a:spcBef>
                 <a:spcPts val="1600"/>
               </a:spcBef>
@@ -1719,7 +1863,7 @@
               <a:buChar char="○"/>
               <a:defRPr/>
             </a:lvl5pPr>
-            <a:lvl6pPr indent="-317500" lvl="5" marL="2743200" algn="ctr">
+            <a:lvl6pPr marL="2743200" lvl="5" indent="-317500" algn="ctr">
               <a:spcBef>
                 <a:spcPts val="1600"/>
               </a:spcBef>
@@ -1730,7 +1874,7 @@
               <a:buChar char="■"/>
               <a:defRPr/>
             </a:lvl6pPr>
-            <a:lvl7pPr indent="-317500" lvl="6" marL="3200400" algn="ctr">
+            <a:lvl7pPr marL="3200400" lvl="6" indent="-317500" algn="ctr">
               <a:spcBef>
                 <a:spcPts val="1600"/>
               </a:spcBef>
@@ -1741,7 +1885,7 @@
               <a:buChar char="●"/>
               <a:defRPr/>
             </a:lvl7pPr>
-            <a:lvl8pPr indent="-317500" lvl="7" marL="3657600" algn="ctr">
+            <a:lvl8pPr marL="3657600" lvl="7" indent="-317500" algn="ctr">
               <a:spcBef>
                 <a:spcPts val="1600"/>
               </a:spcBef>
@@ -1752,7 +1896,7 @@
               <a:buChar char="○"/>
               <a:defRPr/>
             </a:lvl8pPr>
-            <a:lvl9pPr indent="-317500" lvl="8" marL="4114800" algn="ctr">
+            <a:lvl9pPr marL="4114800" lvl="8" indent="-317500" algn="ctr">
               <a:spcBef>
                 <a:spcPts val="1600"/>
               </a:spcBef>
@@ -1764,15 +1908,19 @@
               <a:defRPr/>
             </a:lvl9pPr>
           </a:lstStyle>
-          <a:p/>
+          <a:p>
+            <a:endParaRPr/>
+          </a:p>
         </p:txBody>
       </p:sp>
       <p:sp>
         <p:nvSpPr>
           <p:cNvPr id="60" name="Google Shape;60;p11"/>
-          <p:cNvSpPr txBox="1"/>
+          <p:cNvSpPr txBox="1">
+            <a:spLocks noGrp="1"/>
+          </p:cNvSpPr>
           <p:nvPr>
-            <p:ph idx="12" type="sldNum"/>
+            <p:ph type="sldNum" idx="12"/>
           </p:nvPr>
         </p:nvSpPr>
         <p:spPr>
@@ -1785,7 +1933,7 @@
           </a:prstGeom>
         </p:spPr>
         <p:txBody>
-          <a:bodyPr anchorCtr="0" anchor="ctr" bIns="91425" lIns="91425" spcFirstLastPara="1" rIns="91425" wrap="square" tIns="91425">
+          <a:bodyPr spcFirstLastPara="1" wrap="square" lIns="91425" tIns="91425" rIns="91425" bIns="91425" anchor="ctr" anchorCtr="0">
             <a:noAutofit/>
           </a:bodyPr>
           <a:lstStyle>
@@ -1827,7 +1975,7 @@
             </a:lvl9pPr>
           </a:lstStyle>
           <a:p>
-            <a:pPr indent="0" lvl="0" marL="0" rtl="0" algn="r">
+            <a:pPr marL="0" lvl="0" indent="0" algn="r" rtl="0">
               <a:spcBef>
                 <a:spcPts val="0"/>
               </a:spcBef>
@@ -1838,7 +1986,7 @@
             </a:pPr>
             <a:fld id="{00000000-1234-1234-1234-123412341234}" type="slidenum">
               <a:rPr lang="pt-BR"/>
-              <a:t>‹#›</a:t>
+              <a:t>‹nº›</a:t>
             </a:fld>
             <a:endParaRPr/>
           </a:p>
@@ -1853,18 +2001,19 @@
 </file>
 
 <file path=ppt/slideLayouts/slideLayout11.xml><?xml version="1.0" encoding="utf-8"?>
-<p:sldLayout xmlns:a="http://schemas.openxmlformats.org/drawingml/2006/main" xmlns:r="http://schemas.openxmlformats.org/officeDocument/2006/relationships" xmlns:mc="http://schemas.openxmlformats.org/markup-compatibility/2006" xmlns:mv="urn:schemas-microsoft-com:mac:vml" xmlns:p="http://schemas.openxmlformats.org/presentationml/2006/main" xmlns:c="http://schemas.openxmlformats.org/drawingml/2006/chart" xmlns:dgm="http://schemas.openxmlformats.org/drawingml/2006/diagram" xmlns:o="urn:schemas-microsoft-com:office:office" xmlns:v="urn:schemas-microsoft-com:vml" xmlns:pvml="urn:schemas-microsoft-com:office:powerpoint" xmlns:com="http://schemas.openxmlformats.org/drawingml/2006/compatibility" xmlns:p14="http://schemas.microsoft.com/office/powerpoint/2010/main" xmlns:p15="http://schemas.microsoft.com/office/powerpoint/2012/main" xmlns:ahyp="http://schemas.microsoft.com/office/drawing/2018/hyperlinkcolor" matchingName="Blank" type="blank">
+<p:sldLayout xmlns:a="http://schemas.openxmlformats.org/drawingml/2006/main" xmlns:r="http://schemas.openxmlformats.org/officeDocument/2006/relationships" xmlns:p="http://schemas.openxmlformats.org/presentationml/2006/main" matchingName="Blank" type="blank">
   <p:cSld name="BLANK">
     <p:bg>
       <p:bgPr>
         <a:solidFill>
           <a:schemeClr val="accent4"/>
         </a:solidFill>
+        <a:effectLst/>
       </p:bgPr>
     </p:bg>
     <p:spTree>
       <p:nvGrpSpPr>
-        <p:cNvPr id="61" name="Shape 61"/>
+        <p:cNvPr id="1" name="Shape 61"/>
         <p:cNvGrpSpPr/>
         <p:nvPr/>
       </p:nvGrpSpPr>
@@ -1879,9 +2028,11 @@
       <p:sp>
         <p:nvSpPr>
           <p:cNvPr id="62" name="Google Shape;62;p12"/>
-          <p:cNvSpPr txBox="1"/>
+          <p:cNvSpPr txBox="1">
+            <a:spLocks noGrp="1"/>
+          </p:cNvSpPr>
           <p:nvPr>
-            <p:ph idx="12" type="sldNum"/>
+            <p:ph type="sldNum" idx="12"/>
           </p:nvPr>
         </p:nvSpPr>
         <p:spPr>
@@ -1894,7 +2045,7 @@
           </a:prstGeom>
         </p:spPr>
         <p:txBody>
-          <a:bodyPr anchorCtr="0" anchor="ctr" bIns="91425" lIns="91425" spcFirstLastPara="1" rIns="91425" wrap="square" tIns="91425">
+          <a:bodyPr spcFirstLastPara="1" wrap="square" lIns="91425" tIns="91425" rIns="91425" bIns="91425" anchor="ctr" anchorCtr="0">
             <a:noAutofit/>
           </a:bodyPr>
           <a:lstStyle>
@@ -1936,7 +2087,7 @@
             </a:lvl9pPr>
           </a:lstStyle>
           <a:p>
-            <a:pPr indent="0" lvl="0" marL="0" rtl="0" algn="r">
+            <a:pPr marL="0" lvl="0" indent="0" algn="r" rtl="0">
               <a:spcBef>
                 <a:spcPts val="0"/>
               </a:spcBef>
@@ -1947,7 +2098,7 @@
             </a:pPr>
             <a:fld id="{00000000-1234-1234-1234-123412341234}" type="slidenum">
               <a:rPr lang="pt-BR"/>
-              <a:t>‹#›</a:t>
+              <a:t>‹nº›</a:t>
             </a:fld>
             <a:endParaRPr/>
           </a:p>
@@ -1962,11 +2113,11 @@
 </file>
 
 <file path=ppt/slideLayouts/slideLayout2.xml><?xml version="1.0" encoding="utf-8"?>
-<p:sldLayout xmlns:a="http://schemas.openxmlformats.org/drawingml/2006/main" xmlns:r="http://schemas.openxmlformats.org/officeDocument/2006/relationships" xmlns:mc="http://schemas.openxmlformats.org/markup-compatibility/2006" xmlns:mv="urn:schemas-microsoft-com:mac:vml" xmlns:p="http://schemas.openxmlformats.org/presentationml/2006/main" xmlns:c="http://schemas.openxmlformats.org/drawingml/2006/chart" xmlns:dgm="http://schemas.openxmlformats.org/drawingml/2006/diagram" xmlns:o="urn:schemas-microsoft-com:office:office" xmlns:v="urn:schemas-microsoft-com:vml" xmlns:pvml="urn:schemas-microsoft-com:office:powerpoint" xmlns:com="http://schemas.openxmlformats.org/drawingml/2006/compatibility" xmlns:p14="http://schemas.microsoft.com/office/powerpoint/2010/main" xmlns:p15="http://schemas.microsoft.com/office/powerpoint/2012/main" xmlns:ahyp="http://schemas.microsoft.com/office/drawing/2018/hyperlinkcolor" matchingName="Section header" type="secHead">
+<p:sldLayout xmlns:a="http://schemas.openxmlformats.org/drawingml/2006/main" xmlns:r="http://schemas.openxmlformats.org/officeDocument/2006/relationships" xmlns:p="http://schemas.openxmlformats.org/presentationml/2006/main" matchingName="Section header" type="secHead">
   <p:cSld name="SECTION_HEADER">
     <p:spTree>
       <p:nvGrpSpPr>
-        <p:cNvPr id="15" name="Shape 15"/>
+        <p:cNvPr id="1" name="Shape 15"/>
         <p:cNvGrpSpPr/>
         <p:nvPr/>
       </p:nvGrpSpPr>
@@ -1981,7 +2132,9 @@
       <p:sp>
         <p:nvSpPr>
           <p:cNvPr id="16" name="Google Shape;16;p3"/>
-          <p:cNvSpPr txBox="1"/>
+          <p:cNvSpPr txBox="1">
+            <a:spLocks noGrp="1"/>
+          </p:cNvSpPr>
           <p:nvPr>
             <p:ph type="title"/>
           </p:nvPr>
@@ -1996,7 +2149,7 @@
           </a:prstGeom>
         </p:spPr>
         <p:txBody>
-          <a:bodyPr anchorCtr="0" anchor="ctr" bIns="91425" lIns="91425" spcFirstLastPara="1" rIns="91425" wrap="square" tIns="91425">
+          <a:bodyPr spcFirstLastPara="1" wrap="square" lIns="91425" tIns="91425" rIns="91425" bIns="91425" anchor="ctr" anchorCtr="0">
             <a:noAutofit/>
           </a:bodyPr>
           <a:lstStyle>
@@ -2100,15 +2253,19 @@
               <a:defRPr sz="4200"/>
             </a:lvl9pPr>
           </a:lstStyle>
-          <a:p/>
+          <a:p>
+            <a:endParaRPr/>
+          </a:p>
         </p:txBody>
       </p:sp>
       <p:sp>
         <p:nvSpPr>
           <p:cNvPr id="17" name="Google Shape;17;p3"/>
-          <p:cNvSpPr txBox="1"/>
+          <p:cNvSpPr txBox="1">
+            <a:spLocks noGrp="1"/>
+          </p:cNvSpPr>
           <p:nvPr>
-            <p:ph idx="12" type="sldNum"/>
+            <p:ph type="sldNum" idx="12"/>
           </p:nvPr>
         </p:nvSpPr>
         <p:spPr>
@@ -2121,7 +2278,7 @@
           </a:prstGeom>
         </p:spPr>
         <p:txBody>
-          <a:bodyPr anchorCtr="0" anchor="ctr" bIns="91425" lIns="91425" spcFirstLastPara="1" rIns="91425" wrap="square" tIns="91425">
+          <a:bodyPr spcFirstLastPara="1" wrap="square" lIns="91425" tIns="91425" rIns="91425" bIns="91425" anchor="ctr" anchorCtr="0">
             <a:noAutofit/>
           </a:bodyPr>
           <a:lstStyle>
@@ -2199,7 +2356,7 @@
             </a:lvl9pPr>
           </a:lstStyle>
           <a:p>
-            <a:pPr indent="0" lvl="0" marL="0" rtl="0" algn="r">
+            <a:pPr marL="0" lvl="0" indent="0" algn="r" rtl="0">
               <a:spcBef>
                 <a:spcPts val="0"/>
               </a:spcBef>
@@ -2210,7 +2367,7 @@
             </a:pPr>
             <a:fld id="{00000000-1234-1234-1234-123412341234}" type="slidenum">
               <a:rPr lang="pt-BR"/>
-              <a:t>‹#›</a:t>
+              <a:t>‹nº›</a:t>
             </a:fld>
             <a:endParaRPr/>
           </a:p>
@@ -2225,11 +2382,11 @@
 </file>
 
 <file path=ppt/slideLayouts/slideLayout3.xml><?xml version="1.0" encoding="utf-8"?>
-<p:sldLayout xmlns:a="http://schemas.openxmlformats.org/drawingml/2006/main" xmlns:r="http://schemas.openxmlformats.org/officeDocument/2006/relationships" xmlns:mc="http://schemas.openxmlformats.org/markup-compatibility/2006" xmlns:mv="urn:schemas-microsoft-com:mac:vml" xmlns:p="http://schemas.openxmlformats.org/presentationml/2006/main" xmlns:c="http://schemas.openxmlformats.org/drawingml/2006/chart" xmlns:dgm="http://schemas.openxmlformats.org/drawingml/2006/diagram" xmlns:o="urn:schemas-microsoft-com:office:office" xmlns:v="urn:schemas-microsoft-com:vml" xmlns:pvml="urn:schemas-microsoft-com:office:powerpoint" xmlns:com="http://schemas.openxmlformats.org/drawingml/2006/compatibility" xmlns:p14="http://schemas.microsoft.com/office/powerpoint/2010/main" xmlns:p15="http://schemas.microsoft.com/office/powerpoint/2012/main" xmlns:ahyp="http://schemas.microsoft.com/office/drawing/2018/hyperlinkcolor" matchingName="Title and body" type="tx">
+<p:sldLayout xmlns:a="http://schemas.openxmlformats.org/drawingml/2006/main" xmlns:r="http://schemas.openxmlformats.org/officeDocument/2006/relationships" xmlns:p="http://schemas.openxmlformats.org/presentationml/2006/main" matchingName="Title and body" type="tx">
   <p:cSld name="TITLE_AND_BODY">
     <p:spTree>
       <p:nvGrpSpPr>
-        <p:cNvPr id="18" name="Shape 18"/>
+        <p:cNvPr id="1" name="Shape 18"/>
         <p:cNvGrpSpPr/>
         <p:nvPr/>
       </p:nvGrpSpPr>
@@ -2248,7 +2405,7 @@
           <p:nvPr/>
         </p:nvSpPr>
         <p:spPr>
-          <a:xfrm flipH="1" rot="10800000">
+          <a:xfrm rot="10800000" flipH="1">
             <a:off x="0" y="1686000"/>
             <a:ext cx="9144000" cy="3457500"/>
           </a:xfrm>
@@ -2263,12 +2420,12 @@
           </a:ln>
         </p:spPr>
         <p:txBody>
-          <a:bodyPr anchorCtr="0" anchor="ctr" bIns="91425" lIns="91425" spcFirstLastPara="1" rIns="91425" wrap="square" tIns="91425">
+          <a:bodyPr spcFirstLastPara="1" wrap="square" lIns="91425" tIns="91425" rIns="91425" bIns="91425" anchor="ctr" anchorCtr="0">
             <a:noAutofit/>
           </a:bodyPr>
           <a:lstStyle/>
           <a:p>
-            <a:pPr indent="0" lvl="0" marL="0" rtl="0" algn="l">
+            <a:pPr marL="0" lvl="0" indent="0" algn="l" rtl="0">
               <a:spcBef>
                 <a:spcPts val="0"/>
               </a:spcBef>
@@ -2277,9 +2434,6 @@
               </a:spcAft>
               <a:buNone/>
             </a:pPr>
-            <a:r>
-              <a:t/>
-            </a:r>
             <a:endParaRPr/>
           </a:p>
         </p:txBody>
@@ -2320,12 +2474,12 @@
           </a:ln>
         </p:spPr>
         <p:txBody>
-          <a:bodyPr anchorCtr="0" anchor="ctr" bIns="91425" lIns="91425" spcFirstLastPara="1" rIns="91425" wrap="square" tIns="91425">
+          <a:bodyPr spcFirstLastPara="1" wrap="square" lIns="91425" tIns="91425" rIns="91425" bIns="91425" anchor="ctr" anchorCtr="0">
             <a:noAutofit/>
           </a:bodyPr>
           <a:lstStyle/>
           <a:p>
-            <a:pPr indent="0" lvl="0" marL="0" rtl="0" algn="l">
+            <a:pPr marL="0" lvl="0" indent="0" algn="l" rtl="0">
               <a:spcBef>
                 <a:spcPts val="0"/>
               </a:spcBef>
@@ -2334,9 +2488,6 @@
               </a:spcAft>
               <a:buNone/>
             </a:pPr>
-            <a:r>
-              <a:t/>
-            </a:r>
             <a:endParaRPr/>
           </a:p>
         </p:txBody>
@@ -2344,7 +2495,9 @@
       <p:sp>
         <p:nvSpPr>
           <p:cNvPr id="21" name="Google Shape;21;p4"/>
-          <p:cNvSpPr txBox="1"/>
+          <p:cNvSpPr txBox="1">
+            <a:spLocks noGrp="1"/>
+          </p:cNvSpPr>
           <p:nvPr>
             <p:ph type="title"/>
           </p:nvPr>
@@ -2359,7 +2512,7 @@
           </a:prstGeom>
         </p:spPr>
         <p:txBody>
-          <a:bodyPr anchorCtr="0" anchor="b" bIns="91425" lIns="91425" spcFirstLastPara="1" rIns="91425" wrap="square" tIns="91425">
+          <a:bodyPr spcFirstLastPara="1" wrap="square" lIns="91425" tIns="91425" rIns="91425" bIns="91425" anchor="b" anchorCtr="0">
             <a:noAutofit/>
           </a:bodyPr>
           <a:lstStyle>
@@ -2463,15 +2616,19 @@
               <a:defRPr/>
             </a:lvl9pPr>
           </a:lstStyle>
-          <a:p/>
+          <a:p>
+            <a:endParaRPr/>
+          </a:p>
         </p:txBody>
       </p:sp>
       <p:sp>
         <p:nvSpPr>
           <p:cNvPr id="22" name="Google Shape;22;p4"/>
-          <p:cNvSpPr txBox="1"/>
+          <p:cNvSpPr txBox="1">
+            <a:spLocks noGrp="1"/>
+          </p:cNvSpPr>
           <p:nvPr>
-            <p:ph idx="1" type="body"/>
+            <p:ph type="body" idx="1"/>
           </p:nvPr>
         </p:nvSpPr>
         <p:spPr>
@@ -2484,11 +2641,11 @@
           </a:prstGeom>
         </p:spPr>
         <p:txBody>
-          <a:bodyPr anchorCtr="0" anchor="t" bIns="91425" lIns="91425" spcFirstLastPara="1" rIns="91425" wrap="square" tIns="91425">
+          <a:bodyPr spcFirstLastPara="1" wrap="square" lIns="91425" tIns="91425" rIns="91425" bIns="91425" anchor="t" anchorCtr="0">
             <a:noAutofit/>
           </a:bodyPr>
           <a:lstStyle>
-            <a:lvl1pPr indent="-342900" lvl="0" marL="457200">
+            <a:lvl1pPr marL="457200" lvl="0" indent="-342900">
               <a:spcBef>
                 <a:spcPts val="0"/>
               </a:spcBef>
@@ -2499,7 +2656,7 @@
               <a:buChar char="●"/>
               <a:defRPr/>
             </a:lvl1pPr>
-            <a:lvl2pPr indent="-317500" lvl="1" marL="914400">
+            <a:lvl2pPr marL="914400" lvl="1" indent="-317500">
               <a:spcBef>
                 <a:spcPts val="1600"/>
               </a:spcBef>
@@ -2510,7 +2667,7 @@
               <a:buChar char="○"/>
               <a:defRPr/>
             </a:lvl2pPr>
-            <a:lvl3pPr indent="-317500" lvl="2" marL="1371600">
+            <a:lvl3pPr marL="1371600" lvl="2" indent="-317500">
               <a:spcBef>
                 <a:spcPts val="1600"/>
               </a:spcBef>
@@ -2521,7 +2678,7 @@
               <a:buChar char="■"/>
               <a:defRPr/>
             </a:lvl3pPr>
-            <a:lvl4pPr indent="-317500" lvl="3" marL="1828800">
+            <a:lvl4pPr marL="1828800" lvl="3" indent="-317500">
               <a:spcBef>
                 <a:spcPts val="1600"/>
               </a:spcBef>
@@ -2532,7 +2689,7 @@
               <a:buChar char="●"/>
               <a:defRPr/>
             </a:lvl4pPr>
-            <a:lvl5pPr indent="-317500" lvl="4" marL="2286000">
+            <a:lvl5pPr marL="2286000" lvl="4" indent="-317500">
               <a:spcBef>
                 <a:spcPts val="1600"/>
               </a:spcBef>
@@ -2543,7 +2700,7 @@
               <a:buChar char="○"/>
               <a:defRPr/>
             </a:lvl5pPr>
-            <a:lvl6pPr indent="-317500" lvl="5" marL="2743200">
+            <a:lvl6pPr marL="2743200" lvl="5" indent="-317500">
               <a:spcBef>
                 <a:spcPts val="1600"/>
               </a:spcBef>
@@ -2554,7 +2711,7 @@
               <a:buChar char="■"/>
               <a:defRPr/>
             </a:lvl6pPr>
-            <a:lvl7pPr indent="-317500" lvl="6" marL="3200400">
+            <a:lvl7pPr marL="3200400" lvl="6" indent="-317500">
               <a:spcBef>
                 <a:spcPts val="1600"/>
               </a:spcBef>
@@ -2565,7 +2722,7 @@
               <a:buChar char="●"/>
               <a:defRPr/>
             </a:lvl7pPr>
-            <a:lvl8pPr indent="-317500" lvl="7" marL="3657600">
+            <a:lvl8pPr marL="3657600" lvl="7" indent="-317500">
               <a:spcBef>
                 <a:spcPts val="1600"/>
               </a:spcBef>
@@ -2576,7 +2733,7 @@
               <a:buChar char="○"/>
               <a:defRPr/>
             </a:lvl8pPr>
-            <a:lvl9pPr indent="-317500" lvl="8" marL="4114800">
+            <a:lvl9pPr marL="4114800" lvl="8" indent="-317500">
               <a:spcBef>
                 <a:spcPts val="1600"/>
               </a:spcBef>
@@ -2588,15 +2745,19 @@
               <a:defRPr/>
             </a:lvl9pPr>
           </a:lstStyle>
-          <a:p/>
+          <a:p>
+            <a:endParaRPr/>
+          </a:p>
         </p:txBody>
       </p:sp>
       <p:sp>
         <p:nvSpPr>
           <p:cNvPr id="23" name="Google Shape;23;p4"/>
-          <p:cNvSpPr txBox="1"/>
+          <p:cNvSpPr txBox="1">
+            <a:spLocks noGrp="1"/>
+          </p:cNvSpPr>
           <p:nvPr>
-            <p:ph idx="12" type="sldNum"/>
+            <p:ph type="sldNum" idx="12"/>
           </p:nvPr>
         </p:nvSpPr>
         <p:spPr>
@@ -2609,7 +2770,7 @@
           </a:prstGeom>
         </p:spPr>
         <p:txBody>
-          <a:bodyPr anchorCtr="0" anchor="ctr" bIns="91425" lIns="91425" spcFirstLastPara="1" rIns="91425" wrap="square" tIns="91425">
+          <a:bodyPr spcFirstLastPara="1" wrap="square" lIns="91425" tIns="91425" rIns="91425" bIns="91425" anchor="ctr" anchorCtr="0">
             <a:noAutofit/>
           </a:bodyPr>
           <a:lstStyle>
@@ -2651,7 +2812,7 @@
             </a:lvl9pPr>
           </a:lstStyle>
           <a:p>
-            <a:pPr indent="0" lvl="0" marL="0" rtl="0" algn="r">
+            <a:pPr marL="0" lvl="0" indent="0" algn="r" rtl="0">
               <a:spcBef>
                 <a:spcPts val="0"/>
               </a:spcBef>
@@ -2662,7 +2823,7 @@
             </a:pPr>
             <a:fld id="{00000000-1234-1234-1234-123412341234}" type="slidenum">
               <a:rPr lang="pt-BR"/>
-              <a:t>‹#›</a:t>
+              <a:t>‹nº›</a:t>
             </a:fld>
             <a:endParaRPr/>
           </a:p>
@@ -2677,11 +2838,11 @@
 </file>
 
 <file path=ppt/slideLayouts/slideLayout4.xml><?xml version="1.0" encoding="utf-8"?>
-<p:sldLayout xmlns:a="http://schemas.openxmlformats.org/drawingml/2006/main" xmlns:r="http://schemas.openxmlformats.org/officeDocument/2006/relationships" xmlns:mc="http://schemas.openxmlformats.org/markup-compatibility/2006" xmlns:mv="urn:schemas-microsoft-com:mac:vml" xmlns:p="http://schemas.openxmlformats.org/presentationml/2006/main" xmlns:c="http://schemas.openxmlformats.org/drawingml/2006/chart" xmlns:dgm="http://schemas.openxmlformats.org/drawingml/2006/diagram" xmlns:o="urn:schemas-microsoft-com:office:office" xmlns:v="urn:schemas-microsoft-com:vml" xmlns:pvml="urn:schemas-microsoft-com:office:powerpoint" xmlns:com="http://schemas.openxmlformats.org/drawingml/2006/compatibility" xmlns:p14="http://schemas.microsoft.com/office/powerpoint/2010/main" xmlns:p15="http://schemas.microsoft.com/office/powerpoint/2012/main" xmlns:ahyp="http://schemas.microsoft.com/office/drawing/2018/hyperlinkcolor" matchingName="Title and two columns" type="twoColTx">
+<p:sldLayout xmlns:a="http://schemas.openxmlformats.org/drawingml/2006/main" xmlns:r="http://schemas.openxmlformats.org/officeDocument/2006/relationships" xmlns:p="http://schemas.openxmlformats.org/presentationml/2006/main" matchingName="Title and two columns" type="twoColTx">
   <p:cSld name="TITLE_AND_TWO_COLUMNS">
     <p:spTree>
       <p:nvGrpSpPr>
-        <p:cNvPr id="24" name="Shape 24"/>
+        <p:cNvPr id="1" name="Shape 24"/>
         <p:cNvGrpSpPr/>
         <p:nvPr/>
       </p:nvGrpSpPr>
@@ -2700,7 +2861,7 @@
           <p:nvPr/>
         </p:nvSpPr>
         <p:spPr>
-          <a:xfrm flipH="1" rot="10800000">
+          <a:xfrm rot="10800000" flipH="1">
             <a:off x="0" y="1686000"/>
             <a:ext cx="9144000" cy="3457500"/>
           </a:xfrm>
@@ -2715,12 +2876,12 @@
           </a:ln>
         </p:spPr>
         <p:txBody>
-          <a:bodyPr anchorCtr="0" anchor="ctr" bIns="91425" lIns="91425" spcFirstLastPara="1" rIns="91425" wrap="square" tIns="91425">
+          <a:bodyPr spcFirstLastPara="1" wrap="square" lIns="91425" tIns="91425" rIns="91425" bIns="91425" anchor="ctr" anchorCtr="0">
             <a:noAutofit/>
           </a:bodyPr>
           <a:lstStyle/>
           <a:p>
-            <a:pPr indent="0" lvl="0" marL="0" rtl="0" algn="l">
+            <a:pPr marL="0" lvl="0" indent="0" algn="l" rtl="0">
               <a:spcBef>
                 <a:spcPts val="0"/>
               </a:spcBef>
@@ -2729,9 +2890,6 @@
               </a:spcAft>
               <a:buNone/>
             </a:pPr>
-            <a:r>
-              <a:t/>
-            </a:r>
             <a:endParaRPr/>
           </a:p>
         </p:txBody>
@@ -2772,12 +2930,12 @@
           </a:ln>
         </p:spPr>
         <p:txBody>
-          <a:bodyPr anchorCtr="0" anchor="ctr" bIns="91425" lIns="91425" spcFirstLastPara="1" rIns="91425" wrap="square" tIns="91425">
+          <a:bodyPr spcFirstLastPara="1" wrap="square" lIns="91425" tIns="91425" rIns="91425" bIns="91425" anchor="ctr" anchorCtr="0">
             <a:noAutofit/>
           </a:bodyPr>
           <a:lstStyle/>
           <a:p>
-            <a:pPr indent="0" lvl="0" marL="0" rtl="0" algn="l">
+            <a:pPr marL="0" lvl="0" indent="0" algn="l" rtl="0">
               <a:spcBef>
                 <a:spcPts val="0"/>
               </a:spcBef>
@@ -2786,9 +2944,6 @@
               </a:spcAft>
               <a:buNone/>
             </a:pPr>
-            <a:r>
-              <a:t/>
-            </a:r>
             <a:endParaRPr/>
           </a:p>
         </p:txBody>
@@ -2796,7 +2951,9 @@
       <p:sp>
         <p:nvSpPr>
           <p:cNvPr id="27" name="Google Shape;27;p5"/>
-          <p:cNvSpPr txBox="1"/>
+          <p:cNvSpPr txBox="1">
+            <a:spLocks noGrp="1"/>
+          </p:cNvSpPr>
           <p:nvPr>
             <p:ph type="title"/>
           </p:nvPr>
@@ -2811,7 +2968,7 @@
           </a:prstGeom>
         </p:spPr>
         <p:txBody>
-          <a:bodyPr anchorCtr="0" anchor="b" bIns="91425" lIns="91425" spcFirstLastPara="1" rIns="91425" wrap="square" tIns="91425">
+          <a:bodyPr spcFirstLastPara="1" wrap="square" lIns="91425" tIns="91425" rIns="91425" bIns="91425" anchor="b" anchorCtr="0">
             <a:noAutofit/>
           </a:bodyPr>
           <a:lstStyle>
@@ -2915,15 +3072,19 @@
               <a:defRPr/>
             </a:lvl9pPr>
           </a:lstStyle>
-          <a:p/>
+          <a:p>
+            <a:endParaRPr/>
+          </a:p>
         </p:txBody>
       </p:sp>
       <p:sp>
         <p:nvSpPr>
           <p:cNvPr id="28" name="Google Shape;28;p5"/>
-          <p:cNvSpPr txBox="1"/>
+          <p:cNvSpPr txBox="1">
+            <a:spLocks noGrp="1"/>
+          </p:cNvSpPr>
           <p:nvPr>
-            <p:ph idx="1" type="body"/>
+            <p:ph type="body" idx="1"/>
           </p:nvPr>
         </p:nvSpPr>
         <p:spPr>
@@ -2936,11 +3097,11 @@
           </a:prstGeom>
         </p:spPr>
         <p:txBody>
-          <a:bodyPr anchorCtr="0" anchor="t" bIns="91425" lIns="91425" spcFirstLastPara="1" rIns="91425" wrap="square" tIns="91425">
+          <a:bodyPr spcFirstLastPara="1" wrap="square" lIns="91425" tIns="91425" rIns="91425" bIns="91425" anchor="t" anchorCtr="0">
             <a:noAutofit/>
           </a:bodyPr>
           <a:lstStyle>
-            <a:lvl1pPr indent="-317500" lvl="0" marL="457200">
+            <a:lvl1pPr marL="457200" lvl="0" indent="-317500">
               <a:spcBef>
                 <a:spcPts val="0"/>
               </a:spcBef>
@@ -2951,7 +3112,7 @@
               <a:buChar char="●"/>
               <a:defRPr sz="1400"/>
             </a:lvl1pPr>
-            <a:lvl2pPr indent="-304800" lvl="1" marL="914400">
+            <a:lvl2pPr marL="914400" lvl="1" indent="-304800">
               <a:spcBef>
                 <a:spcPts val="1600"/>
               </a:spcBef>
@@ -2962,7 +3123,7 @@
               <a:buChar char="○"/>
               <a:defRPr sz="1200"/>
             </a:lvl2pPr>
-            <a:lvl3pPr indent="-304800" lvl="2" marL="1371600">
+            <a:lvl3pPr marL="1371600" lvl="2" indent="-304800">
               <a:spcBef>
                 <a:spcPts val="1600"/>
               </a:spcBef>
@@ -2973,7 +3134,7 @@
               <a:buChar char="■"/>
               <a:defRPr sz="1200"/>
             </a:lvl3pPr>
-            <a:lvl4pPr indent="-304800" lvl="3" marL="1828800">
+            <a:lvl4pPr marL="1828800" lvl="3" indent="-304800">
               <a:spcBef>
                 <a:spcPts val="1600"/>
               </a:spcBef>
@@ -2984,7 +3145,7 @@
               <a:buChar char="●"/>
               <a:defRPr sz="1200"/>
             </a:lvl4pPr>
-            <a:lvl5pPr indent="-304800" lvl="4" marL="2286000">
+            <a:lvl5pPr marL="2286000" lvl="4" indent="-304800">
               <a:spcBef>
                 <a:spcPts val="1600"/>
               </a:spcBef>
@@ -2995,7 +3156,7 @@
               <a:buChar char="○"/>
               <a:defRPr sz="1200"/>
             </a:lvl5pPr>
-            <a:lvl6pPr indent="-304800" lvl="5" marL="2743200">
+            <a:lvl6pPr marL="2743200" lvl="5" indent="-304800">
               <a:spcBef>
                 <a:spcPts val="1600"/>
               </a:spcBef>
@@ -3006,7 +3167,7 @@
               <a:buChar char="■"/>
               <a:defRPr sz="1200"/>
             </a:lvl6pPr>
-            <a:lvl7pPr indent="-304800" lvl="6" marL="3200400">
+            <a:lvl7pPr marL="3200400" lvl="6" indent="-304800">
               <a:spcBef>
                 <a:spcPts val="1600"/>
               </a:spcBef>
@@ -3017,7 +3178,7 @@
               <a:buChar char="●"/>
               <a:defRPr sz="1200"/>
             </a:lvl7pPr>
-            <a:lvl8pPr indent="-304800" lvl="7" marL="3657600">
+            <a:lvl8pPr marL="3657600" lvl="7" indent="-304800">
               <a:spcBef>
                 <a:spcPts val="1600"/>
               </a:spcBef>
@@ -3028,7 +3189,7 @@
               <a:buChar char="○"/>
               <a:defRPr sz="1200"/>
             </a:lvl8pPr>
-            <a:lvl9pPr indent="-304800" lvl="8" marL="4114800">
+            <a:lvl9pPr marL="4114800" lvl="8" indent="-304800">
               <a:spcBef>
                 <a:spcPts val="1600"/>
               </a:spcBef>
@@ -3040,15 +3201,19 @@
               <a:defRPr sz="1200"/>
             </a:lvl9pPr>
           </a:lstStyle>
-          <a:p/>
+          <a:p>
+            <a:endParaRPr/>
+          </a:p>
         </p:txBody>
       </p:sp>
       <p:sp>
         <p:nvSpPr>
           <p:cNvPr id="29" name="Google Shape;29;p5"/>
-          <p:cNvSpPr txBox="1"/>
+          <p:cNvSpPr txBox="1">
+            <a:spLocks noGrp="1"/>
+          </p:cNvSpPr>
           <p:nvPr>
-            <p:ph idx="2" type="body"/>
+            <p:ph type="body" idx="2"/>
           </p:nvPr>
         </p:nvSpPr>
         <p:spPr>
@@ -3061,11 +3226,11 @@
           </a:prstGeom>
         </p:spPr>
         <p:txBody>
-          <a:bodyPr anchorCtr="0" anchor="t" bIns="91425" lIns="91425" spcFirstLastPara="1" rIns="91425" wrap="square" tIns="91425">
+          <a:bodyPr spcFirstLastPara="1" wrap="square" lIns="91425" tIns="91425" rIns="91425" bIns="91425" anchor="t" anchorCtr="0">
             <a:noAutofit/>
           </a:bodyPr>
           <a:lstStyle>
-            <a:lvl1pPr indent="-317500" lvl="0" marL="457200">
+            <a:lvl1pPr marL="457200" lvl="0" indent="-317500">
               <a:spcBef>
                 <a:spcPts val="0"/>
               </a:spcBef>
@@ -3076,7 +3241,7 @@
               <a:buChar char="●"/>
               <a:defRPr sz="1400"/>
             </a:lvl1pPr>
-            <a:lvl2pPr indent="-304800" lvl="1" marL="914400">
+            <a:lvl2pPr marL="914400" lvl="1" indent="-304800">
               <a:spcBef>
                 <a:spcPts val="1600"/>
               </a:spcBef>
@@ -3087,7 +3252,7 @@
               <a:buChar char="○"/>
               <a:defRPr sz="1200"/>
             </a:lvl2pPr>
-            <a:lvl3pPr indent="-304800" lvl="2" marL="1371600">
+            <a:lvl3pPr marL="1371600" lvl="2" indent="-304800">
               <a:spcBef>
                 <a:spcPts val="1600"/>
               </a:spcBef>
@@ -3098,7 +3263,7 @@
               <a:buChar char="■"/>
               <a:defRPr sz="1200"/>
             </a:lvl3pPr>
-            <a:lvl4pPr indent="-304800" lvl="3" marL="1828800">
+            <a:lvl4pPr marL="1828800" lvl="3" indent="-304800">
               <a:spcBef>
                 <a:spcPts val="1600"/>
               </a:spcBef>
@@ -3109,7 +3274,7 @@
               <a:buChar char="●"/>
               <a:defRPr sz="1200"/>
             </a:lvl4pPr>
-            <a:lvl5pPr indent="-304800" lvl="4" marL="2286000">
+            <a:lvl5pPr marL="2286000" lvl="4" indent="-304800">
               <a:spcBef>
                 <a:spcPts val="1600"/>
               </a:spcBef>
@@ -3120,7 +3285,7 @@
               <a:buChar char="○"/>
               <a:defRPr sz="1200"/>
             </a:lvl5pPr>
-            <a:lvl6pPr indent="-304800" lvl="5" marL="2743200">
+            <a:lvl6pPr marL="2743200" lvl="5" indent="-304800">
               <a:spcBef>
                 <a:spcPts val="1600"/>
               </a:spcBef>
@@ -3131,7 +3296,7 @@
               <a:buChar char="■"/>
               <a:defRPr sz="1200"/>
             </a:lvl6pPr>
-            <a:lvl7pPr indent="-304800" lvl="6" marL="3200400">
+            <a:lvl7pPr marL="3200400" lvl="6" indent="-304800">
               <a:spcBef>
                 <a:spcPts val="1600"/>
               </a:spcBef>
@@ -3142,7 +3307,7 @@
               <a:buChar char="●"/>
               <a:defRPr sz="1200"/>
             </a:lvl7pPr>
-            <a:lvl8pPr indent="-304800" lvl="7" marL="3657600">
+            <a:lvl8pPr marL="3657600" lvl="7" indent="-304800">
               <a:spcBef>
                 <a:spcPts val="1600"/>
               </a:spcBef>
@@ -3153,7 +3318,7 @@
               <a:buChar char="○"/>
               <a:defRPr sz="1200"/>
             </a:lvl8pPr>
-            <a:lvl9pPr indent="-304800" lvl="8" marL="4114800">
+            <a:lvl9pPr marL="4114800" lvl="8" indent="-304800">
               <a:spcBef>
                 <a:spcPts val="1600"/>
               </a:spcBef>
@@ -3165,15 +3330,19 @@
               <a:defRPr sz="1200"/>
             </a:lvl9pPr>
           </a:lstStyle>
-          <a:p/>
+          <a:p>
+            <a:endParaRPr/>
+          </a:p>
         </p:txBody>
       </p:sp>
       <p:sp>
         <p:nvSpPr>
           <p:cNvPr id="30" name="Google Shape;30;p5"/>
-          <p:cNvSpPr txBox="1"/>
+          <p:cNvSpPr txBox="1">
+            <a:spLocks noGrp="1"/>
+          </p:cNvSpPr>
           <p:nvPr>
-            <p:ph idx="12" type="sldNum"/>
+            <p:ph type="sldNum" idx="12"/>
           </p:nvPr>
         </p:nvSpPr>
         <p:spPr>
@@ -3186,7 +3355,7 @@
           </a:prstGeom>
         </p:spPr>
         <p:txBody>
-          <a:bodyPr anchorCtr="0" anchor="ctr" bIns="91425" lIns="91425" spcFirstLastPara="1" rIns="91425" wrap="square" tIns="91425">
+          <a:bodyPr spcFirstLastPara="1" wrap="square" lIns="91425" tIns="91425" rIns="91425" bIns="91425" anchor="ctr" anchorCtr="0">
             <a:noAutofit/>
           </a:bodyPr>
           <a:lstStyle>
@@ -3228,7 +3397,7 @@
             </a:lvl9pPr>
           </a:lstStyle>
           <a:p>
-            <a:pPr indent="0" lvl="0" marL="0" rtl="0" algn="r">
+            <a:pPr marL="0" lvl="0" indent="0" algn="r" rtl="0">
               <a:spcBef>
                 <a:spcPts val="0"/>
               </a:spcBef>
@@ -3239,7 +3408,7 @@
             </a:pPr>
             <a:fld id="{00000000-1234-1234-1234-123412341234}" type="slidenum">
               <a:rPr lang="pt-BR"/>
-              <a:t>‹#›</a:t>
+              <a:t>‹nº›</a:t>
             </a:fld>
             <a:endParaRPr/>
           </a:p>
@@ -3254,11 +3423,11 @@
 </file>
 
 <file path=ppt/slideLayouts/slideLayout5.xml><?xml version="1.0" encoding="utf-8"?>
-<p:sldLayout xmlns:a="http://schemas.openxmlformats.org/drawingml/2006/main" xmlns:r="http://schemas.openxmlformats.org/officeDocument/2006/relationships" xmlns:mc="http://schemas.openxmlformats.org/markup-compatibility/2006" xmlns:mv="urn:schemas-microsoft-com:mac:vml" xmlns:p="http://schemas.openxmlformats.org/presentationml/2006/main" xmlns:c="http://schemas.openxmlformats.org/drawingml/2006/chart" xmlns:dgm="http://schemas.openxmlformats.org/drawingml/2006/diagram" xmlns:o="urn:schemas-microsoft-com:office:office" xmlns:v="urn:schemas-microsoft-com:vml" xmlns:pvml="urn:schemas-microsoft-com:office:powerpoint" xmlns:com="http://schemas.openxmlformats.org/drawingml/2006/compatibility" xmlns:p14="http://schemas.microsoft.com/office/powerpoint/2010/main" xmlns:p15="http://schemas.microsoft.com/office/powerpoint/2012/main" xmlns:ahyp="http://schemas.microsoft.com/office/drawing/2018/hyperlinkcolor" matchingName="Title only" type="titleOnly">
+<p:sldLayout xmlns:a="http://schemas.openxmlformats.org/drawingml/2006/main" xmlns:r="http://schemas.openxmlformats.org/officeDocument/2006/relationships" xmlns:p="http://schemas.openxmlformats.org/presentationml/2006/main" matchingName="Title only" type="titleOnly">
   <p:cSld name="TITLE_ONLY">
     <p:spTree>
       <p:nvGrpSpPr>
-        <p:cNvPr id="31" name="Shape 31"/>
+        <p:cNvPr id="1" name="Shape 31"/>
         <p:cNvGrpSpPr/>
         <p:nvPr/>
       </p:nvGrpSpPr>
@@ -3277,7 +3446,7 @@
           <p:nvPr/>
         </p:nvSpPr>
         <p:spPr>
-          <a:xfrm flipH="1" rot="10800000">
+          <a:xfrm rot="10800000" flipH="1">
             <a:off x="0" y="656400"/>
             <a:ext cx="9144000" cy="4487100"/>
           </a:xfrm>
@@ -3292,12 +3461,12 @@
           </a:ln>
         </p:spPr>
         <p:txBody>
-          <a:bodyPr anchorCtr="0" anchor="ctr" bIns="91425" lIns="91425" spcFirstLastPara="1" rIns="91425" wrap="square" tIns="91425">
+          <a:bodyPr spcFirstLastPara="1" wrap="square" lIns="91425" tIns="91425" rIns="91425" bIns="91425" anchor="ctr" anchorCtr="0">
             <a:noAutofit/>
           </a:bodyPr>
           <a:lstStyle/>
           <a:p>
-            <a:pPr indent="0" lvl="0" marL="0" rtl="0" algn="l">
+            <a:pPr marL="0" lvl="0" indent="0" algn="l" rtl="0">
               <a:spcBef>
                 <a:spcPts val="0"/>
               </a:spcBef>
@@ -3306,9 +3475,6 @@
               </a:spcAft>
               <a:buNone/>
             </a:pPr>
-            <a:r>
-              <a:t/>
-            </a:r>
             <a:endParaRPr/>
           </a:p>
         </p:txBody>
@@ -3349,12 +3515,12 @@
           </a:ln>
         </p:spPr>
         <p:txBody>
-          <a:bodyPr anchorCtr="0" anchor="ctr" bIns="91425" lIns="91425" spcFirstLastPara="1" rIns="91425" wrap="square" tIns="91425">
+          <a:bodyPr spcFirstLastPara="1" wrap="square" lIns="91425" tIns="91425" rIns="91425" bIns="91425" anchor="ctr" anchorCtr="0">
             <a:noAutofit/>
           </a:bodyPr>
           <a:lstStyle/>
           <a:p>
-            <a:pPr indent="0" lvl="0" marL="0" rtl="0" algn="l">
+            <a:pPr marL="0" lvl="0" indent="0" algn="l" rtl="0">
               <a:spcBef>
                 <a:spcPts val="0"/>
               </a:spcBef>
@@ -3363,9 +3529,6 @@
               </a:spcAft>
               <a:buNone/>
             </a:pPr>
-            <a:r>
-              <a:t/>
-            </a:r>
             <a:endParaRPr/>
           </a:p>
         </p:txBody>
@@ -3373,7 +3536,9 @@
       <p:sp>
         <p:nvSpPr>
           <p:cNvPr id="34" name="Google Shape;34;p6"/>
-          <p:cNvSpPr txBox="1"/>
+          <p:cNvSpPr txBox="1">
+            <a:spLocks noGrp="1"/>
+          </p:cNvSpPr>
           <p:nvPr>
             <p:ph type="title"/>
           </p:nvPr>
@@ -3388,7 +3553,7 @@
           </a:prstGeom>
         </p:spPr>
         <p:txBody>
-          <a:bodyPr anchorCtr="0" anchor="ctr" bIns="91425" lIns="91425" spcFirstLastPara="1" rIns="91425" wrap="square" tIns="91425">
+          <a:bodyPr spcFirstLastPara="1" wrap="square" lIns="91425" tIns="91425" rIns="91425" bIns="91425" anchor="ctr" anchorCtr="0">
             <a:noAutofit/>
           </a:bodyPr>
           <a:lstStyle>
@@ -3492,15 +3657,19 @@
               <a:defRPr sz="1800"/>
             </a:lvl9pPr>
           </a:lstStyle>
-          <a:p/>
+          <a:p>
+            <a:endParaRPr/>
+          </a:p>
         </p:txBody>
       </p:sp>
       <p:sp>
         <p:nvSpPr>
           <p:cNvPr id="35" name="Google Shape;35;p6"/>
-          <p:cNvSpPr txBox="1"/>
+          <p:cNvSpPr txBox="1">
+            <a:spLocks noGrp="1"/>
+          </p:cNvSpPr>
           <p:nvPr>
-            <p:ph idx="12" type="sldNum"/>
+            <p:ph type="sldNum" idx="12"/>
           </p:nvPr>
         </p:nvSpPr>
         <p:spPr>
@@ -3513,7 +3682,7 @@
           </a:prstGeom>
         </p:spPr>
         <p:txBody>
-          <a:bodyPr anchorCtr="0" anchor="ctr" bIns="91425" lIns="91425" spcFirstLastPara="1" rIns="91425" wrap="square" tIns="91425">
+          <a:bodyPr spcFirstLastPara="1" wrap="square" lIns="91425" tIns="91425" rIns="91425" bIns="91425" anchor="ctr" anchorCtr="0">
             <a:noAutofit/>
           </a:bodyPr>
           <a:lstStyle>
@@ -3555,7 +3724,7 @@
             </a:lvl9pPr>
           </a:lstStyle>
           <a:p>
-            <a:pPr indent="0" lvl="0" marL="0" rtl="0" algn="r">
+            <a:pPr marL="0" lvl="0" indent="0" algn="r" rtl="0">
               <a:spcBef>
                 <a:spcPts val="0"/>
               </a:spcBef>
@@ -3566,7 +3735,7 @@
             </a:pPr>
             <a:fld id="{00000000-1234-1234-1234-123412341234}" type="slidenum">
               <a:rPr lang="pt-BR"/>
-              <a:t>‹#›</a:t>
+              <a:t>‹nº›</a:t>
             </a:fld>
             <a:endParaRPr/>
           </a:p>
@@ -3581,11 +3750,11 @@
 </file>
 
 <file path=ppt/slideLayouts/slideLayout6.xml><?xml version="1.0" encoding="utf-8"?>
-<p:sldLayout xmlns:a="http://schemas.openxmlformats.org/drawingml/2006/main" xmlns:r="http://schemas.openxmlformats.org/officeDocument/2006/relationships" xmlns:mc="http://schemas.openxmlformats.org/markup-compatibility/2006" xmlns:mv="urn:schemas-microsoft-com:mac:vml" xmlns:p="http://schemas.openxmlformats.org/presentationml/2006/main" xmlns:c="http://schemas.openxmlformats.org/drawingml/2006/chart" xmlns:dgm="http://schemas.openxmlformats.org/drawingml/2006/diagram" xmlns:o="urn:schemas-microsoft-com:office:office" xmlns:v="urn:schemas-microsoft-com:vml" xmlns:pvml="urn:schemas-microsoft-com:office:powerpoint" xmlns:com="http://schemas.openxmlformats.org/drawingml/2006/compatibility" xmlns:p14="http://schemas.microsoft.com/office/powerpoint/2010/main" xmlns:p15="http://schemas.microsoft.com/office/powerpoint/2012/main" xmlns:ahyp="http://schemas.microsoft.com/office/drawing/2018/hyperlinkcolor" matchingName="One column text">
+<p:sldLayout xmlns:a="http://schemas.openxmlformats.org/drawingml/2006/main" xmlns:r="http://schemas.openxmlformats.org/officeDocument/2006/relationships" xmlns:p="http://schemas.openxmlformats.org/presentationml/2006/main" matchingName="One column text">
   <p:cSld name="ONE_COLUMN_TEXT">
     <p:spTree>
       <p:nvGrpSpPr>
-        <p:cNvPr id="36" name="Shape 36"/>
+        <p:cNvPr id="1" name="Shape 36"/>
         <p:cNvGrpSpPr/>
         <p:nvPr/>
       </p:nvGrpSpPr>
@@ -3604,7 +3773,7 @@
           <p:nvPr/>
         </p:nvSpPr>
         <p:spPr>
-          <a:xfrm flipH="1" rot="10800000">
+          <a:xfrm rot="10800000" flipH="1">
             <a:off x="3276600" y="25"/>
             <a:ext cx="5867400" cy="5143500"/>
           </a:xfrm>
@@ -3619,12 +3788,12 @@
           </a:ln>
         </p:spPr>
         <p:txBody>
-          <a:bodyPr anchorCtr="0" anchor="ctr" bIns="91425" lIns="91425" spcFirstLastPara="1" rIns="91425" wrap="square" tIns="91425">
+          <a:bodyPr spcFirstLastPara="1" wrap="square" lIns="91425" tIns="91425" rIns="91425" bIns="91425" anchor="ctr" anchorCtr="0">
             <a:noAutofit/>
           </a:bodyPr>
           <a:lstStyle/>
           <a:p>
-            <a:pPr indent="0" lvl="0" marL="0" rtl="0" algn="l">
+            <a:pPr marL="0" lvl="0" indent="0" algn="l" rtl="0">
               <a:spcBef>
                 <a:spcPts val="0"/>
               </a:spcBef>
@@ -3633,9 +3802,6 @@
               </a:spcAft>
               <a:buNone/>
             </a:pPr>
-            <a:r>
-              <a:t/>
-            </a:r>
             <a:endParaRPr/>
           </a:p>
         </p:txBody>
@@ -3676,12 +3842,12 @@
           </a:ln>
         </p:spPr>
         <p:txBody>
-          <a:bodyPr anchorCtr="0" anchor="ctr" bIns="91425" lIns="91425" spcFirstLastPara="1" rIns="91425" wrap="square" tIns="91425">
+          <a:bodyPr spcFirstLastPara="1" wrap="square" lIns="91425" tIns="91425" rIns="91425" bIns="91425" anchor="ctr" anchorCtr="0">
             <a:noAutofit/>
           </a:bodyPr>
           <a:lstStyle/>
           <a:p>
-            <a:pPr indent="0" lvl="0" marL="0" rtl="0" algn="l">
+            <a:pPr marL="0" lvl="0" indent="0" algn="l" rtl="0">
               <a:spcBef>
                 <a:spcPts val="0"/>
               </a:spcBef>
@@ -3690,9 +3856,6 @@
               </a:spcAft>
               <a:buNone/>
             </a:pPr>
-            <a:r>
-              <a:t/>
-            </a:r>
             <a:endParaRPr/>
           </a:p>
         </p:txBody>
@@ -3700,7 +3863,9 @@
       <p:sp>
         <p:nvSpPr>
           <p:cNvPr id="39" name="Google Shape;39;p7"/>
-          <p:cNvSpPr txBox="1"/>
+          <p:cNvSpPr txBox="1">
+            <a:spLocks noGrp="1"/>
+          </p:cNvSpPr>
           <p:nvPr>
             <p:ph type="title"/>
           </p:nvPr>
@@ -3715,7 +3880,7 @@
           </a:prstGeom>
         </p:spPr>
         <p:txBody>
-          <a:bodyPr anchorCtr="0" anchor="b" bIns="91425" lIns="91425" spcFirstLastPara="1" rIns="91425" wrap="square" tIns="91425">
+          <a:bodyPr spcFirstLastPara="1" wrap="square" lIns="91425" tIns="91425" rIns="91425" bIns="91425" anchor="b" anchorCtr="0">
             <a:noAutofit/>
           </a:bodyPr>
           <a:lstStyle>
@@ -3819,15 +3984,19 @@
               <a:defRPr sz="2400"/>
             </a:lvl9pPr>
           </a:lstStyle>
-          <a:p/>
+          <a:p>
+            <a:endParaRPr/>
+          </a:p>
         </p:txBody>
       </p:sp>
       <p:sp>
         <p:nvSpPr>
           <p:cNvPr id="40" name="Google Shape;40;p7"/>
-          <p:cNvSpPr txBox="1"/>
+          <p:cNvSpPr txBox="1">
+            <a:spLocks noGrp="1"/>
+          </p:cNvSpPr>
           <p:nvPr>
-            <p:ph idx="1" type="body"/>
+            <p:ph type="body" idx="1"/>
           </p:nvPr>
         </p:nvSpPr>
         <p:spPr>
@@ -3840,11 +4009,11 @@
           </a:prstGeom>
         </p:spPr>
         <p:txBody>
-          <a:bodyPr anchorCtr="0" anchor="t" bIns="91425" lIns="91425" spcFirstLastPara="1" rIns="91425" wrap="square" tIns="91425">
+          <a:bodyPr spcFirstLastPara="1" wrap="square" lIns="91425" tIns="91425" rIns="91425" bIns="91425" anchor="t" anchorCtr="0">
             <a:noAutofit/>
           </a:bodyPr>
           <a:lstStyle>
-            <a:lvl1pPr indent="-304800" lvl="0" marL="457200">
+            <a:lvl1pPr marL="457200" lvl="0" indent="-304800">
               <a:spcBef>
                 <a:spcPts val="0"/>
               </a:spcBef>
@@ -3862,7 +4031,7 @@
                 </a:solidFill>
               </a:defRPr>
             </a:lvl1pPr>
-            <a:lvl2pPr indent="-304800" lvl="1" marL="914400">
+            <a:lvl2pPr marL="914400" lvl="1" indent="-304800">
               <a:spcBef>
                 <a:spcPts val="1600"/>
               </a:spcBef>
@@ -3880,7 +4049,7 @@
                 </a:solidFill>
               </a:defRPr>
             </a:lvl2pPr>
-            <a:lvl3pPr indent="-304800" lvl="2" marL="1371600">
+            <a:lvl3pPr marL="1371600" lvl="2" indent="-304800">
               <a:spcBef>
                 <a:spcPts val="1600"/>
               </a:spcBef>
@@ -3898,7 +4067,7 @@
                 </a:solidFill>
               </a:defRPr>
             </a:lvl3pPr>
-            <a:lvl4pPr indent="-304800" lvl="3" marL="1828800">
+            <a:lvl4pPr marL="1828800" lvl="3" indent="-304800">
               <a:spcBef>
                 <a:spcPts val="1600"/>
               </a:spcBef>
@@ -3916,7 +4085,7 @@
                 </a:solidFill>
               </a:defRPr>
             </a:lvl4pPr>
-            <a:lvl5pPr indent="-304800" lvl="4" marL="2286000">
+            <a:lvl5pPr marL="2286000" lvl="4" indent="-304800">
               <a:spcBef>
                 <a:spcPts val="1600"/>
               </a:spcBef>
@@ -3934,7 +4103,7 @@
                 </a:solidFill>
               </a:defRPr>
             </a:lvl5pPr>
-            <a:lvl6pPr indent="-304800" lvl="5" marL="2743200">
+            <a:lvl6pPr marL="2743200" lvl="5" indent="-304800">
               <a:spcBef>
                 <a:spcPts val="1600"/>
               </a:spcBef>
@@ -3952,7 +4121,7 @@
                 </a:solidFill>
               </a:defRPr>
             </a:lvl6pPr>
-            <a:lvl7pPr indent="-304800" lvl="6" marL="3200400">
+            <a:lvl7pPr marL="3200400" lvl="6" indent="-304800">
               <a:spcBef>
                 <a:spcPts val="1600"/>
               </a:spcBef>
@@ -3970,7 +4139,7 @@
                 </a:solidFill>
               </a:defRPr>
             </a:lvl7pPr>
-            <a:lvl8pPr indent="-304800" lvl="7" marL="3657600">
+            <a:lvl8pPr marL="3657600" lvl="7" indent="-304800">
               <a:spcBef>
                 <a:spcPts val="1600"/>
               </a:spcBef>
@@ -3988,7 +4157,7 @@
                 </a:solidFill>
               </a:defRPr>
             </a:lvl8pPr>
-            <a:lvl9pPr indent="-304800" lvl="8" marL="4114800">
+            <a:lvl9pPr marL="4114800" lvl="8" indent="-304800">
               <a:spcBef>
                 <a:spcPts val="1600"/>
               </a:spcBef>
@@ -4007,15 +4176,19 @@
               </a:defRPr>
             </a:lvl9pPr>
           </a:lstStyle>
-          <a:p/>
+          <a:p>
+            <a:endParaRPr/>
+          </a:p>
         </p:txBody>
       </p:sp>
       <p:sp>
         <p:nvSpPr>
           <p:cNvPr id="41" name="Google Shape;41;p7"/>
-          <p:cNvSpPr txBox="1"/>
+          <p:cNvSpPr txBox="1">
+            <a:spLocks noGrp="1"/>
+          </p:cNvSpPr>
           <p:nvPr>
-            <p:ph idx="12" type="sldNum"/>
+            <p:ph type="sldNum" idx="12"/>
           </p:nvPr>
         </p:nvSpPr>
         <p:spPr>
@@ -4028,7 +4201,7 @@
           </a:prstGeom>
         </p:spPr>
         <p:txBody>
-          <a:bodyPr anchorCtr="0" anchor="ctr" bIns="91425" lIns="91425" spcFirstLastPara="1" rIns="91425" wrap="square" tIns="91425">
+          <a:bodyPr spcFirstLastPara="1" wrap="square" lIns="91425" tIns="91425" rIns="91425" bIns="91425" anchor="ctr" anchorCtr="0">
             <a:noAutofit/>
           </a:bodyPr>
           <a:lstStyle>
@@ -4070,7 +4243,7 @@
             </a:lvl9pPr>
           </a:lstStyle>
           <a:p>
-            <a:pPr indent="0" lvl="0" marL="0" rtl="0" algn="r">
+            <a:pPr marL="0" lvl="0" indent="0" algn="r" rtl="0">
               <a:spcBef>
                 <a:spcPts val="0"/>
               </a:spcBef>
@@ -4081,7 +4254,7 @@
             </a:pPr>
             <a:fld id="{00000000-1234-1234-1234-123412341234}" type="slidenum">
               <a:rPr lang="pt-BR"/>
-              <a:t>‹#›</a:t>
+              <a:t>‹nº›</a:t>
             </a:fld>
             <a:endParaRPr/>
           </a:p>
@@ -4096,11 +4269,11 @@
 </file>
 
 <file path=ppt/slideLayouts/slideLayout7.xml><?xml version="1.0" encoding="utf-8"?>
-<p:sldLayout xmlns:a="http://schemas.openxmlformats.org/drawingml/2006/main" xmlns:r="http://schemas.openxmlformats.org/officeDocument/2006/relationships" xmlns:mc="http://schemas.openxmlformats.org/markup-compatibility/2006" xmlns:mv="urn:schemas-microsoft-com:mac:vml" xmlns:p="http://schemas.openxmlformats.org/presentationml/2006/main" xmlns:c="http://schemas.openxmlformats.org/drawingml/2006/chart" xmlns:dgm="http://schemas.openxmlformats.org/drawingml/2006/diagram" xmlns:o="urn:schemas-microsoft-com:office:office" xmlns:v="urn:schemas-microsoft-com:vml" xmlns:pvml="urn:schemas-microsoft-com:office:powerpoint" xmlns:com="http://schemas.openxmlformats.org/drawingml/2006/compatibility" xmlns:p14="http://schemas.microsoft.com/office/powerpoint/2010/main" xmlns:p15="http://schemas.microsoft.com/office/powerpoint/2012/main" xmlns:ahyp="http://schemas.microsoft.com/office/drawing/2018/hyperlinkcolor" matchingName="Main point">
+<p:sldLayout xmlns:a="http://schemas.openxmlformats.org/drawingml/2006/main" xmlns:r="http://schemas.openxmlformats.org/officeDocument/2006/relationships" xmlns:p="http://schemas.openxmlformats.org/presentationml/2006/main" matchingName="Main point">
   <p:cSld name="MAIN_POINT">
     <p:spTree>
       <p:nvGrpSpPr>
-        <p:cNvPr id="42" name="Shape 42"/>
+        <p:cNvPr id="1" name="Shape 42"/>
         <p:cNvGrpSpPr/>
         <p:nvPr/>
       </p:nvGrpSpPr>
@@ -4115,7 +4288,9 @@
       <p:sp>
         <p:nvSpPr>
           <p:cNvPr id="43" name="Google Shape;43;p8"/>
-          <p:cNvSpPr txBox="1"/>
+          <p:cNvSpPr txBox="1">
+            <a:spLocks noGrp="1"/>
+          </p:cNvSpPr>
           <p:nvPr>
             <p:ph type="title"/>
           </p:nvPr>
@@ -4130,7 +4305,7 @@
           </a:prstGeom>
         </p:spPr>
         <p:txBody>
-          <a:bodyPr anchorCtr="0" anchor="ctr" bIns="91425" lIns="91425" spcFirstLastPara="1" rIns="91425" wrap="square" tIns="91425">
+          <a:bodyPr spcFirstLastPara="1" wrap="square" lIns="91425" tIns="91425" rIns="91425" bIns="91425" anchor="ctr" anchorCtr="0">
             <a:noAutofit/>
           </a:bodyPr>
           <a:lstStyle>
@@ -4234,15 +4409,19 @@
               <a:defRPr sz="6000"/>
             </a:lvl9pPr>
           </a:lstStyle>
-          <a:p/>
+          <a:p>
+            <a:endParaRPr/>
+          </a:p>
         </p:txBody>
       </p:sp>
       <p:sp>
         <p:nvSpPr>
           <p:cNvPr id="44" name="Google Shape;44;p8"/>
-          <p:cNvSpPr txBox="1"/>
+          <p:cNvSpPr txBox="1">
+            <a:spLocks noGrp="1"/>
+          </p:cNvSpPr>
           <p:nvPr>
-            <p:ph idx="12" type="sldNum"/>
+            <p:ph type="sldNum" idx="12"/>
           </p:nvPr>
         </p:nvSpPr>
         <p:spPr>
@@ -4255,7 +4434,7 @@
           </a:prstGeom>
         </p:spPr>
         <p:txBody>
-          <a:bodyPr anchorCtr="0" anchor="ctr" bIns="91425" lIns="91425" spcFirstLastPara="1" rIns="91425" wrap="square" tIns="91425">
+          <a:bodyPr spcFirstLastPara="1" wrap="square" lIns="91425" tIns="91425" rIns="91425" bIns="91425" anchor="ctr" anchorCtr="0">
             <a:noAutofit/>
           </a:bodyPr>
           <a:lstStyle>
@@ -4333,7 +4512,7 @@
             </a:lvl9pPr>
           </a:lstStyle>
           <a:p>
-            <a:pPr indent="0" lvl="0" marL="0" rtl="0" algn="r">
+            <a:pPr marL="0" lvl="0" indent="0" algn="r" rtl="0">
               <a:spcBef>
                 <a:spcPts val="0"/>
               </a:spcBef>
@@ -4344,7 +4523,7 @@
             </a:pPr>
             <a:fld id="{00000000-1234-1234-1234-123412341234}" type="slidenum">
               <a:rPr lang="pt-BR"/>
-              <a:t>‹#›</a:t>
+              <a:t>‹nº›</a:t>
             </a:fld>
             <a:endParaRPr/>
           </a:p>
@@ -4359,11 +4538,11 @@
 </file>
 
 <file path=ppt/slideLayouts/slideLayout8.xml><?xml version="1.0" encoding="utf-8"?>
-<p:sldLayout xmlns:a="http://schemas.openxmlformats.org/drawingml/2006/main" xmlns:r="http://schemas.openxmlformats.org/officeDocument/2006/relationships" xmlns:mc="http://schemas.openxmlformats.org/markup-compatibility/2006" xmlns:mv="urn:schemas-microsoft-com:mac:vml" xmlns:p="http://schemas.openxmlformats.org/presentationml/2006/main" xmlns:c="http://schemas.openxmlformats.org/drawingml/2006/chart" xmlns:dgm="http://schemas.openxmlformats.org/drawingml/2006/diagram" xmlns:o="urn:schemas-microsoft-com:office:office" xmlns:v="urn:schemas-microsoft-com:vml" xmlns:pvml="urn:schemas-microsoft-com:office:powerpoint" xmlns:com="http://schemas.openxmlformats.org/drawingml/2006/compatibility" xmlns:p14="http://schemas.microsoft.com/office/powerpoint/2010/main" xmlns:p15="http://schemas.microsoft.com/office/powerpoint/2012/main" xmlns:ahyp="http://schemas.microsoft.com/office/drawing/2018/hyperlinkcolor" matchingName="Section title and description">
+<p:sldLayout xmlns:a="http://schemas.openxmlformats.org/drawingml/2006/main" xmlns:r="http://schemas.openxmlformats.org/officeDocument/2006/relationships" xmlns:p="http://schemas.openxmlformats.org/presentationml/2006/main" matchingName="Section title and description">
   <p:cSld name="SECTION_TITLE_AND_DESCRIPTION">
     <p:spTree>
       <p:nvGrpSpPr>
-        <p:cNvPr id="45" name="Shape 45"/>
+        <p:cNvPr id="1" name="Shape 45"/>
         <p:cNvGrpSpPr/>
         <p:nvPr/>
       </p:nvGrpSpPr>
@@ -4397,12 +4576,12 @@
           </a:ln>
         </p:spPr>
         <p:txBody>
-          <a:bodyPr anchorCtr="0" anchor="ctr" bIns="91425" lIns="91425" spcFirstLastPara="1" rIns="91425" wrap="square" tIns="91425">
+          <a:bodyPr spcFirstLastPara="1" wrap="square" lIns="91425" tIns="91425" rIns="91425" bIns="91425" anchor="ctr" anchorCtr="0">
             <a:noAutofit/>
           </a:bodyPr>
           <a:lstStyle/>
           <a:p>
-            <a:pPr indent="0" lvl="0" marL="0" rtl="0" algn="l">
+            <a:pPr marL="0" lvl="0" indent="0" algn="l" rtl="0">
               <a:spcBef>
                 <a:spcPts val="0"/>
               </a:spcBef>
@@ -4411,9 +4590,6 @@
               </a:spcAft>
               <a:buNone/>
             </a:pPr>
-            <a:r>
-              <a:t/>
-            </a:r>
             <a:endParaRPr/>
           </a:p>
         </p:txBody>
@@ -4454,12 +4630,12 @@
           </a:ln>
         </p:spPr>
         <p:txBody>
-          <a:bodyPr anchorCtr="0" anchor="ctr" bIns="91425" lIns="91425" spcFirstLastPara="1" rIns="91425" wrap="square" tIns="91425">
+          <a:bodyPr spcFirstLastPara="1" wrap="square" lIns="91425" tIns="91425" rIns="91425" bIns="91425" anchor="ctr" anchorCtr="0">
             <a:noAutofit/>
           </a:bodyPr>
           <a:lstStyle/>
           <a:p>
-            <a:pPr indent="0" lvl="0" marL="0" rtl="0" algn="l">
+            <a:pPr marL="0" lvl="0" indent="0" algn="l" rtl="0">
               <a:spcBef>
                 <a:spcPts val="0"/>
               </a:spcBef>
@@ -4468,9 +4644,6 @@
               </a:spcAft>
               <a:buNone/>
             </a:pPr>
-            <a:r>
-              <a:t/>
-            </a:r>
             <a:endParaRPr/>
           </a:p>
         </p:txBody>
@@ -4478,7 +4651,9 @@
       <p:sp>
         <p:nvSpPr>
           <p:cNvPr id="48" name="Google Shape;48;p9"/>
-          <p:cNvSpPr txBox="1"/>
+          <p:cNvSpPr txBox="1">
+            <a:spLocks noGrp="1"/>
+          </p:cNvSpPr>
           <p:nvPr>
             <p:ph type="title"/>
           </p:nvPr>
@@ -4493,7 +4668,7 @@
           </a:prstGeom>
         </p:spPr>
         <p:txBody>
-          <a:bodyPr anchorCtr="0" anchor="b" bIns="91425" lIns="91425" spcFirstLastPara="1" rIns="91425" wrap="square" tIns="91425">
+          <a:bodyPr spcFirstLastPara="1" wrap="square" lIns="91425" tIns="91425" rIns="91425" bIns="91425" anchor="b" anchorCtr="0">
             <a:noAutofit/>
           </a:bodyPr>
           <a:lstStyle>
@@ -4660,15 +4835,19 @@
               </a:defRPr>
             </a:lvl9pPr>
           </a:lstStyle>
-          <a:p/>
+          <a:p>
+            <a:endParaRPr/>
+          </a:p>
         </p:txBody>
       </p:sp>
       <p:sp>
         <p:nvSpPr>
           <p:cNvPr id="49" name="Google Shape;49;p9"/>
-          <p:cNvSpPr txBox="1"/>
+          <p:cNvSpPr txBox="1">
+            <a:spLocks noGrp="1"/>
+          </p:cNvSpPr>
           <p:nvPr>
-            <p:ph idx="1" type="subTitle"/>
+            <p:ph type="subTitle" idx="1"/>
           </p:nvPr>
         </p:nvSpPr>
         <p:spPr>
@@ -4681,7 +4860,7 @@
           </a:prstGeom>
         </p:spPr>
         <p:txBody>
-          <a:bodyPr anchorCtr="0" anchor="t" bIns="91425" lIns="91425" spcFirstLastPara="1" rIns="91425" wrap="square" tIns="91425">
+          <a:bodyPr spcFirstLastPara="1" wrap="square" lIns="91425" tIns="91425" rIns="91425" bIns="91425" anchor="t" anchorCtr="0">
             <a:noAutofit/>
           </a:bodyPr>
           <a:lstStyle>
@@ -4812,15 +4991,19 @@
               <a:defRPr sz="2100"/>
             </a:lvl9pPr>
           </a:lstStyle>
-          <a:p/>
+          <a:p>
+            <a:endParaRPr/>
+          </a:p>
         </p:txBody>
       </p:sp>
       <p:sp>
         <p:nvSpPr>
           <p:cNvPr id="50" name="Google Shape;50;p9"/>
-          <p:cNvSpPr txBox="1"/>
+          <p:cNvSpPr txBox="1">
+            <a:spLocks noGrp="1"/>
+          </p:cNvSpPr>
           <p:nvPr>
-            <p:ph idx="2" type="body"/>
+            <p:ph type="body" idx="2"/>
           </p:nvPr>
         </p:nvSpPr>
         <p:spPr>
@@ -4833,11 +5016,11 @@
           </a:prstGeom>
         </p:spPr>
         <p:txBody>
-          <a:bodyPr anchorCtr="0" anchor="ctr" bIns="91425" lIns="91425" spcFirstLastPara="1" rIns="91425" wrap="square" tIns="91425">
+          <a:bodyPr spcFirstLastPara="1" wrap="square" lIns="91425" tIns="91425" rIns="91425" bIns="91425" anchor="ctr" anchorCtr="0">
             <a:noAutofit/>
           </a:bodyPr>
           <a:lstStyle>
-            <a:lvl1pPr indent="-342900" lvl="0" marL="457200">
+            <a:lvl1pPr marL="457200" lvl="0" indent="-342900">
               <a:spcBef>
                 <a:spcPts val="0"/>
               </a:spcBef>
@@ -4855,7 +5038,7 @@
                 </a:solidFill>
               </a:defRPr>
             </a:lvl1pPr>
-            <a:lvl2pPr indent="-317500" lvl="1" marL="914400">
+            <a:lvl2pPr marL="914400" lvl="1" indent="-317500">
               <a:spcBef>
                 <a:spcPts val="1600"/>
               </a:spcBef>
@@ -4873,7 +5056,7 @@
                 </a:solidFill>
               </a:defRPr>
             </a:lvl2pPr>
-            <a:lvl3pPr indent="-317500" lvl="2" marL="1371600">
+            <a:lvl3pPr marL="1371600" lvl="2" indent="-317500">
               <a:spcBef>
                 <a:spcPts val="1600"/>
               </a:spcBef>
@@ -4891,7 +5074,7 @@
                 </a:solidFill>
               </a:defRPr>
             </a:lvl3pPr>
-            <a:lvl4pPr indent="-317500" lvl="3" marL="1828800">
+            <a:lvl4pPr marL="1828800" lvl="3" indent="-317500">
               <a:spcBef>
                 <a:spcPts val="1600"/>
               </a:spcBef>
@@ -4909,7 +5092,7 @@
                 </a:solidFill>
               </a:defRPr>
             </a:lvl4pPr>
-            <a:lvl5pPr indent="-317500" lvl="4" marL="2286000">
+            <a:lvl5pPr marL="2286000" lvl="4" indent="-317500">
               <a:spcBef>
                 <a:spcPts val="1600"/>
               </a:spcBef>
@@ -4927,7 +5110,7 @@
                 </a:solidFill>
               </a:defRPr>
             </a:lvl5pPr>
-            <a:lvl6pPr indent="-317500" lvl="5" marL="2743200">
+            <a:lvl6pPr marL="2743200" lvl="5" indent="-317500">
               <a:spcBef>
                 <a:spcPts val="1600"/>
               </a:spcBef>
@@ -4945,7 +5128,7 @@
                 </a:solidFill>
               </a:defRPr>
             </a:lvl6pPr>
-            <a:lvl7pPr indent="-317500" lvl="6" marL="3200400">
+            <a:lvl7pPr marL="3200400" lvl="6" indent="-317500">
               <a:spcBef>
                 <a:spcPts val="1600"/>
               </a:spcBef>
@@ -4963,7 +5146,7 @@
                 </a:solidFill>
               </a:defRPr>
             </a:lvl7pPr>
-            <a:lvl8pPr indent="-317500" lvl="7" marL="3657600">
+            <a:lvl8pPr marL="3657600" lvl="7" indent="-317500">
               <a:spcBef>
                 <a:spcPts val="1600"/>
               </a:spcBef>
@@ -4981,7 +5164,7 @@
                 </a:solidFill>
               </a:defRPr>
             </a:lvl8pPr>
-            <a:lvl9pPr indent="-317500" lvl="8" marL="4114800">
+            <a:lvl9pPr marL="4114800" lvl="8" indent="-317500">
               <a:spcBef>
                 <a:spcPts val="1600"/>
               </a:spcBef>
@@ -5000,15 +5183,19 @@
               </a:defRPr>
             </a:lvl9pPr>
           </a:lstStyle>
-          <a:p/>
+          <a:p>
+            <a:endParaRPr/>
+          </a:p>
         </p:txBody>
       </p:sp>
       <p:sp>
         <p:nvSpPr>
           <p:cNvPr id="51" name="Google Shape;51;p9"/>
-          <p:cNvSpPr txBox="1"/>
+          <p:cNvSpPr txBox="1">
+            <a:spLocks noGrp="1"/>
+          </p:cNvSpPr>
           <p:nvPr>
-            <p:ph idx="12" type="sldNum"/>
+            <p:ph type="sldNum" idx="12"/>
           </p:nvPr>
         </p:nvSpPr>
         <p:spPr>
@@ -5021,7 +5208,7 @@
           </a:prstGeom>
         </p:spPr>
         <p:txBody>
-          <a:bodyPr anchorCtr="0" anchor="ctr" bIns="91425" lIns="91425" spcFirstLastPara="1" rIns="91425" wrap="square" tIns="91425">
+          <a:bodyPr spcFirstLastPara="1" wrap="square" lIns="91425" tIns="91425" rIns="91425" bIns="91425" anchor="ctr" anchorCtr="0">
             <a:noAutofit/>
           </a:bodyPr>
           <a:lstStyle>
@@ -5099,7 +5286,7 @@
             </a:lvl9pPr>
           </a:lstStyle>
           <a:p>
-            <a:pPr indent="0" lvl="0" marL="0" rtl="0" algn="r">
+            <a:pPr marL="0" lvl="0" indent="0" algn="r" rtl="0">
               <a:spcBef>
                 <a:spcPts val="0"/>
               </a:spcBef>
@@ -5110,7 +5297,7 @@
             </a:pPr>
             <a:fld id="{00000000-1234-1234-1234-123412341234}" type="slidenum">
               <a:rPr lang="pt-BR"/>
-              <a:t>‹#›</a:t>
+              <a:t>‹nº›</a:t>
             </a:fld>
             <a:endParaRPr/>
           </a:p>
@@ -5125,11 +5312,11 @@
 </file>
 
 <file path=ppt/slideLayouts/slideLayout9.xml><?xml version="1.0" encoding="utf-8"?>
-<p:sldLayout xmlns:a="http://schemas.openxmlformats.org/drawingml/2006/main" xmlns:r="http://schemas.openxmlformats.org/officeDocument/2006/relationships" xmlns:mc="http://schemas.openxmlformats.org/markup-compatibility/2006" xmlns:mv="urn:schemas-microsoft-com:mac:vml" xmlns:p="http://schemas.openxmlformats.org/presentationml/2006/main" xmlns:c="http://schemas.openxmlformats.org/drawingml/2006/chart" xmlns:dgm="http://schemas.openxmlformats.org/drawingml/2006/diagram" xmlns:o="urn:schemas-microsoft-com:office:office" xmlns:v="urn:schemas-microsoft-com:vml" xmlns:pvml="urn:schemas-microsoft-com:office:powerpoint" xmlns:com="http://schemas.openxmlformats.org/drawingml/2006/compatibility" xmlns:p14="http://schemas.microsoft.com/office/powerpoint/2010/main" xmlns:p15="http://schemas.microsoft.com/office/powerpoint/2012/main" xmlns:ahyp="http://schemas.microsoft.com/office/drawing/2018/hyperlinkcolor" matchingName="Caption">
+<p:sldLayout xmlns:a="http://schemas.openxmlformats.org/drawingml/2006/main" xmlns:r="http://schemas.openxmlformats.org/officeDocument/2006/relationships" xmlns:p="http://schemas.openxmlformats.org/presentationml/2006/main" matchingName="Caption">
   <p:cSld name="CAPTION_ONLY">
     <p:spTree>
       <p:nvGrpSpPr>
-        <p:cNvPr id="52" name="Shape 52"/>
+        <p:cNvPr id="1" name="Shape 52"/>
         <p:cNvGrpSpPr/>
         <p:nvPr/>
       </p:nvGrpSpPr>
@@ -5148,7 +5335,7 @@
           <p:nvPr/>
         </p:nvSpPr>
         <p:spPr>
-          <a:xfrm flipH="1" rot="10800000">
+          <a:xfrm rot="10800000" flipH="1">
             <a:off x="0" y="0"/>
             <a:ext cx="9144000" cy="4695900"/>
           </a:xfrm>
@@ -5163,12 +5350,12 @@
           </a:ln>
         </p:spPr>
         <p:txBody>
-          <a:bodyPr anchorCtr="0" anchor="ctr" bIns="91425" lIns="91425" spcFirstLastPara="1" rIns="91425" wrap="square" tIns="91425">
+          <a:bodyPr spcFirstLastPara="1" wrap="square" lIns="91425" tIns="91425" rIns="91425" bIns="91425" anchor="ctr" anchorCtr="0">
             <a:noAutofit/>
           </a:bodyPr>
           <a:lstStyle/>
           <a:p>
-            <a:pPr indent="0" lvl="0" marL="0" rtl="0" algn="l">
+            <a:pPr marL="0" lvl="0" indent="0" algn="l" rtl="0">
               <a:spcBef>
                 <a:spcPts val="0"/>
               </a:spcBef>
@@ -5177,9 +5364,6 @@
               </a:spcAft>
               <a:buNone/>
             </a:pPr>
-            <a:r>
-              <a:t/>
-            </a:r>
             <a:endParaRPr/>
           </a:p>
         </p:txBody>
@@ -5191,7 +5375,7 @@
           <p:nvPr/>
         </p:nvSpPr>
         <p:spPr>
-          <a:xfrm flipH="1" rot="10800000">
+          <a:xfrm rot="10800000" flipH="1">
             <a:off x="0" y="4622725"/>
             <a:ext cx="9144000" cy="74100"/>
           </a:xfrm>
@@ -5220,12 +5404,12 @@
           </a:ln>
         </p:spPr>
         <p:txBody>
-          <a:bodyPr anchorCtr="0" anchor="ctr" bIns="91425" lIns="91425" spcFirstLastPara="1" rIns="91425" wrap="square" tIns="91425">
+          <a:bodyPr spcFirstLastPara="1" wrap="square" lIns="91425" tIns="91425" rIns="91425" bIns="91425" anchor="ctr" anchorCtr="0">
             <a:noAutofit/>
           </a:bodyPr>
           <a:lstStyle/>
           <a:p>
-            <a:pPr indent="0" lvl="0" marL="0" rtl="0" algn="l">
+            <a:pPr marL="0" lvl="0" indent="0" algn="l" rtl="0">
               <a:spcBef>
                 <a:spcPts val="0"/>
               </a:spcBef>
@@ -5234,9 +5418,6 @@
               </a:spcAft>
               <a:buNone/>
             </a:pPr>
-            <a:r>
-              <a:t/>
-            </a:r>
             <a:endParaRPr/>
           </a:p>
         </p:txBody>
@@ -5244,9 +5425,11 @@
       <p:sp>
         <p:nvSpPr>
           <p:cNvPr id="55" name="Google Shape;55;p10"/>
-          <p:cNvSpPr txBox="1"/>
+          <p:cNvSpPr txBox="1">
+            <a:spLocks noGrp="1"/>
+          </p:cNvSpPr>
           <p:nvPr>
-            <p:ph idx="1" type="body"/>
+            <p:ph type="body" idx="1"/>
           </p:nvPr>
         </p:nvSpPr>
         <p:spPr>
@@ -5259,11 +5442,11 @@
           </a:prstGeom>
         </p:spPr>
         <p:txBody>
-          <a:bodyPr anchorCtr="0" anchor="ctr" bIns="91425" lIns="91425" spcFirstLastPara="1" rIns="91425" wrap="square" tIns="91425">
+          <a:bodyPr spcFirstLastPara="1" wrap="square" lIns="91425" tIns="91425" rIns="91425" bIns="91425" anchor="ctr" anchorCtr="0">
             <a:noAutofit/>
           </a:bodyPr>
           <a:lstStyle>
-            <a:lvl1pPr indent="-228600" lvl="0" marL="457200">
+            <a:lvl1pPr marL="457200" lvl="0" indent="-228600">
               <a:lnSpc>
                 <a:spcPct val="100000"/>
               </a:lnSpc>
@@ -5285,15 +5468,19 @@
               </a:defRPr>
             </a:lvl1pPr>
           </a:lstStyle>
-          <a:p/>
+          <a:p>
+            <a:endParaRPr/>
+          </a:p>
         </p:txBody>
       </p:sp>
       <p:sp>
         <p:nvSpPr>
           <p:cNvPr id="56" name="Google Shape;56;p10"/>
-          <p:cNvSpPr txBox="1"/>
+          <p:cNvSpPr txBox="1">
+            <a:spLocks noGrp="1"/>
+          </p:cNvSpPr>
           <p:nvPr>
-            <p:ph idx="12" type="sldNum"/>
+            <p:ph type="sldNum" idx="12"/>
           </p:nvPr>
         </p:nvSpPr>
         <p:spPr>
@@ -5306,7 +5493,7 @@
           </a:prstGeom>
         </p:spPr>
         <p:txBody>
-          <a:bodyPr anchorCtr="0" anchor="ctr" bIns="91425" lIns="91425" spcFirstLastPara="1" rIns="91425" wrap="square" tIns="91425">
+          <a:bodyPr spcFirstLastPara="1" wrap="square" lIns="91425" tIns="91425" rIns="91425" bIns="91425" anchor="ctr" anchorCtr="0">
             <a:noAutofit/>
           </a:bodyPr>
           <a:lstStyle>
@@ -5384,7 +5571,7 @@
             </a:lvl9pPr>
           </a:lstStyle>
           <a:p>
-            <a:pPr indent="0" lvl="0" marL="0" rtl="0" algn="r">
+            <a:pPr marL="0" lvl="0" indent="0" algn="r" rtl="0">
               <a:spcBef>
                 <a:spcPts val="0"/>
               </a:spcBef>
@@ -5395,7 +5582,7 @@
             </a:pPr>
             <a:fld id="{00000000-1234-1234-1234-123412341234}" type="slidenum">
               <a:rPr lang="pt-BR"/>
-              <a:t>‹#›</a:t>
+              <a:t>‹nº›</a:t>
             </a:fld>
             <a:endParaRPr/>
           </a:p>
@@ -5410,18 +5597,19 @@
 </file>
 
 <file path=ppt/slideMasters/slideMaster1.xml><?xml version="1.0" encoding="utf-8"?>
-<p:sldMaster xmlns:a="http://schemas.openxmlformats.org/drawingml/2006/main" xmlns:r="http://schemas.openxmlformats.org/officeDocument/2006/relationships" xmlns:mc="http://schemas.openxmlformats.org/markup-compatibility/2006" xmlns:mv="urn:schemas-microsoft-com:mac:vml" xmlns:p="http://schemas.openxmlformats.org/presentationml/2006/main" xmlns:c="http://schemas.openxmlformats.org/drawingml/2006/chart" xmlns:dgm="http://schemas.openxmlformats.org/drawingml/2006/diagram" xmlns:o="urn:schemas-microsoft-com:office:office" xmlns:v="urn:schemas-microsoft-com:vml" xmlns:pvml="urn:schemas-microsoft-com:office:powerpoint" xmlns:com="http://schemas.openxmlformats.org/drawingml/2006/compatibility" xmlns:p14="http://schemas.microsoft.com/office/powerpoint/2010/main" xmlns:p15="http://schemas.microsoft.com/office/powerpoint/2012/main" xmlns:ahyp="http://schemas.microsoft.com/office/drawing/2018/hyperlinkcolor">
+<p:sldMaster xmlns:a="http://schemas.openxmlformats.org/drawingml/2006/main" xmlns:r="http://schemas.openxmlformats.org/officeDocument/2006/relationships" xmlns:p="http://schemas.openxmlformats.org/presentationml/2006/main">
   <p:cSld name="material">
     <p:bg>
       <p:bgPr>
         <a:solidFill>
           <a:schemeClr val="dk1"/>
         </a:solidFill>
+        <a:effectLst/>
       </p:bgPr>
     </p:bg>
     <p:spTree>
       <p:nvGrpSpPr>
-        <p:cNvPr id="5" name="Shape 5"/>
+        <p:cNvPr id="1" name="Shape 5"/>
         <p:cNvGrpSpPr/>
         <p:nvPr/>
       </p:nvGrpSpPr>
@@ -5436,7 +5624,9 @@
       <p:sp>
         <p:nvSpPr>
           <p:cNvPr id="6" name="Google Shape;6;p1"/>
-          <p:cNvSpPr txBox="1"/>
+          <p:cNvSpPr txBox="1">
+            <a:spLocks noGrp="1"/>
+          </p:cNvSpPr>
           <p:nvPr>
             <p:ph type="title"/>
           </p:nvPr>
@@ -5455,7 +5645,7 @@
           </a:ln>
         </p:spPr>
         <p:txBody>
-          <a:bodyPr anchorCtr="0" anchor="b" bIns="91425" lIns="91425" spcFirstLastPara="1" rIns="91425" wrap="square" tIns="91425">
+          <a:bodyPr spcFirstLastPara="1" wrap="square" lIns="91425" tIns="91425" rIns="91425" bIns="91425" anchor="b" anchorCtr="0">
             <a:noAutofit/>
           </a:bodyPr>
           <a:lstStyle>
@@ -5667,15 +5857,19 @@
               </a:defRPr>
             </a:lvl9pPr>
           </a:lstStyle>
-          <a:p/>
+          <a:p>
+            <a:endParaRPr/>
+          </a:p>
         </p:txBody>
       </p:sp>
       <p:sp>
         <p:nvSpPr>
           <p:cNvPr id="7" name="Google Shape;7;p1"/>
-          <p:cNvSpPr txBox="1"/>
+          <p:cNvSpPr txBox="1">
+            <a:spLocks noGrp="1"/>
+          </p:cNvSpPr>
           <p:nvPr>
-            <p:ph idx="1" type="body"/>
+            <p:ph type="body" idx="1"/>
           </p:nvPr>
         </p:nvSpPr>
         <p:spPr>
@@ -5692,11 +5886,11 @@
           </a:ln>
         </p:spPr>
         <p:txBody>
-          <a:bodyPr anchorCtr="0" anchor="t" bIns="91425" lIns="91425" spcFirstLastPara="1" rIns="91425" wrap="square" tIns="91425">
+          <a:bodyPr spcFirstLastPara="1" wrap="square" lIns="91425" tIns="91425" rIns="91425" bIns="91425" anchor="t" anchorCtr="0">
             <a:noAutofit/>
           </a:bodyPr>
           <a:lstStyle>
-            <a:lvl1pPr indent="-342900" lvl="0" marL="457200">
+            <a:lvl1pPr marL="457200" lvl="0" indent="-342900">
               <a:lnSpc>
                 <a:spcPct val="115000"/>
               </a:lnSpc>
@@ -5722,7 +5916,7 @@
                 <a:sym typeface="Roboto"/>
               </a:defRPr>
             </a:lvl1pPr>
-            <a:lvl2pPr indent="-317500" lvl="1" marL="914400">
+            <a:lvl2pPr marL="914400" lvl="1" indent="-317500">
               <a:lnSpc>
                 <a:spcPct val="115000"/>
               </a:lnSpc>
@@ -5748,7 +5942,7 @@
                 <a:sym typeface="Roboto"/>
               </a:defRPr>
             </a:lvl2pPr>
-            <a:lvl3pPr indent="-317500" lvl="2" marL="1371600">
+            <a:lvl3pPr marL="1371600" lvl="2" indent="-317500">
               <a:lnSpc>
                 <a:spcPct val="115000"/>
               </a:lnSpc>
@@ -5774,7 +5968,7 @@
                 <a:sym typeface="Roboto"/>
               </a:defRPr>
             </a:lvl3pPr>
-            <a:lvl4pPr indent="-317500" lvl="3" marL="1828800">
+            <a:lvl4pPr marL="1828800" lvl="3" indent="-317500">
               <a:lnSpc>
                 <a:spcPct val="115000"/>
               </a:lnSpc>
@@ -5800,7 +5994,7 @@
                 <a:sym typeface="Roboto"/>
               </a:defRPr>
             </a:lvl4pPr>
-            <a:lvl5pPr indent="-317500" lvl="4" marL="2286000">
+            <a:lvl5pPr marL="2286000" lvl="4" indent="-317500">
               <a:lnSpc>
                 <a:spcPct val="115000"/>
               </a:lnSpc>
@@ -5826,7 +6020,7 @@
                 <a:sym typeface="Roboto"/>
               </a:defRPr>
             </a:lvl5pPr>
-            <a:lvl6pPr indent="-317500" lvl="5" marL="2743200">
+            <a:lvl6pPr marL="2743200" lvl="5" indent="-317500">
               <a:lnSpc>
                 <a:spcPct val="115000"/>
               </a:lnSpc>
@@ -5852,7 +6046,7 @@
                 <a:sym typeface="Roboto"/>
               </a:defRPr>
             </a:lvl6pPr>
-            <a:lvl7pPr indent="-317500" lvl="6" marL="3200400">
+            <a:lvl7pPr marL="3200400" lvl="6" indent="-317500">
               <a:lnSpc>
                 <a:spcPct val="115000"/>
               </a:lnSpc>
@@ -5878,7 +6072,7 @@
                 <a:sym typeface="Roboto"/>
               </a:defRPr>
             </a:lvl7pPr>
-            <a:lvl8pPr indent="-317500" lvl="7" marL="3657600">
+            <a:lvl8pPr marL="3657600" lvl="7" indent="-317500">
               <a:lnSpc>
                 <a:spcPct val="115000"/>
               </a:lnSpc>
@@ -5904,7 +6098,7 @@
                 <a:sym typeface="Roboto"/>
               </a:defRPr>
             </a:lvl8pPr>
-            <a:lvl9pPr indent="-317500" lvl="8" marL="4114800">
+            <a:lvl9pPr marL="4114800" lvl="8" indent="-317500">
               <a:lnSpc>
                 <a:spcPct val="115000"/>
               </a:lnSpc>
@@ -5931,15 +6125,19 @@
               </a:defRPr>
             </a:lvl9pPr>
           </a:lstStyle>
-          <a:p/>
+          <a:p>
+            <a:endParaRPr/>
+          </a:p>
         </p:txBody>
       </p:sp>
       <p:sp>
         <p:nvSpPr>
           <p:cNvPr id="8" name="Google Shape;8;p1"/>
-          <p:cNvSpPr txBox="1"/>
+          <p:cNvSpPr txBox="1">
+            <a:spLocks noGrp="1"/>
+          </p:cNvSpPr>
           <p:nvPr>
-            <p:ph idx="12" type="sldNum"/>
+            <p:ph type="sldNum" idx="12"/>
           </p:nvPr>
         </p:nvSpPr>
         <p:spPr>
@@ -5956,7 +6154,7 @@
           </a:ln>
         </p:spPr>
         <p:txBody>
-          <a:bodyPr anchorCtr="0" anchor="ctr" bIns="91425" lIns="91425" spcFirstLastPara="1" rIns="91425" wrap="square" tIns="91425">
+          <a:bodyPr spcFirstLastPara="1" wrap="square" lIns="91425" tIns="91425" rIns="91425" bIns="91425" anchor="ctr" anchorCtr="0">
             <a:noAutofit/>
           </a:bodyPr>
           <a:lstStyle>
@@ -6070,7 +6268,7 @@
             </a:lvl9pPr>
           </a:lstStyle>
           <a:p>
-            <a:pPr indent="0" lvl="0" marL="0" rtl="0" algn="r">
+            <a:pPr marL="0" lvl="0" indent="0" algn="r" rtl="0">
               <a:spcBef>
                 <a:spcPts val="0"/>
               </a:spcBef>
@@ -6081,7 +6279,7 @@
             </a:pPr>
             <a:fld id="{00000000-1234-1234-1234-123412341234}" type="slidenum">
               <a:rPr lang="pt-BR"/>
-              <a:t>‹#›</a:t>
+              <a:t>‹nº›</a:t>
             </a:fld>
             <a:endParaRPr/>
           </a:p>
@@ -6089,7 +6287,7 @@
       </p:sp>
     </p:spTree>
   </p:cSld>
-  <p:clrMap accent1="accent1" accent2="accent2" accent3="accent3" accent4="accent4" accent5="accent5" accent6="accent6" bg1="lt1" bg2="dk2" tx1="dk1" tx2="lt2" folHlink="folHlink" hlink="hlink"/>
+  <p:clrMap bg1="lt1" tx1="dk1" bg2="dk2" tx2="lt2" accent1="accent1" accent2="accent2" accent3="accent3" accent4="accent4" accent5="accent5" accent6="accent6" hlink="hlink" folHlink="folHlink"/>
   <p:sldLayoutIdLst>
     <p:sldLayoutId id="2147483648" r:id="rId1"/>
     <p:sldLayoutId id="2147483649" r:id="rId2"/>
@@ -6103,10 +6301,10 @@
     <p:sldLayoutId id="2147483657" r:id="rId10"/>
     <p:sldLayoutId id="2147483658" r:id="rId11"/>
   </p:sldLayoutIdLst>
-  <p:hf dt="0" ftr="0" hdr="0" sldNum="0"/>
+  <p:hf sldNum="0" hdr="0" ftr="0" dt="0"/>
   <p:txStyles>
     <p:titleStyle>
-      <a:defPPr lvl="0" marR="0" rtl="0" algn="l">
+      <a:defPPr marR="0" lvl="0" algn="l" rtl="0">
         <a:lnSpc>
           <a:spcPct val="100000"/>
         </a:lnSpc>
@@ -6117,7 +6315,7 @@
           <a:spcPts val="0"/>
         </a:spcAft>
       </a:defPPr>
-      <a:lvl1pPr lvl="0" marR="0" rtl="0" algn="l">
+      <a:lvl1pPr marR="0" lvl="0" algn="l" rtl="0">
         <a:lnSpc>
           <a:spcPct val="100000"/>
         </a:lnSpc>
@@ -6131,7 +6329,7 @@
           <a:srgbClr val="000000"/>
         </a:buClr>
         <a:buFont typeface="Arial"/>
-        <a:defRPr b="0" i="0" sz="1400" u="none" cap="none" strike="noStrike">
+        <a:defRPr sz="1400" b="0" i="0" u="none" strike="noStrike" cap="none">
           <a:solidFill>
             <a:srgbClr val="000000"/>
           </a:solidFill>
@@ -6141,7 +6339,7 @@
           <a:sym typeface="Arial"/>
         </a:defRPr>
       </a:lvl1pPr>
-      <a:lvl2pPr lvl="1" marR="0" rtl="0" algn="l">
+      <a:lvl2pPr marR="0" lvl="1" algn="l" rtl="0">
         <a:lnSpc>
           <a:spcPct val="100000"/>
         </a:lnSpc>
@@ -6155,7 +6353,7 @@
           <a:srgbClr val="000000"/>
         </a:buClr>
         <a:buFont typeface="Arial"/>
-        <a:defRPr b="0" i="0" sz="1400" u="none" cap="none" strike="noStrike">
+        <a:defRPr sz="1400" b="0" i="0" u="none" strike="noStrike" cap="none">
           <a:solidFill>
             <a:srgbClr val="000000"/>
           </a:solidFill>
@@ -6165,7 +6363,7 @@
           <a:sym typeface="Arial"/>
         </a:defRPr>
       </a:lvl2pPr>
-      <a:lvl3pPr lvl="2" marR="0" rtl="0" algn="l">
+      <a:lvl3pPr marR="0" lvl="2" algn="l" rtl="0">
         <a:lnSpc>
           <a:spcPct val="100000"/>
         </a:lnSpc>
@@ -6179,7 +6377,7 @@
           <a:srgbClr val="000000"/>
         </a:buClr>
         <a:buFont typeface="Arial"/>
-        <a:defRPr b="0" i="0" sz="1400" u="none" cap="none" strike="noStrike">
+        <a:defRPr sz="1400" b="0" i="0" u="none" strike="noStrike" cap="none">
           <a:solidFill>
             <a:srgbClr val="000000"/>
           </a:solidFill>
@@ -6189,7 +6387,7 @@
           <a:sym typeface="Arial"/>
         </a:defRPr>
       </a:lvl3pPr>
-      <a:lvl4pPr lvl="3" marR="0" rtl="0" algn="l">
+      <a:lvl4pPr marR="0" lvl="3" algn="l" rtl="0">
         <a:lnSpc>
           <a:spcPct val="100000"/>
         </a:lnSpc>
@@ -6203,7 +6401,7 @@
           <a:srgbClr val="000000"/>
         </a:buClr>
         <a:buFont typeface="Arial"/>
-        <a:defRPr b="0" i="0" sz="1400" u="none" cap="none" strike="noStrike">
+        <a:defRPr sz="1400" b="0" i="0" u="none" strike="noStrike" cap="none">
           <a:solidFill>
             <a:srgbClr val="000000"/>
           </a:solidFill>
@@ -6213,7 +6411,7 @@
           <a:sym typeface="Arial"/>
         </a:defRPr>
       </a:lvl4pPr>
-      <a:lvl5pPr lvl="4" marR="0" rtl="0" algn="l">
+      <a:lvl5pPr marR="0" lvl="4" algn="l" rtl="0">
         <a:lnSpc>
           <a:spcPct val="100000"/>
         </a:lnSpc>
@@ -6227,7 +6425,7 @@
           <a:srgbClr val="000000"/>
         </a:buClr>
         <a:buFont typeface="Arial"/>
-        <a:defRPr b="0" i="0" sz="1400" u="none" cap="none" strike="noStrike">
+        <a:defRPr sz="1400" b="0" i="0" u="none" strike="noStrike" cap="none">
           <a:solidFill>
             <a:srgbClr val="000000"/>
           </a:solidFill>
@@ -6237,7 +6435,7 @@
           <a:sym typeface="Arial"/>
         </a:defRPr>
       </a:lvl5pPr>
-      <a:lvl6pPr lvl="5" marR="0" rtl="0" algn="l">
+      <a:lvl6pPr marR="0" lvl="5" algn="l" rtl="0">
         <a:lnSpc>
           <a:spcPct val="100000"/>
         </a:lnSpc>
@@ -6251,7 +6449,7 @@
           <a:srgbClr val="000000"/>
         </a:buClr>
         <a:buFont typeface="Arial"/>
-        <a:defRPr b="0" i="0" sz="1400" u="none" cap="none" strike="noStrike">
+        <a:defRPr sz="1400" b="0" i="0" u="none" strike="noStrike" cap="none">
           <a:solidFill>
             <a:srgbClr val="000000"/>
           </a:solidFill>
@@ -6261,7 +6459,7 @@
           <a:sym typeface="Arial"/>
         </a:defRPr>
       </a:lvl6pPr>
-      <a:lvl7pPr lvl="6" marR="0" rtl="0" algn="l">
+      <a:lvl7pPr marR="0" lvl="6" algn="l" rtl="0">
         <a:lnSpc>
           <a:spcPct val="100000"/>
         </a:lnSpc>
@@ -6275,7 +6473,7 @@
           <a:srgbClr val="000000"/>
         </a:buClr>
         <a:buFont typeface="Arial"/>
-        <a:defRPr b="0" i="0" sz="1400" u="none" cap="none" strike="noStrike">
+        <a:defRPr sz="1400" b="0" i="0" u="none" strike="noStrike" cap="none">
           <a:solidFill>
             <a:srgbClr val="000000"/>
           </a:solidFill>
@@ -6285,7 +6483,7 @@
           <a:sym typeface="Arial"/>
         </a:defRPr>
       </a:lvl7pPr>
-      <a:lvl8pPr lvl="7" marR="0" rtl="0" algn="l">
+      <a:lvl8pPr marR="0" lvl="7" algn="l" rtl="0">
         <a:lnSpc>
           <a:spcPct val="100000"/>
         </a:lnSpc>
@@ -6299,7 +6497,7 @@
           <a:srgbClr val="000000"/>
         </a:buClr>
         <a:buFont typeface="Arial"/>
-        <a:defRPr b="0" i="0" sz="1400" u="none" cap="none" strike="noStrike">
+        <a:defRPr sz="1400" b="0" i="0" u="none" strike="noStrike" cap="none">
           <a:solidFill>
             <a:srgbClr val="000000"/>
           </a:solidFill>
@@ -6309,7 +6507,7 @@
           <a:sym typeface="Arial"/>
         </a:defRPr>
       </a:lvl8pPr>
-      <a:lvl9pPr lvl="8" marR="0" rtl="0" algn="l">
+      <a:lvl9pPr marR="0" lvl="8" algn="l" rtl="0">
         <a:lnSpc>
           <a:spcPct val="100000"/>
         </a:lnSpc>
@@ -6323,7 +6521,7 @@
           <a:srgbClr val="000000"/>
         </a:buClr>
         <a:buFont typeface="Arial"/>
-        <a:defRPr b="0" i="0" sz="1400" u="none" cap="none" strike="noStrike">
+        <a:defRPr sz="1400" b="0" i="0" u="none" strike="noStrike" cap="none">
           <a:solidFill>
             <a:srgbClr val="000000"/>
           </a:solidFill>
@@ -6335,7 +6533,7 @@
       </a:lvl9pPr>
     </p:titleStyle>
     <p:bodyStyle>
-      <a:defPPr lvl="0" marR="0" rtl="0" algn="l">
+      <a:defPPr marR="0" lvl="0" algn="l" rtl="0">
         <a:lnSpc>
           <a:spcPct val="100000"/>
         </a:lnSpc>
@@ -6346,7 +6544,7 @@
           <a:spcPts val="0"/>
         </a:spcAft>
       </a:defPPr>
-      <a:lvl1pPr lvl="0" marR="0" rtl="0" algn="l">
+      <a:lvl1pPr marR="0" lvl="0" algn="l" rtl="0">
         <a:lnSpc>
           <a:spcPct val="100000"/>
         </a:lnSpc>
@@ -6360,7 +6558,7 @@
           <a:srgbClr val="000000"/>
         </a:buClr>
         <a:buFont typeface="Arial"/>
-        <a:defRPr b="0" i="0" sz="1400" u="none" cap="none" strike="noStrike">
+        <a:defRPr sz="1400" b="0" i="0" u="none" strike="noStrike" cap="none">
           <a:solidFill>
             <a:srgbClr val="000000"/>
           </a:solidFill>
@@ -6370,7 +6568,7 @@
           <a:sym typeface="Arial"/>
         </a:defRPr>
       </a:lvl1pPr>
-      <a:lvl2pPr lvl="1" marR="0" rtl="0" algn="l">
+      <a:lvl2pPr marR="0" lvl="1" algn="l" rtl="0">
         <a:lnSpc>
           <a:spcPct val="100000"/>
         </a:lnSpc>
@@ -6384,7 +6582,7 @@
           <a:srgbClr val="000000"/>
         </a:buClr>
         <a:buFont typeface="Arial"/>
-        <a:defRPr b="0" i="0" sz="1400" u="none" cap="none" strike="noStrike">
+        <a:defRPr sz="1400" b="0" i="0" u="none" strike="noStrike" cap="none">
           <a:solidFill>
             <a:srgbClr val="000000"/>
           </a:solidFill>
@@ -6394,7 +6592,7 @@
           <a:sym typeface="Arial"/>
         </a:defRPr>
       </a:lvl2pPr>
-      <a:lvl3pPr lvl="2" marR="0" rtl="0" algn="l">
+      <a:lvl3pPr marR="0" lvl="2" algn="l" rtl="0">
         <a:lnSpc>
           <a:spcPct val="100000"/>
         </a:lnSpc>
@@ -6408,7 +6606,7 @@
           <a:srgbClr val="000000"/>
         </a:buClr>
         <a:buFont typeface="Arial"/>
-        <a:defRPr b="0" i="0" sz="1400" u="none" cap="none" strike="noStrike">
+        <a:defRPr sz="1400" b="0" i="0" u="none" strike="noStrike" cap="none">
           <a:solidFill>
             <a:srgbClr val="000000"/>
           </a:solidFill>
@@ -6418,7 +6616,7 @@
           <a:sym typeface="Arial"/>
         </a:defRPr>
       </a:lvl3pPr>
-      <a:lvl4pPr lvl="3" marR="0" rtl="0" algn="l">
+      <a:lvl4pPr marR="0" lvl="3" algn="l" rtl="0">
         <a:lnSpc>
           <a:spcPct val="100000"/>
         </a:lnSpc>
@@ -6432,7 +6630,7 @@
           <a:srgbClr val="000000"/>
         </a:buClr>
         <a:buFont typeface="Arial"/>
-        <a:defRPr b="0" i="0" sz="1400" u="none" cap="none" strike="noStrike">
+        <a:defRPr sz="1400" b="0" i="0" u="none" strike="noStrike" cap="none">
           <a:solidFill>
             <a:srgbClr val="000000"/>
           </a:solidFill>
@@ -6442,7 +6640,7 @@
           <a:sym typeface="Arial"/>
         </a:defRPr>
       </a:lvl4pPr>
-      <a:lvl5pPr lvl="4" marR="0" rtl="0" algn="l">
+      <a:lvl5pPr marR="0" lvl="4" algn="l" rtl="0">
         <a:lnSpc>
           <a:spcPct val="100000"/>
         </a:lnSpc>
@@ -6456,7 +6654,7 @@
           <a:srgbClr val="000000"/>
         </a:buClr>
         <a:buFont typeface="Arial"/>
-        <a:defRPr b="0" i="0" sz="1400" u="none" cap="none" strike="noStrike">
+        <a:defRPr sz="1400" b="0" i="0" u="none" strike="noStrike" cap="none">
           <a:solidFill>
             <a:srgbClr val="000000"/>
           </a:solidFill>
@@ -6466,7 +6664,7 @@
           <a:sym typeface="Arial"/>
         </a:defRPr>
       </a:lvl5pPr>
-      <a:lvl6pPr lvl="5" marR="0" rtl="0" algn="l">
+      <a:lvl6pPr marR="0" lvl="5" algn="l" rtl="0">
         <a:lnSpc>
           <a:spcPct val="100000"/>
         </a:lnSpc>
@@ -6480,7 +6678,7 @@
           <a:srgbClr val="000000"/>
         </a:buClr>
         <a:buFont typeface="Arial"/>
-        <a:defRPr b="0" i="0" sz="1400" u="none" cap="none" strike="noStrike">
+        <a:defRPr sz="1400" b="0" i="0" u="none" strike="noStrike" cap="none">
           <a:solidFill>
             <a:srgbClr val="000000"/>
           </a:solidFill>
@@ -6490,7 +6688,7 @@
           <a:sym typeface="Arial"/>
         </a:defRPr>
       </a:lvl6pPr>
-      <a:lvl7pPr lvl="6" marR="0" rtl="0" algn="l">
+      <a:lvl7pPr marR="0" lvl="6" algn="l" rtl="0">
         <a:lnSpc>
           <a:spcPct val="100000"/>
         </a:lnSpc>
@@ -6504,7 +6702,7 @@
           <a:srgbClr val="000000"/>
         </a:buClr>
         <a:buFont typeface="Arial"/>
-        <a:defRPr b="0" i="0" sz="1400" u="none" cap="none" strike="noStrike">
+        <a:defRPr sz="1400" b="0" i="0" u="none" strike="noStrike" cap="none">
           <a:solidFill>
             <a:srgbClr val="000000"/>
           </a:solidFill>
@@ -6514,7 +6712,7 @@
           <a:sym typeface="Arial"/>
         </a:defRPr>
       </a:lvl7pPr>
-      <a:lvl8pPr lvl="7" marR="0" rtl="0" algn="l">
+      <a:lvl8pPr marR="0" lvl="7" algn="l" rtl="0">
         <a:lnSpc>
           <a:spcPct val="100000"/>
         </a:lnSpc>
@@ -6528,7 +6726,7 @@
           <a:srgbClr val="000000"/>
         </a:buClr>
         <a:buFont typeface="Arial"/>
-        <a:defRPr b="0" i="0" sz="1400" u="none" cap="none" strike="noStrike">
+        <a:defRPr sz="1400" b="0" i="0" u="none" strike="noStrike" cap="none">
           <a:solidFill>
             <a:srgbClr val="000000"/>
           </a:solidFill>
@@ -6538,7 +6736,7 @@
           <a:sym typeface="Arial"/>
         </a:defRPr>
       </a:lvl8pPr>
-      <a:lvl9pPr lvl="8" marR="0" rtl="0" algn="l">
+      <a:lvl9pPr marR="0" lvl="8" algn="l" rtl="0">
         <a:lnSpc>
           <a:spcPct val="100000"/>
         </a:lnSpc>
@@ -6552,7 +6750,7 @@
           <a:srgbClr val="000000"/>
         </a:buClr>
         <a:buFont typeface="Arial"/>
-        <a:defRPr b="0" i="0" sz="1400" u="none" cap="none" strike="noStrike">
+        <a:defRPr sz="1400" b="0" i="0" u="none" strike="noStrike" cap="none">
           <a:solidFill>
             <a:srgbClr val="000000"/>
           </a:solidFill>
@@ -6564,7 +6762,7 @@
       </a:lvl9pPr>
     </p:bodyStyle>
     <p:otherStyle>
-      <a:defPPr lvl="0" marR="0" rtl="0" algn="l">
+      <a:defPPr marR="0" lvl="0" algn="l" rtl="0">
         <a:lnSpc>
           <a:spcPct val="100000"/>
         </a:lnSpc>
@@ -6575,7 +6773,7 @@
           <a:spcPts val="0"/>
         </a:spcAft>
       </a:defPPr>
-      <a:lvl1pPr lvl="0" marR="0" rtl="0" algn="l">
+      <a:lvl1pPr marR="0" lvl="0" algn="l" rtl="0">
         <a:lnSpc>
           <a:spcPct val="100000"/>
         </a:lnSpc>
@@ -6589,7 +6787,7 @@
           <a:srgbClr val="000000"/>
         </a:buClr>
         <a:buFont typeface="Arial"/>
-        <a:defRPr b="0" i="0" sz="1400" u="none" cap="none" strike="noStrike">
+        <a:defRPr sz="1400" b="0" i="0" u="none" strike="noStrike" cap="none">
           <a:solidFill>
             <a:srgbClr val="000000"/>
           </a:solidFill>
@@ -6599,7 +6797,7 @@
           <a:sym typeface="Arial"/>
         </a:defRPr>
       </a:lvl1pPr>
-      <a:lvl2pPr lvl="1" marR="0" rtl="0" algn="l">
+      <a:lvl2pPr marR="0" lvl="1" algn="l" rtl="0">
         <a:lnSpc>
           <a:spcPct val="100000"/>
         </a:lnSpc>
@@ -6613,7 +6811,7 @@
           <a:srgbClr val="000000"/>
         </a:buClr>
         <a:buFont typeface="Arial"/>
-        <a:defRPr b="0" i="0" sz="1400" u="none" cap="none" strike="noStrike">
+        <a:defRPr sz="1400" b="0" i="0" u="none" strike="noStrike" cap="none">
           <a:solidFill>
             <a:srgbClr val="000000"/>
           </a:solidFill>
@@ -6623,7 +6821,7 @@
           <a:sym typeface="Arial"/>
         </a:defRPr>
       </a:lvl2pPr>
-      <a:lvl3pPr lvl="2" marR="0" rtl="0" algn="l">
+      <a:lvl3pPr marR="0" lvl="2" algn="l" rtl="0">
         <a:lnSpc>
           <a:spcPct val="100000"/>
         </a:lnSpc>
@@ -6637,7 +6835,7 @@
           <a:srgbClr val="000000"/>
         </a:buClr>
         <a:buFont typeface="Arial"/>
-        <a:defRPr b="0" i="0" sz="1400" u="none" cap="none" strike="noStrike">
+        <a:defRPr sz="1400" b="0" i="0" u="none" strike="noStrike" cap="none">
           <a:solidFill>
             <a:srgbClr val="000000"/>
           </a:solidFill>
@@ -6647,7 +6845,7 @@
           <a:sym typeface="Arial"/>
         </a:defRPr>
       </a:lvl3pPr>
-      <a:lvl4pPr lvl="3" marR="0" rtl="0" algn="l">
+      <a:lvl4pPr marR="0" lvl="3" algn="l" rtl="0">
         <a:lnSpc>
           <a:spcPct val="100000"/>
         </a:lnSpc>
@@ -6661,7 +6859,7 @@
           <a:srgbClr val="000000"/>
         </a:buClr>
         <a:buFont typeface="Arial"/>
-        <a:defRPr b="0" i="0" sz="1400" u="none" cap="none" strike="noStrike">
+        <a:defRPr sz="1400" b="0" i="0" u="none" strike="noStrike" cap="none">
           <a:solidFill>
             <a:srgbClr val="000000"/>
           </a:solidFill>
@@ -6671,7 +6869,7 @@
           <a:sym typeface="Arial"/>
         </a:defRPr>
       </a:lvl4pPr>
-      <a:lvl5pPr lvl="4" marR="0" rtl="0" algn="l">
+      <a:lvl5pPr marR="0" lvl="4" algn="l" rtl="0">
         <a:lnSpc>
           <a:spcPct val="100000"/>
         </a:lnSpc>
@@ -6685,7 +6883,7 @@
           <a:srgbClr val="000000"/>
         </a:buClr>
         <a:buFont typeface="Arial"/>
-        <a:defRPr b="0" i="0" sz="1400" u="none" cap="none" strike="noStrike">
+        <a:defRPr sz="1400" b="0" i="0" u="none" strike="noStrike" cap="none">
           <a:solidFill>
             <a:srgbClr val="000000"/>
           </a:solidFill>
@@ -6695,7 +6893,7 @@
           <a:sym typeface="Arial"/>
         </a:defRPr>
       </a:lvl5pPr>
-      <a:lvl6pPr lvl="5" marR="0" rtl="0" algn="l">
+      <a:lvl6pPr marR="0" lvl="5" algn="l" rtl="0">
         <a:lnSpc>
           <a:spcPct val="100000"/>
         </a:lnSpc>
@@ -6709,7 +6907,7 @@
           <a:srgbClr val="000000"/>
         </a:buClr>
         <a:buFont typeface="Arial"/>
-        <a:defRPr b="0" i="0" sz="1400" u="none" cap="none" strike="noStrike">
+        <a:defRPr sz="1400" b="0" i="0" u="none" strike="noStrike" cap="none">
           <a:solidFill>
             <a:srgbClr val="000000"/>
           </a:solidFill>
@@ -6719,7 +6917,7 @@
           <a:sym typeface="Arial"/>
         </a:defRPr>
       </a:lvl6pPr>
-      <a:lvl7pPr lvl="6" marR="0" rtl="0" algn="l">
+      <a:lvl7pPr marR="0" lvl="6" algn="l" rtl="0">
         <a:lnSpc>
           <a:spcPct val="100000"/>
         </a:lnSpc>
@@ -6733,7 +6931,7 @@
           <a:srgbClr val="000000"/>
         </a:buClr>
         <a:buFont typeface="Arial"/>
-        <a:defRPr b="0" i="0" sz="1400" u="none" cap="none" strike="noStrike">
+        <a:defRPr sz="1400" b="0" i="0" u="none" strike="noStrike" cap="none">
           <a:solidFill>
             <a:srgbClr val="000000"/>
           </a:solidFill>
@@ -6743,7 +6941,7 @@
           <a:sym typeface="Arial"/>
         </a:defRPr>
       </a:lvl7pPr>
-      <a:lvl8pPr lvl="7" marR="0" rtl="0" algn="l">
+      <a:lvl8pPr marR="0" lvl="7" algn="l" rtl="0">
         <a:lnSpc>
           <a:spcPct val="100000"/>
         </a:lnSpc>
@@ -6757,7 +6955,7 @@
           <a:srgbClr val="000000"/>
         </a:buClr>
         <a:buFont typeface="Arial"/>
-        <a:defRPr b="0" i="0" sz="1400" u="none" cap="none" strike="noStrike">
+        <a:defRPr sz="1400" b="0" i="0" u="none" strike="noStrike" cap="none">
           <a:solidFill>
             <a:srgbClr val="000000"/>
           </a:solidFill>
@@ -6767,7 +6965,7 @@
           <a:sym typeface="Arial"/>
         </a:defRPr>
       </a:lvl8pPr>
-      <a:lvl9pPr lvl="8" marR="0" rtl="0" algn="l">
+      <a:lvl9pPr marR="0" lvl="8" algn="l" rtl="0">
         <a:lnSpc>
           <a:spcPct val="100000"/>
         </a:lnSpc>
@@ -6781,7 +6979,7 @@
           <a:srgbClr val="000000"/>
         </a:buClr>
         <a:buFont typeface="Arial"/>
-        <a:defRPr b="0" i="0" sz="1400" u="none" cap="none" strike="noStrike">
+        <a:defRPr sz="1400" b="0" i="0" u="none" strike="noStrike" cap="none">
           <a:solidFill>
             <a:srgbClr val="000000"/>
           </a:solidFill>
@@ -6797,11 +6995,11 @@
 </file>
 
 <file path=ppt/slides/slide1.xml><?xml version="1.0" encoding="utf-8"?>
-<p:sld xmlns:a="http://schemas.openxmlformats.org/drawingml/2006/main" xmlns:r="http://schemas.openxmlformats.org/officeDocument/2006/relationships" xmlns:mc="http://schemas.openxmlformats.org/markup-compatibility/2006" xmlns:mv="urn:schemas-microsoft-com:mac:vml" xmlns:p="http://schemas.openxmlformats.org/presentationml/2006/main" xmlns:c="http://schemas.openxmlformats.org/drawingml/2006/chart" xmlns:dgm="http://schemas.openxmlformats.org/drawingml/2006/diagram" xmlns:o="urn:schemas-microsoft-com:office:office" xmlns:v="urn:schemas-microsoft-com:vml" xmlns:pvml="urn:schemas-microsoft-com:office:powerpoint" xmlns:com="http://schemas.openxmlformats.org/drawingml/2006/compatibility" xmlns:p14="http://schemas.microsoft.com/office/powerpoint/2010/main" xmlns:p15="http://schemas.microsoft.com/office/powerpoint/2012/main" xmlns:ahyp="http://schemas.microsoft.com/office/drawing/2018/hyperlinkcolor">
+<p:sld xmlns:a="http://schemas.openxmlformats.org/drawingml/2006/main" xmlns:r="http://schemas.openxmlformats.org/officeDocument/2006/relationships" xmlns:p="http://schemas.openxmlformats.org/presentationml/2006/main">
   <p:cSld>
     <p:spTree>
       <p:nvGrpSpPr>
-        <p:cNvPr id="66" name="Shape 66"/>
+        <p:cNvPr id="1" name="Shape 66"/>
         <p:cNvGrpSpPr/>
         <p:nvPr/>
       </p:nvGrpSpPr>
@@ -6816,7 +7014,9 @@
       <p:sp>
         <p:nvSpPr>
           <p:cNvPr id="67" name="Google Shape;67;p13"/>
-          <p:cNvSpPr txBox="1"/>
+          <p:cNvSpPr txBox="1">
+            <a:spLocks noGrp="1"/>
+          </p:cNvSpPr>
           <p:nvPr>
             <p:ph type="title"/>
           </p:nvPr>
@@ -6831,12 +7031,12 @@
           </a:prstGeom>
         </p:spPr>
         <p:txBody>
-          <a:bodyPr anchorCtr="0" anchor="b" bIns="91425" lIns="91425" spcFirstLastPara="1" rIns="91425" wrap="square" tIns="91425">
+          <a:bodyPr spcFirstLastPara="1" wrap="square" lIns="91425" tIns="91425" rIns="91425" bIns="91425" anchor="b" anchorCtr="0">
             <a:noAutofit/>
           </a:bodyPr>
           <a:lstStyle/>
           <a:p>
-            <a:pPr indent="0" lvl="0" marL="0" rtl="0" algn="l">
+            <a:pPr marL="0" lvl="0" indent="0" algn="l" rtl="0">
               <a:spcBef>
                 <a:spcPts val="0"/>
               </a:spcBef>
@@ -6856,9 +7056,11 @@
       <p:sp>
         <p:nvSpPr>
           <p:cNvPr id="68" name="Google Shape;68;p13"/>
-          <p:cNvSpPr txBox="1"/>
+          <p:cNvSpPr txBox="1">
+            <a:spLocks noGrp="1"/>
+          </p:cNvSpPr>
           <p:nvPr>
-            <p:ph idx="1" type="body"/>
+            <p:ph type="body" idx="1"/>
           </p:nvPr>
         </p:nvSpPr>
         <p:spPr>
@@ -6871,12 +7073,12 @@
           </a:prstGeom>
         </p:spPr>
         <p:txBody>
-          <a:bodyPr anchorCtr="0" anchor="t" bIns="91425" lIns="91425" spcFirstLastPara="1" rIns="91425" wrap="square" tIns="91425">
+          <a:bodyPr spcFirstLastPara="1" wrap="square" lIns="91425" tIns="91425" rIns="91425" bIns="91425" anchor="t" anchorCtr="0">
             <a:noAutofit/>
           </a:bodyPr>
           <a:lstStyle/>
           <a:p>
-            <a:pPr indent="0" lvl="0" marL="0" rtl="0" algn="l">
+            <a:pPr marL="0" lvl="0" indent="0" algn="l" rtl="0">
               <a:spcBef>
                 <a:spcPts val="0"/>
               </a:spcBef>
@@ -6886,21 +7088,21 @@
               <a:buNone/>
             </a:pPr>
             <a:r>
-              <a:rPr b="1" lang="pt-BR" sz="1300">
+              <a:rPr lang="pt-BR" sz="1300" b="1">
                 <a:solidFill>
                   <a:schemeClr val="dk2"/>
                 </a:solidFill>
               </a:rPr>
               <a:t>Código em string </a:t>
             </a:r>
-            <a:endParaRPr b="1" sz="1300">
+            <a:endParaRPr sz="1300" b="1">
               <a:solidFill>
                 <a:schemeClr val="dk2"/>
               </a:solidFill>
             </a:endParaRPr>
           </a:p>
           <a:p>
-            <a:pPr indent="0" lvl="0" marL="0" rtl="0" algn="l">
+            <a:pPr marL="0" lvl="0" indent="0" algn="l" rtl="0">
               <a:spcBef>
                 <a:spcPts val="1600"/>
               </a:spcBef>
@@ -6910,21 +7112,21 @@
               <a:buNone/>
             </a:pPr>
             <a:r>
-              <a:rPr b="1" lang="pt-BR" sz="1300">
+              <a:rPr lang="pt-BR" sz="1300" b="1">
                 <a:solidFill>
                   <a:schemeClr val="dk2"/>
                 </a:solidFill>
               </a:rPr>
               <a:t>livros = []</a:t>
             </a:r>
-            <a:endParaRPr b="1" sz="1300">
+            <a:endParaRPr sz="1300" b="1">
               <a:solidFill>
                 <a:schemeClr val="dk2"/>
               </a:solidFill>
             </a:endParaRPr>
           </a:p>
           <a:p>
-            <a:pPr indent="0" lvl="0" marL="0" rtl="0" algn="l">
+            <a:pPr marL="0" lvl="0" indent="0" algn="l" rtl="0">
               <a:spcBef>
                 <a:spcPts val="1600"/>
               </a:spcBef>
@@ -6934,21 +7136,21 @@
               <a:buNone/>
             </a:pPr>
             <a:r>
-              <a:rPr b="1" lang="pt-BR" sz="1300">
+              <a:rPr lang="pt-BR" sz="1300" b="1">
                 <a:solidFill>
                   <a:schemeClr val="dk2"/>
                 </a:solidFill>
               </a:rPr>
               <a:t>representa ranges que vão guardar os textos o nome do livros em uma lista vazia</a:t>
             </a:r>
-            <a:endParaRPr b="1" sz="1300">
+            <a:endParaRPr sz="1300" b="1">
               <a:solidFill>
                 <a:schemeClr val="dk2"/>
               </a:solidFill>
             </a:endParaRPr>
           </a:p>
           <a:p>
-            <a:pPr indent="0" lvl="0" marL="0" rtl="0" algn="l">
+            <a:pPr marL="0" lvl="0" indent="0" algn="l" rtl="0">
               <a:spcBef>
                 <a:spcPts val="1600"/>
               </a:spcBef>
@@ -6958,45 +7160,21 @@
               <a:buNone/>
             </a:pPr>
             <a:r>
-              <a:rPr b="1" lang="pt-BR" sz="1300">
+              <a:rPr lang="pt-BR" sz="1300" b="1">
                 <a:solidFill>
                   <a:schemeClr val="dk2"/>
                 </a:solidFill>
               </a:rPr>
-              <a:t>O </a:t>
+              <a:t>O laço de repetição que pede até 3 livros pra guardar na lista de livros podendo aumentar</a:t>
             </a:r>
-            <a:r>
-              <a:rPr b="1" lang="pt-BR" sz="1300">
-                <a:solidFill>
-                  <a:schemeClr val="dk2"/>
-                </a:solidFill>
-              </a:rPr>
-              <a:t>laço de repetição que pede </a:t>
-            </a:r>
-            <a:r>
-              <a:rPr b="1" lang="pt-BR" sz="1300">
-                <a:solidFill>
-                  <a:schemeClr val="dk2"/>
-                </a:solidFill>
-              </a:rPr>
-              <a:t>até</a:t>
-            </a:r>
-            <a:r>
-              <a:rPr b="1" lang="pt-BR" sz="1300">
-                <a:solidFill>
-                  <a:schemeClr val="dk2"/>
-                </a:solidFill>
-              </a:rPr>
-              <a:t> 3 livros pra guardar na lista de livros podendo aumentar</a:t>
-            </a:r>
-            <a:endParaRPr b="1" sz="1300">
+            <a:endParaRPr sz="1300" b="1">
               <a:solidFill>
                 <a:schemeClr val="dk2"/>
               </a:solidFill>
             </a:endParaRPr>
           </a:p>
           <a:p>
-            <a:pPr indent="0" lvl="0" marL="0" rtl="0" algn="l">
+            <a:pPr marL="0" lvl="0" indent="0" algn="l" rtl="0">
               <a:spcBef>
                 <a:spcPts val="1600"/>
               </a:spcBef>
@@ -7006,21 +7184,21 @@
               <a:buNone/>
             </a:pPr>
             <a:r>
-              <a:rPr b="1" lang="pt-BR" sz="1300">
+              <a:rPr lang="pt-BR" sz="1300" b="1">
                 <a:solidFill>
                   <a:schemeClr val="dk2"/>
                 </a:solidFill>
               </a:rPr>
               <a:t>for i in range(3):</a:t>
             </a:r>
-            <a:endParaRPr b="1" sz="1300">
+            <a:endParaRPr sz="1300" b="1">
               <a:solidFill>
                 <a:schemeClr val="dk2"/>
               </a:solidFill>
             </a:endParaRPr>
           </a:p>
           <a:p>
-            <a:pPr indent="0" lvl="0" marL="0" rtl="0" algn="l">
+            <a:pPr marL="0" lvl="0" indent="0" algn="l" rtl="0">
               <a:spcBef>
                 <a:spcPts val="1600"/>
               </a:spcBef>
@@ -7030,21 +7208,21 @@
               <a:buNone/>
             </a:pPr>
             <a:r>
-              <a:rPr b="1" lang="pt-BR" sz="1300">
+              <a:rPr lang="pt-BR" sz="1300" b="1">
                 <a:solidFill>
                   <a:schemeClr val="dk2"/>
                 </a:solidFill>
               </a:rPr>
               <a:t>  livro = input</a:t>
             </a:r>
-            <a:endParaRPr b="1" sz="1300">
+            <a:endParaRPr sz="1300" b="1">
               <a:solidFill>
                 <a:schemeClr val="dk2"/>
               </a:solidFill>
             </a:endParaRPr>
           </a:p>
           <a:p>
-            <a:pPr indent="0" lvl="0" marL="0" rtl="0" algn="l">
+            <a:pPr marL="0" lvl="0" indent="0" algn="l" rtl="0">
               <a:spcBef>
                 <a:spcPts val="1600"/>
               </a:spcBef>
@@ -7054,21 +7232,21 @@
               <a:buNone/>
             </a:pPr>
             <a:r>
-              <a:rPr b="1" lang="pt-BR" sz="1300">
+              <a:rPr lang="pt-BR" sz="1300" b="1">
                 <a:solidFill>
                   <a:schemeClr val="dk2"/>
                 </a:solidFill>
               </a:rPr>
               <a:t>input entrada de dados</a:t>
             </a:r>
-            <a:endParaRPr b="1" sz="1300">
+            <a:endParaRPr sz="1300" b="1">
               <a:solidFill>
                 <a:schemeClr val="dk2"/>
               </a:solidFill>
             </a:endParaRPr>
           </a:p>
           <a:p>
-            <a:pPr indent="0" lvl="0" marL="0" rtl="0" algn="l">
+            <a:pPr marL="0" lvl="0" indent="0" algn="l" rtl="0">
               <a:spcBef>
                 <a:spcPts val="1600"/>
               </a:spcBef>
@@ -7078,13 +7256,13 @@
               <a:buNone/>
             </a:pPr>
             <a:r>
-              <a:rPr b="1" lang="pt-BR" sz="1300"/>
+              <a:rPr lang="pt-BR" sz="1300" b="1"/>
               <a:t> </a:t>
             </a:r>
-            <a:endParaRPr b="1" sz="1300"/>
+            <a:endParaRPr sz="1300" b="1"/>
           </a:p>
           <a:p>
-            <a:pPr indent="0" lvl="0" marL="0" rtl="0" algn="l">
+            <a:pPr marL="0" lvl="0" indent="0" algn="l" rtl="0">
               <a:spcBef>
                 <a:spcPts val="1600"/>
               </a:spcBef>
@@ -7093,13 +7271,10 @@
               </a:spcAft>
               <a:buNone/>
             </a:pPr>
-            <a:r>
-              <a:t/>
-            </a:r>
             <a:endParaRPr/>
           </a:p>
           <a:p>
-            <a:pPr indent="0" lvl="0" marL="0" rtl="0" algn="l">
+            <a:pPr marL="0" lvl="0" indent="0" algn="l" rtl="0">
               <a:spcBef>
                 <a:spcPts val="1600"/>
               </a:spcBef>
@@ -7115,7 +7290,7 @@
             <a:endParaRPr/>
           </a:p>
           <a:p>
-            <a:pPr indent="0" lvl="0" marL="0" rtl="0" algn="l">
+            <a:pPr marL="0" lvl="0" indent="0" algn="l" rtl="0">
               <a:spcBef>
                 <a:spcPts val="1600"/>
               </a:spcBef>
@@ -7131,7 +7306,7 @@
             <a:endParaRPr/>
           </a:p>
           <a:p>
-            <a:pPr indent="0" lvl="0" marL="0" rtl="0" algn="l">
+            <a:pPr marL="0" lvl="0" indent="0" algn="l" rtl="0">
               <a:spcBef>
                 <a:spcPts val="1600"/>
               </a:spcBef>
@@ -7140,9 +7315,6 @@
               </a:spcAft>
               <a:buNone/>
             </a:pPr>
-            <a:r>
-              <a:t/>
-            </a:r>
             <a:endParaRPr/>
           </a:p>
         </p:txBody>
@@ -7195,12 +7367,12 @@
           </a:ln>
         </p:spPr>
         <p:txBody>
-          <a:bodyPr anchorCtr="0" anchor="t" bIns="91425" lIns="91425" spcFirstLastPara="1" rIns="91425" wrap="square" tIns="91425">
+          <a:bodyPr spcFirstLastPara="1" wrap="square" lIns="91425" tIns="91425" rIns="91425" bIns="91425" anchor="t" anchorCtr="0">
             <a:spAutoFit/>
           </a:bodyPr>
           <a:lstStyle/>
           <a:p>
-            <a:pPr indent="0" lvl="0" marL="0" rtl="0" algn="l">
+            <a:pPr marL="0" lvl="0" indent="0" algn="l" rtl="0">
               <a:spcBef>
                 <a:spcPts val="0"/>
               </a:spcBef>
@@ -7209,9 +7381,6 @@
               </a:spcAft>
               <a:buNone/>
             </a:pPr>
-            <a:r>
-              <a:t/>
-            </a:r>
             <a:endParaRPr sz="1800">
               <a:solidFill>
                 <a:schemeClr val="lt2"/>
@@ -7224,6 +7393,36 @@
           </a:p>
         </p:txBody>
       </p:sp>
+      <p:pic>
+        <p:nvPicPr>
+          <p:cNvPr id="3" name="Imagem 2">
+            <a:extLst>
+              <a:ext uri="{FF2B5EF4-FFF2-40B4-BE49-F238E27FC236}">
+                <a16:creationId xmlns:a16="http://schemas.microsoft.com/office/drawing/2014/main" id="{6EDF328E-D184-1154-F910-9EEF1F24CF45}"/>
+              </a:ext>
+            </a:extLst>
+          </p:cNvPr>
+          <p:cNvPicPr>
+            <a:picLocks noChangeAspect="1"/>
+          </p:cNvPicPr>
+          <p:nvPr/>
+        </p:nvPicPr>
+        <p:blipFill>
+          <a:blip r:embed="rId4"/>
+          <a:stretch>
+            <a:fillRect/>
+          </a:stretch>
+        </p:blipFill>
+        <p:spPr>
+          <a:xfrm>
+            <a:off x="3334885" y="152400"/>
+            <a:ext cx="5823983" cy="4838700"/>
+          </a:xfrm>
+          <a:prstGeom prst="rect">
+            <a:avLst/>
+          </a:prstGeom>
+        </p:spPr>
+      </p:pic>
     </p:spTree>
   </p:cSld>
   <p:clrMapOvr>
@@ -7233,11 +7432,337 @@
 </file>
 
 <file path=ppt/slides/slide2.xml><?xml version="1.0" encoding="utf-8"?>
-<p:sld xmlns:a="http://schemas.openxmlformats.org/drawingml/2006/main" xmlns:r="http://schemas.openxmlformats.org/officeDocument/2006/relationships" xmlns:mc="http://schemas.openxmlformats.org/markup-compatibility/2006" xmlns:mv="urn:schemas-microsoft-com:mac:vml" xmlns:p="http://schemas.openxmlformats.org/presentationml/2006/main" xmlns:c="http://schemas.openxmlformats.org/drawingml/2006/chart" xmlns:dgm="http://schemas.openxmlformats.org/drawingml/2006/diagram" xmlns:o="urn:schemas-microsoft-com:office:office" xmlns:v="urn:schemas-microsoft-com:vml" xmlns:pvml="urn:schemas-microsoft-com:office:powerpoint" xmlns:com="http://schemas.openxmlformats.org/drawingml/2006/compatibility" xmlns:p14="http://schemas.microsoft.com/office/powerpoint/2010/main" xmlns:p15="http://schemas.microsoft.com/office/powerpoint/2012/main" xmlns:ahyp="http://schemas.microsoft.com/office/drawing/2018/hyperlinkcolor">
+<p:sld xmlns:a="http://schemas.openxmlformats.org/drawingml/2006/main" xmlns:r="http://schemas.openxmlformats.org/officeDocument/2006/relationships" xmlns:p="http://schemas.openxmlformats.org/presentationml/2006/main">
   <p:cSld>
     <p:spTree>
       <p:nvGrpSpPr>
-        <p:cNvPr id="74" name="Shape 74"/>
+        <p:cNvPr id="1" name="Shape 66"/>
+        <p:cNvGrpSpPr/>
+        <p:nvPr/>
+      </p:nvGrpSpPr>
+      <p:grpSpPr>
+        <a:xfrm>
+          <a:off x="0" y="0"/>
+          <a:ext cx="0" cy="0"/>
+          <a:chOff x="0" y="0"/>
+          <a:chExt cx="0" cy="0"/>
+        </a:xfrm>
+      </p:grpSpPr>
+      <p:sp>
+        <p:nvSpPr>
+          <p:cNvPr id="67" name="Google Shape;67;p13"/>
+          <p:cNvSpPr txBox="1">
+            <a:spLocks noGrp="1"/>
+          </p:cNvSpPr>
+          <p:nvPr>
+            <p:ph type="title"/>
+          </p:nvPr>
+        </p:nvSpPr>
+        <p:spPr>
+          <a:xfrm>
+            <a:off x="51950" y="293300"/>
+            <a:ext cx="3051900" cy="953400"/>
+          </a:xfrm>
+          <a:prstGeom prst="rect">
+            <a:avLst/>
+          </a:prstGeom>
+        </p:spPr>
+        <p:txBody>
+          <a:bodyPr spcFirstLastPara="1" wrap="square" lIns="91425" tIns="91425" rIns="91425" bIns="91425" anchor="b" anchorCtr="0">
+            <a:noAutofit/>
+          </a:bodyPr>
+          <a:lstStyle/>
+          <a:p>
+            <a:pPr marL="0" lvl="0" indent="0" algn="l" rtl="0">
+              <a:spcBef>
+                <a:spcPts val="0"/>
+              </a:spcBef>
+              <a:spcAft>
+                <a:spcPts val="0"/>
+              </a:spcAft>
+              <a:buNone/>
+            </a:pPr>
+            <a:r>
+              <a:rPr lang="pt-BR" sz="2300"/>
+              <a:t>Código python lista de livros </a:t>
+            </a:r>
+            <a:endParaRPr sz="2300"/>
+          </a:p>
+        </p:txBody>
+      </p:sp>
+      <p:sp>
+        <p:nvSpPr>
+          <p:cNvPr id="68" name="Google Shape;68;p13"/>
+          <p:cNvSpPr txBox="1">
+            <a:spLocks noGrp="1"/>
+          </p:cNvSpPr>
+          <p:nvPr>
+            <p:ph type="body" idx="1"/>
+          </p:nvPr>
+        </p:nvSpPr>
+        <p:spPr>
+          <a:xfrm>
+            <a:off x="173900" y="1246700"/>
+            <a:ext cx="2808000" cy="3163500"/>
+          </a:xfrm>
+          <a:prstGeom prst="rect">
+            <a:avLst/>
+          </a:prstGeom>
+        </p:spPr>
+        <p:txBody>
+          <a:bodyPr spcFirstLastPara="1" wrap="square" lIns="91425" tIns="91425" rIns="91425" bIns="91425" anchor="t" anchorCtr="0">
+            <a:noAutofit/>
+          </a:bodyPr>
+          <a:lstStyle/>
+          <a:p>
+            <a:pPr marL="0" lvl="0" indent="0" algn="l" rtl="0">
+              <a:spcBef>
+                <a:spcPts val="1600"/>
+              </a:spcBef>
+              <a:spcAft>
+                <a:spcPts val="0"/>
+              </a:spcAft>
+              <a:buNone/>
+            </a:pPr>
+            <a:r>
+              <a:rPr lang="pt-BR" sz="1300" b="1" dirty="0"/>
+              <a:t> </a:t>
+            </a:r>
+            <a:endParaRPr sz="1300" b="1" dirty="0"/>
+          </a:p>
+          <a:p>
+            <a:pPr marL="0" lvl="0" indent="0" algn="l" rtl="0">
+              <a:spcBef>
+                <a:spcPts val="1600"/>
+              </a:spcBef>
+              <a:spcAft>
+                <a:spcPts val="0"/>
+              </a:spcAft>
+              <a:buNone/>
+            </a:pPr>
+            <a:endParaRPr dirty="0"/>
+          </a:p>
+          <a:p>
+            <a:pPr marL="0" lvl="0" indent="0" algn="l" rtl="0">
+              <a:spcBef>
+                <a:spcPts val="1600"/>
+              </a:spcBef>
+              <a:spcAft>
+                <a:spcPts val="0"/>
+              </a:spcAft>
+              <a:buNone/>
+            </a:pPr>
+            <a:r>
+              <a:rPr lang="pt-BR" b="1" dirty="0">
+                <a:solidFill>
+                  <a:schemeClr val="accent4">
+                    <a:lumMod val="10000"/>
+                  </a:schemeClr>
+                </a:solidFill>
+              </a:rPr>
+              <a:t>#append foi usado para adicionar o um elemento ao final de uma lista , só estava pegando o primeiro</a:t>
+            </a:r>
+            <a:endParaRPr b="1" dirty="0">
+              <a:solidFill>
+                <a:schemeClr val="accent4">
+                  <a:lumMod val="10000"/>
+                </a:schemeClr>
+              </a:solidFill>
+            </a:endParaRPr>
+          </a:p>
+          <a:p>
+            <a:pPr marL="0" lvl="0" indent="0" algn="l" rtl="0">
+              <a:spcBef>
+                <a:spcPts val="1600"/>
+              </a:spcBef>
+              <a:spcAft>
+                <a:spcPts val="0"/>
+              </a:spcAft>
+              <a:buNone/>
+            </a:pPr>
+            <a:r>
+              <a:rPr lang="pt-BR" b="1" dirty="0">
+                <a:solidFill>
+                  <a:schemeClr val="accent4">
+                    <a:lumMod val="10000"/>
+                  </a:schemeClr>
+                </a:solidFill>
+              </a:rPr>
+              <a:t> </a:t>
+            </a:r>
+            <a:r>
+              <a:rPr lang="pt-BR" b="1" dirty="0" err="1">
+                <a:solidFill>
+                  <a:schemeClr val="accent4">
+                    <a:lumMod val="10000"/>
+                  </a:schemeClr>
+                </a:solidFill>
+              </a:rPr>
+              <a:t>livros.append</a:t>
+            </a:r>
+            <a:r>
+              <a:rPr lang="pt-BR" b="1" dirty="0">
+                <a:solidFill>
+                  <a:schemeClr val="accent4">
+                    <a:lumMod val="10000"/>
+                  </a:schemeClr>
+                </a:solidFill>
+              </a:rPr>
+              <a:t>(livro)</a:t>
+            </a:r>
+          </a:p>
+          <a:p>
+            <a:pPr marL="0" lvl="0" indent="0" algn="l" rtl="0">
+              <a:spcBef>
+                <a:spcPts val="1600"/>
+              </a:spcBef>
+              <a:spcAft>
+                <a:spcPts val="0"/>
+              </a:spcAft>
+              <a:buNone/>
+            </a:pPr>
+            <a:r>
+              <a:rPr lang="pt-BR" b="1" dirty="0" err="1">
+                <a:solidFill>
+                  <a:schemeClr val="accent4">
+                    <a:lumMod val="10000"/>
+                  </a:schemeClr>
+                </a:solidFill>
+              </a:rPr>
+              <a:t>desenhos.append</a:t>
+            </a:r>
+            <a:r>
+              <a:rPr lang="pt-BR" b="1" dirty="0">
+                <a:solidFill>
+                  <a:schemeClr val="accent4">
+                    <a:lumMod val="10000"/>
+                  </a:schemeClr>
+                </a:solidFill>
+              </a:rPr>
+              <a:t>(ilustração)</a:t>
+            </a:r>
+          </a:p>
+          <a:p>
+            <a:pPr marL="0" lvl="0" indent="0" algn="l" rtl="0">
+              <a:spcBef>
+                <a:spcPts val="1600"/>
+              </a:spcBef>
+              <a:spcAft>
+                <a:spcPts val="0"/>
+              </a:spcAft>
+              <a:buNone/>
+            </a:pPr>
+            <a:endParaRPr dirty="0"/>
+          </a:p>
+          <a:p>
+            <a:pPr marL="0" lvl="0" indent="0" algn="l" rtl="0">
+              <a:spcBef>
+                <a:spcPts val="1600"/>
+              </a:spcBef>
+              <a:spcAft>
+                <a:spcPts val="1600"/>
+              </a:spcAft>
+              <a:buNone/>
+            </a:pPr>
+            <a:endParaRPr dirty="0"/>
+          </a:p>
+        </p:txBody>
+      </p:sp>
+      <p:sp>
+        <p:nvSpPr>
+          <p:cNvPr id="70" name="Google Shape;70;p13"/>
+          <p:cNvSpPr txBox="1"/>
+          <p:nvPr/>
+        </p:nvSpPr>
+        <p:spPr>
+          <a:xfrm>
+            <a:off x="774125" y="1648425"/>
+            <a:ext cx="6009300" cy="461700"/>
+          </a:xfrm>
+          <a:prstGeom prst="rect">
+            <a:avLst/>
+          </a:prstGeom>
+          <a:noFill/>
+          <a:ln>
+            <a:noFill/>
+          </a:ln>
+        </p:spPr>
+        <p:txBody>
+          <a:bodyPr spcFirstLastPara="1" wrap="square" lIns="91425" tIns="91425" rIns="91425" bIns="91425" anchor="t" anchorCtr="0">
+            <a:spAutoFit/>
+          </a:bodyPr>
+          <a:lstStyle/>
+          <a:p>
+            <a:pPr marL="0" lvl="0" indent="0" algn="l" rtl="0">
+              <a:spcBef>
+                <a:spcPts val="0"/>
+              </a:spcBef>
+              <a:spcAft>
+                <a:spcPts val="0"/>
+              </a:spcAft>
+              <a:buNone/>
+            </a:pPr>
+            <a:endParaRPr sz="1800">
+              <a:solidFill>
+                <a:schemeClr val="lt2"/>
+              </a:solidFill>
+              <a:latin typeface="Roboto"/>
+              <a:ea typeface="Roboto"/>
+              <a:cs typeface="Roboto"/>
+              <a:sym typeface="Roboto"/>
+            </a:endParaRPr>
+          </a:p>
+        </p:txBody>
+      </p:sp>
+      <p:pic>
+        <p:nvPicPr>
+          <p:cNvPr id="3" name="Imagem 2">
+            <a:extLst>
+              <a:ext uri="{FF2B5EF4-FFF2-40B4-BE49-F238E27FC236}">
+                <a16:creationId xmlns:a16="http://schemas.microsoft.com/office/drawing/2014/main" id="{D347F269-A422-F0E8-6373-B71CD7C5D27D}"/>
+              </a:ext>
+            </a:extLst>
+          </p:cNvPr>
+          <p:cNvPicPr>
+            <a:picLocks noChangeAspect="1"/>
+          </p:cNvPicPr>
+          <p:nvPr/>
+        </p:nvPicPr>
+        <p:blipFill>
+          <a:blip r:embed="rId3"/>
+          <a:stretch>
+            <a:fillRect/>
+          </a:stretch>
+        </p:blipFill>
+        <p:spPr>
+          <a:xfrm>
+            <a:off x="3378093" y="1125355"/>
+            <a:ext cx="6629400" cy="2714625"/>
+          </a:xfrm>
+          <a:prstGeom prst="rect">
+            <a:avLst/>
+          </a:prstGeom>
+        </p:spPr>
+      </p:pic>
+    </p:spTree>
+    <p:extLst>
+      <p:ext uri="{BB962C8B-B14F-4D97-AF65-F5344CB8AC3E}">
+        <p14:creationId xmlns:p14="http://schemas.microsoft.com/office/powerpoint/2010/main" val="1176292533"/>
+      </p:ext>
+    </p:extLst>
+  </p:cSld>
+  <p:clrMapOvr>
+    <a:masterClrMapping/>
+  </p:clrMapOvr>
+</p:sld>
+</file>
+
+<file path=ppt/slides/slide3.xml><?xml version="1.0" encoding="utf-8"?>
+<p:sld xmlns:a="http://schemas.openxmlformats.org/drawingml/2006/main" xmlns:r="http://schemas.openxmlformats.org/officeDocument/2006/relationships" xmlns:p="http://schemas.openxmlformats.org/presentationml/2006/main">
+  <p:cSld>
+    <p:spTree>
+      <p:nvGrpSpPr>
+        <p:cNvPr id="1" name="Shape 74"/>
         <p:cNvGrpSpPr/>
         <p:nvPr/>
       </p:nvGrpSpPr>
@@ -7252,7 +7777,9 @@
       <p:sp>
         <p:nvSpPr>
           <p:cNvPr id="75" name="Google Shape;75;p14"/>
-          <p:cNvSpPr txBox="1"/>
+          <p:cNvSpPr txBox="1">
+            <a:spLocks noGrp="1"/>
+          </p:cNvSpPr>
           <p:nvPr>
             <p:ph type="title"/>
           </p:nvPr>
@@ -7267,12 +7794,12 @@
           </a:prstGeom>
         </p:spPr>
         <p:txBody>
-          <a:bodyPr anchorCtr="0" anchor="b" bIns="91425" lIns="91425" spcFirstLastPara="1" rIns="91425" wrap="square" tIns="91425">
+          <a:bodyPr spcFirstLastPara="1" wrap="square" lIns="91425" tIns="91425" rIns="91425" bIns="91425" anchor="b" anchorCtr="0">
             <a:noAutofit/>
           </a:bodyPr>
           <a:lstStyle/>
           <a:p>
-            <a:pPr indent="0" lvl="0" marL="0" rtl="0" algn="l">
+            <a:pPr marL="0" lvl="0" indent="0" algn="l" rtl="0">
               <a:spcBef>
                 <a:spcPts val="0"/>
               </a:spcBef>
@@ -7281,19 +7808,18 @@
               </a:spcAft>
               <a:buNone/>
             </a:pPr>
-            <a:r>
-              <a:t/>
-            </a:r>
-            <a:endParaRPr/>
+            <a:endParaRPr dirty="0"/>
           </a:p>
         </p:txBody>
       </p:sp>
       <p:sp>
         <p:nvSpPr>
           <p:cNvPr id="76" name="Google Shape;76;p14"/>
-          <p:cNvSpPr txBox="1"/>
+          <p:cNvSpPr txBox="1">
+            <a:spLocks noGrp="1"/>
+          </p:cNvSpPr>
           <p:nvPr>
-            <p:ph idx="1" type="body"/>
+            <p:ph type="body" idx="1"/>
           </p:nvPr>
         </p:nvSpPr>
         <p:spPr>
@@ -7306,14 +7832,14 @@
           </a:prstGeom>
         </p:spPr>
         <p:txBody>
-          <a:bodyPr anchorCtr="0" anchor="t" bIns="91425" lIns="91425" spcFirstLastPara="1" rIns="91425" wrap="square" tIns="91425">
+          <a:bodyPr spcFirstLastPara="1" wrap="square" lIns="91425" tIns="91425" rIns="91425" bIns="91425" anchor="t" anchorCtr="0">
             <a:noAutofit/>
           </a:bodyPr>
           <a:lstStyle/>
           <a:p>
-            <a:pPr indent="0" lvl="0" marL="0" rtl="0" algn="l">
-              <a:spcBef>
-                <a:spcPts val="0"/>
+            <a:pPr marL="0" lvl="0" indent="0" algn="l" rtl="0">
+              <a:spcBef>
+                <a:spcPts val="1600"/>
               </a:spcBef>
               <a:spcAft>
                 <a:spcPts val="0"/>
@@ -7321,37 +7847,53 @@
               <a:buNone/>
             </a:pPr>
             <a:r>
-              <a:rPr b="1" lang="pt-BR" sz="1300">
+              <a:rPr lang="pt-BR" sz="1300" b="1" dirty="0">
                 <a:solidFill>
                   <a:schemeClr val="dk2"/>
                 </a:solidFill>
               </a:rPr>
-              <a:t>Append foi usado para adicionar o um elemento ao final de uma lista , </a:t>
+              <a:t>Estrutura </a:t>
             </a:r>
             <a:r>
-              <a:rPr b="1" lang="pt-BR" sz="1300">
+              <a:rPr lang="pt-BR" sz="1300" b="1" dirty="0" err="1">
                 <a:solidFill>
                   <a:schemeClr val="dk2"/>
                 </a:solidFill>
               </a:rPr>
-              <a:t>só</a:t>
+              <a:t>if</a:t>
             </a:r>
             <a:r>
-              <a:rPr b="1" lang="pt-BR" sz="1300">
+              <a:rPr lang="pt-BR" sz="1300" b="1" dirty="0">
                 <a:solidFill>
                   <a:schemeClr val="dk2"/>
                 </a:solidFill>
               </a:rPr>
-              <a:t> estava pegando o primeiro</a:t>
+              <a:t> ,</a:t>
             </a:r>
-            <a:endParaRPr b="1" sz="1300">
+            <a:r>
+              <a:rPr lang="pt-BR" sz="1300" b="1" dirty="0" err="1">
+                <a:solidFill>
+                  <a:schemeClr val="dk2"/>
+                </a:solidFill>
+              </a:rPr>
+              <a:t>else</a:t>
+            </a:r>
+            <a:r>
+              <a:rPr lang="pt-BR" sz="1300" b="1" dirty="0">
+                <a:solidFill>
+                  <a:schemeClr val="dk2"/>
+                </a:solidFill>
+              </a:rPr>
+              <a:t> </a:t>
+            </a:r>
+            <a:endParaRPr sz="1300" b="1" dirty="0">
               <a:solidFill>
                 <a:schemeClr val="dk2"/>
               </a:solidFill>
             </a:endParaRPr>
           </a:p>
           <a:p>
-            <a:pPr indent="0" lvl="0" marL="0" rtl="0" algn="l">
+            <a:pPr marL="0" lvl="0" indent="0" algn="l" rtl="0">
               <a:spcBef>
                 <a:spcPts val="1600"/>
               </a:spcBef>
@@ -7361,21 +7903,21 @@
               <a:buNone/>
             </a:pPr>
             <a:r>
-              <a:rPr b="1" lang="pt-BR" sz="1300">
+              <a:rPr lang="pt-BR" sz="1300" b="1" dirty="0">
                 <a:solidFill>
                   <a:schemeClr val="dk2"/>
                 </a:solidFill>
               </a:rPr>
-              <a:t>  livros.append(livro)</a:t>
+              <a:t> Imprime a lista de livros e desenhos</a:t>
             </a:r>
-            <a:endParaRPr b="1" sz="1300">
+            <a:endParaRPr sz="1300" b="1" dirty="0">
               <a:solidFill>
                 <a:schemeClr val="dk2"/>
               </a:solidFill>
             </a:endParaRPr>
           </a:p>
           <a:p>
-            <a:pPr indent="0" lvl="0" marL="0" rtl="0" algn="l">
+            <a:pPr marL="0" lvl="0" indent="0" algn="l" rtl="0">
               <a:spcBef>
                 <a:spcPts val="1600"/>
               </a:spcBef>
@@ -7385,21 +7927,32 @@
               <a:buNone/>
             </a:pPr>
             <a:r>
-              <a:rPr b="1" lang="pt-BR" sz="1300">
+              <a:rPr lang="pt-BR" sz="1300" b="1" dirty="0">
                 <a:solidFill>
                   <a:schemeClr val="dk2"/>
                 </a:solidFill>
               </a:rPr>
-              <a:t>estrutura if ,else </a:t>
+              <a:t>print("Livros:", livros)</a:t>
             </a:r>
-            <a:endParaRPr b="1" sz="1300">
+          </a:p>
+          <a:p>
+            <a:pPr marL="0" lvl="0" indent="0" algn="l" rtl="0">
+              <a:spcBef>
+                <a:spcPts val="1600"/>
+              </a:spcBef>
+              <a:spcAft>
+                <a:spcPts val="0"/>
+              </a:spcAft>
+              <a:buNone/>
+            </a:pPr>
+            <a:endParaRPr lang="pt-BR" sz="1300" b="1" dirty="0">
               <a:solidFill>
                 <a:schemeClr val="dk2"/>
               </a:solidFill>
             </a:endParaRPr>
           </a:p>
           <a:p>
-            <a:pPr indent="0" lvl="0" marL="0" rtl="0" algn="l">
+            <a:pPr marL="0" lvl="0" indent="0" algn="l" rtl="0">
               <a:spcBef>
                 <a:spcPts val="1600"/>
               </a:spcBef>
@@ -7409,21 +7962,21 @@
               <a:buNone/>
             </a:pPr>
             <a:r>
-              <a:rPr b="1" lang="pt-BR" sz="1300">
+              <a:rPr lang="pt-BR" sz="1300" b="1" dirty="0">
                 <a:solidFill>
                   <a:schemeClr val="dk2"/>
                 </a:solidFill>
               </a:rPr>
-              <a:t> Imprime a lista de livros e desenhos</a:t>
+              <a:t>Função</a:t>
             </a:r>
-            <a:endParaRPr b="1" sz="1300">
+            <a:endParaRPr sz="1300" b="1" dirty="0">
               <a:solidFill>
                 <a:schemeClr val="dk2"/>
               </a:solidFill>
             </a:endParaRPr>
           </a:p>
           <a:p>
-            <a:pPr indent="0" lvl="0" marL="0" rtl="0" algn="l">
+            <a:pPr marL="0" lvl="0" indent="0" algn="l" rtl="0">
               <a:spcBef>
                 <a:spcPts val="1600"/>
               </a:spcBef>
@@ -7433,21 +7986,37 @@
               <a:buNone/>
             </a:pPr>
             <a:r>
-              <a:rPr b="1" lang="pt-BR" sz="1300">
+              <a:rPr lang="pt-BR" sz="1300" b="1" dirty="0">
                 <a:solidFill>
                   <a:schemeClr val="dk2"/>
                 </a:solidFill>
               </a:rPr>
-              <a:t>print("Livros:", livros)</a:t>
+              <a:t>verifica o nome do livro que você deseja e a lista de livros, ela retorna </a:t>
             </a:r>
-            <a:endParaRPr b="1" sz="1300">
+            <a:r>
+              <a:rPr lang="pt-BR" sz="1300" b="1" dirty="0" err="1">
+                <a:solidFill>
+                  <a:schemeClr val="dk2"/>
+                </a:solidFill>
+              </a:rPr>
+              <a:t>True</a:t>
+            </a:r>
+            <a:r>
+              <a:rPr lang="pt-BR" sz="1300" b="1" dirty="0">
+                <a:solidFill>
+                  <a:schemeClr val="dk2"/>
+                </a:solidFill>
+              </a:rPr>
+              <a:t> se o livro já estiver na lista e False se não</a:t>
+            </a:r>
+            <a:endParaRPr sz="1300" b="1" dirty="0">
               <a:solidFill>
                 <a:schemeClr val="dk2"/>
               </a:solidFill>
             </a:endParaRPr>
           </a:p>
           <a:p>
-            <a:pPr indent="0" lvl="0" marL="0" rtl="0" algn="l">
+            <a:pPr marL="0" lvl="0" indent="0" algn="l" rtl="0">
               <a:spcBef>
                 <a:spcPts val="1600"/>
               </a:spcBef>
@@ -7457,94 +8026,86 @@
               <a:buNone/>
             </a:pPr>
             <a:r>
-              <a:rPr b="1" lang="pt-BR" sz="1300">
+              <a:rPr lang="pt-BR" sz="1300" b="1" dirty="0">
                 <a:solidFill>
                   <a:schemeClr val="dk2"/>
                 </a:solidFill>
               </a:rPr>
-              <a:t>verifica o nome do livro que você deseja e a lista de livros, ela retorna True se o livro </a:t>
+              <a:t>estrutura </a:t>
             </a:r>
             <a:r>
-              <a:rPr b="1" lang="pt-BR" sz="1300">
+              <a:rPr lang="pt-BR" sz="1300" b="1" dirty="0" err="1">
                 <a:solidFill>
                   <a:schemeClr val="dk2"/>
                 </a:solidFill>
               </a:rPr>
-              <a:t>já</a:t>
+              <a:t>if</a:t>
             </a:r>
             <a:r>
-              <a:rPr b="1" lang="pt-BR" sz="1300">
+              <a:rPr lang="pt-BR" sz="1300" b="1" dirty="0">
                 <a:solidFill>
                   <a:schemeClr val="dk2"/>
                 </a:solidFill>
               </a:rPr>
-              <a:t> estiver na lista e False se não</a:t>
+              <a:t> ,</a:t>
             </a:r>
-            <a:endParaRPr b="1" sz="1300">
+            <a:r>
+              <a:rPr lang="pt-BR" sz="1300" b="1" dirty="0" err="1">
+                <a:solidFill>
+                  <a:schemeClr val="dk2"/>
+                </a:solidFill>
+              </a:rPr>
+              <a:t>else</a:t>
+            </a:r>
+            <a:r>
+              <a:rPr lang="pt-BR" sz="1300" b="1" dirty="0">
+                <a:solidFill>
+                  <a:schemeClr val="dk2"/>
+                </a:solidFill>
+              </a:rPr>
+              <a:t>  que chama a função </a:t>
+            </a:r>
+            <a:r>
+              <a:rPr lang="pt-BR" sz="1300" b="1" dirty="0" err="1">
+                <a:solidFill>
+                  <a:schemeClr val="dk2"/>
+                </a:solidFill>
+              </a:rPr>
+              <a:t>verifica_livro</a:t>
+            </a:r>
+            <a:r>
+              <a:rPr lang="pt-BR" sz="1300" b="1" dirty="0">
+                <a:solidFill>
+                  <a:schemeClr val="dk2"/>
+                </a:solidFill>
+              </a:rPr>
+              <a:t> que printa se o nome do livro já existe na lista</a:t>
+            </a:r>
+            <a:endParaRPr sz="1300" b="1" dirty="0">
               <a:solidFill>
                 <a:schemeClr val="dk2"/>
               </a:solidFill>
             </a:endParaRPr>
           </a:p>
           <a:p>
-            <a:pPr indent="0" lvl="0" marL="0" rtl="0" algn="l">
-              <a:spcBef>
-                <a:spcPts val="1600"/>
-              </a:spcBef>
-              <a:spcAft>
-                <a:spcPts val="0"/>
+            <a:pPr marL="0" lvl="0" indent="0" algn="l" rtl="0">
+              <a:spcBef>
+                <a:spcPts val="1600"/>
+              </a:spcBef>
+              <a:spcAft>
+                <a:spcPts val="1600"/>
               </a:spcAft>
               <a:buNone/>
             </a:pPr>
             <a:r>
-              <a:rPr b="1" lang="pt-BR" sz="1300">
-                <a:solidFill>
-                  <a:schemeClr val="dk2"/>
-                </a:solidFill>
-              </a:rPr>
-              <a:t>estrutura if ,else  que chama a função verifica_livro que printa se o nome do livro </a:t>
-            </a:r>
-            <a:r>
-              <a:rPr b="1" lang="pt-BR" sz="1300">
-                <a:solidFill>
-                  <a:schemeClr val="dk2"/>
-                </a:solidFill>
-              </a:rPr>
-              <a:t>já</a:t>
-            </a:r>
-            <a:r>
-              <a:rPr b="1" lang="pt-BR" sz="1300">
-                <a:solidFill>
-                  <a:schemeClr val="dk2"/>
-                </a:solidFill>
-              </a:rPr>
-              <a:t> existe na lista</a:t>
-            </a:r>
-            <a:endParaRPr b="1" sz="1300">
-              <a:solidFill>
-                <a:schemeClr val="dk2"/>
-              </a:solidFill>
-            </a:endParaRPr>
-          </a:p>
-          <a:p>
-            <a:pPr indent="0" lvl="0" marL="0" rtl="0" algn="l">
-              <a:spcBef>
-                <a:spcPts val="1600"/>
-              </a:spcBef>
-              <a:spcAft>
-                <a:spcPts val="1600"/>
-              </a:spcAft>
-              <a:buNone/>
-            </a:pPr>
-            <a:r>
-              <a:rPr b="1" lang="pt-BR" sz="1300">
+              <a:rPr lang="pt-BR" sz="1300" b="1" dirty="0">
                 <a:solidFill>
                   <a:schemeClr val="dk2"/>
                 </a:solidFill>
               </a:rPr>
               <a:t>   </a:t>
             </a:r>
-            <a:endParaRPr b="1" sz="1300">
+            <a:endParaRPr sz="1300" b="1" dirty="0">
               <a:solidFill>
                 <a:schemeClr val="dk2"/>
               </a:solidFill>
@@ -7568,8 +8129,8 @@
         </p:blipFill>
         <p:spPr>
           <a:xfrm>
-            <a:off x="4651226" y="152400"/>
-            <a:ext cx="3513300" cy="3972825"/>
+            <a:off x="4651225" y="152400"/>
+            <a:ext cx="4216150" cy="4737500"/>
           </a:xfrm>
           <a:prstGeom prst="rect">
             <a:avLst/>
@@ -7600,12 +8161,12 @@
           </a:ln>
         </p:spPr>
         <p:txBody>
-          <a:bodyPr anchorCtr="0" anchor="t" bIns="91425" lIns="91425" spcFirstLastPara="1" rIns="91425" wrap="square" tIns="91425">
+          <a:bodyPr spcFirstLastPara="1" wrap="square" lIns="91425" tIns="91425" rIns="91425" bIns="91425" anchor="t" anchorCtr="0">
             <a:spAutoFit/>
           </a:bodyPr>
           <a:lstStyle/>
           <a:p>
-            <a:pPr indent="0" lvl="0" marL="0" rtl="0" algn="l">
+            <a:pPr marL="0" lvl="0" indent="0" algn="l" rtl="0">
               <a:spcBef>
                 <a:spcPts val="0"/>
               </a:spcBef>
@@ -7614,9 +8175,6 @@
               </a:spcAft>
               <a:buNone/>
             </a:pPr>
-            <a:r>
-              <a:t/>
-            </a:r>
             <a:endParaRPr sz="1800">
               <a:solidFill>
                 <a:schemeClr val="lt2"/>
@@ -7638,7 +8196,7 @@
 </file>
 
 <file path=ppt/theme/theme1.xml><?xml version="1.0" encoding="utf-8"?>
-<a:theme xmlns:a="http://schemas.openxmlformats.org/drawingml/2006/main" xmlns:r="http://schemas.openxmlformats.org/officeDocument/2006/relationships" name="Material">
+<a:theme xmlns:a="http://schemas.openxmlformats.org/drawingml/2006/main" name="Material">
   <a:themeElements>
     <a:clrScheme name="Material">
       <a:dk1>
@@ -7913,11 +8471,13 @@
       </a:bgFillStyleLst>
     </a:fmtScheme>
   </a:themeElements>
+  <a:objectDefaults/>
+  <a:extraClrSchemeLst/>
 </a:theme>
 </file>
 
 <file path=ppt/theme/theme2.xml><?xml version="1.0" encoding="utf-8"?>
-<a:theme xmlns:a="http://schemas.openxmlformats.org/drawingml/2006/main" xmlns:r="http://schemas.openxmlformats.org/officeDocument/2006/relationships">
+<a:theme xmlns:a="http://schemas.openxmlformats.org/drawingml/2006/main">
   <a:themeElements>
     <a:clrScheme name="Default">
       <a:dk1>
@@ -8192,5 +8752,7 @@
       </a:bgFillStyleLst>
     </a:fmtScheme>
   </a:themeElements>
+  <a:objectDefaults/>
+  <a:extraClrSchemeLst/>
 </a:theme>
 </file>